--- a/演示文稿1.pptx
+++ b/演示文稿1.pptx
@@ -10,10 +10,14 @@
     <p:sldId id="261" r:id="rId4"/>
     <p:sldId id="258" r:id="rId5"/>
     <p:sldId id="259" r:id="rId6"/>
-    <p:sldId id="260" r:id="rId7"/>
-    <p:sldId id="262" r:id="rId8"/>
-    <p:sldId id="263" r:id="rId9"/>
-    <p:sldId id="264" r:id="rId10"/>
+    <p:sldId id="262" r:id="rId7"/>
+    <p:sldId id="266" r:id="rId8"/>
+    <p:sldId id="260" r:id="rId9"/>
+    <p:sldId id="265" r:id="rId10"/>
+    <p:sldId id="267" r:id="rId11"/>
+    <p:sldId id="264" r:id="rId12"/>
+    <p:sldId id="268" r:id="rId13"/>
+    <p:sldId id="263" r:id="rId14"/>
   </p:sldIdLst>
   <p:sldSz cx="9144000" cy="6858000" type="screen4x3"/>
   <p:notesSz cx="6858000" cy="9144000"/>
@@ -251,7 +255,7 @@
           <a:p>
             <a:fld id="{BC0B2867-882A-411E-8242-831D44E0C784}" type="datetimeFigureOut">
               <a:rPr lang="en-US" smtClean="0"/>
-              <a:t>11/3/2015</a:t>
+              <a:t>11/4/2015</a:t>
             </a:fld>
             <a:endParaRPr lang="en-US"/>
           </a:p>
@@ -421,7 +425,7 @@
           <a:p>
             <a:fld id="{BC0B2867-882A-411E-8242-831D44E0C784}" type="datetimeFigureOut">
               <a:rPr lang="en-US" smtClean="0"/>
-              <a:t>11/3/2015</a:t>
+              <a:t>11/4/2015</a:t>
             </a:fld>
             <a:endParaRPr lang="en-US"/>
           </a:p>
@@ -601,7 +605,7 @@
           <a:p>
             <a:fld id="{BC0B2867-882A-411E-8242-831D44E0C784}" type="datetimeFigureOut">
               <a:rPr lang="en-US" smtClean="0"/>
-              <a:t>11/3/2015</a:t>
+              <a:t>11/4/2015</a:t>
             </a:fld>
             <a:endParaRPr lang="en-US"/>
           </a:p>
@@ -771,7 +775,7 @@
           <a:p>
             <a:fld id="{BC0B2867-882A-411E-8242-831D44E0C784}" type="datetimeFigureOut">
               <a:rPr lang="en-US" smtClean="0"/>
-              <a:t>11/3/2015</a:t>
+              <a:t>11/4/2015</a:t>
             </a:fld>
             <a:endParaRPr lang="en-US"/>
           </a:p>
@@ -1015,7 +1019,7 @@
           <a:p>
             <a:fld id="{BC0B2867-882A-411E-8242-831D44E0C784}" type="datetimeFigureOut">
               <a:rPr lang="en-US" smtClean="0"/>
-              <a:t>11/3/2015</a:t>
+              <a:t>11/4/2015</a:t>
             </a:fld>
             <a:endParaRPr lang="en-US"/>
           </a:p>
@@ -1247,7 +1251,7 @@
           <a:p>
             <a:fld id="{BC0B2867-882A-411E-8242-831D44E0C784}" type="datetimeFigureOut">
               <a:rPr lang="en-US" smtClean="0"/>
-              <a:t>11/3/2015</a:t>
+              <a:t>11/4/2015</a:t>
             </a:fld>
             <a:endParaRPr lang="en-US"/>
           </a:p>
@@ -1614,7 +1618,7 @@
           <a:p>
             <a:fld id="{BC0B2867-882A-411E-8242-831D44E0C784}" type="datetimeFigureOut">
               <a:rPr lang="en-US" smtClean="0"/>
-              <a:t>11/3/2015</a:t>
+              <a:t>11/4/2015</a:t>
             </a:fld>
             <a:endParaRPr lang="en-US"/>
           </a:p>
@@ -1732,7 +1736,7 @@
           <a:p>
             <a:fld id="{BC0B2867-882A-411E-8242-831D44E0C784}" type="datetimeFigureOut">
               <a:rPr lang="en-US" smtClean="0"/>
-              <a:t>11/3/2015</a:t>
+              <a:t>11/4/2015</a:t>
             </a:fld>
             <a:endParaRPr lang="en-US"/>
           </a:p>
@@ -1827,7 +1831,7 @@
           <a:p>
             <a:fld id="{BC0B2867-882A-411E-8242-831D44E0C784}" type="datetimeFigureOut">
               <a:rPr lang="en-US" smtClean="0"/>
-              <a:t>11/3/2015</a:t>
+              <a:t>11/4/2015</a:t>
             </a:fld>
             <a:endParaRPr lang="en-US"/>
           </a:p>
@@ -2104,7 +2108,7 @@
           <a:p>
             <a:fld id="{BC0B2867-882A-411E-8242-831D44E0C784}" type="datetimeFigureOut">
               <a:rPr lang="en-US" smtClean="0"/>
-              <a:t>11/3/2015</a:t>
+              <a:t>11/4/2015</a:t>
             </a:fld>
             <a:endParaRPr lang="en-US"/>
           </a:p>
@@ -2361,7 +2365,7 @@
           <a:p>
             <a:fld id="{BC0B2867-882A-411E-8242-831D44E0C784}" type="datetimeFigureOut">
               <a:rPr lang="en-US" smtClean="0"/>
-              <a:t>11/3/2015</a:t>
+              <a:t>11/4/2015</a:t>
             </a:fld>
             <a:endParaRPr lang="en-US"/>
           </a:p>
@@ -2577,7 +2581,7 @@
           <a:p>
             <a:fld id="{BC0B2867-882A-411E-8242-831D44E0C784}" type="datetimeFigureOut">
               <a:rPr lang="en-US" smtClean="0"/>
-              <a:t>11/3/2015</a:t>
+              <a:t>11/4/2015</a:t>
             </a:fld>
             <a:endParaRPr lang="en-US"/>
           </a:p>
@@ -3176,35 +3180,35 @@
             <a:pPr algn="ctr"/>
             <a:r>
               <a:rPr lang="zh-CN" altLang="en-US" sz="1350" dirty="0" smtClean="0">
-                <a:latin typeface="Noto Sans S Chinese Black" panose="020B0A00000000000000" pitchFamily="34" charset="-122"/>
-                <a:ea typeface="Noto Sans S Chinese Black" panose="020B0A00000000000000" pitchFamily="34" charset="-122"/>
-              </a:rPr>
-              <a:t>小组成员</a:t>
-            </a:r>
-            <a:endParaRPr lang="en-US" altLang="zh-CN" sz="1350" dirty="0" smtClean="0">
-              <a:latin typeface="Noto Sans S Chinese Black" panose="020B0A00000000000000" pitchFamily="34" charset="-122"/>
-              <a:ea typeface="Noto Sans S Chinese Black" panose="020B0A00000000000000" pitchFamily="34" charset="-122"/>
-            </a:endParaRPr>
-          </a:p>
-          <a:p>
-            <a:pPr algn="ctr"/>
-            <a:r>
-              <a:rPr lang="zh-CN" altLang="en-US" sz="1350" dirty="0" smtClean="0">
                 <a:latin typeface="Noto Sans S Chinese Medium" panose="020B0600000000000000" pitchFamily="34" charset="-122"/>
                 <a:ea typeface="Noto Sans S Chinese Medium" panose="020B0600000000000000" pitchFamily="34" charset="-122"/>
               </a:rPr>
-              <a:t>海</a:t>
-            </a:r>
-            <a:r>
-              <a:rPr lang="zh-CN" altLang="en-US" sz="1350" dirty="0">
-                <a:latin typeface="Noto Sans S Chinese Medium" panose="020B0600000000000000" pitchFamily="34" charset="-122"/>
-                <a:ea typeface="Noto Sans S Chinese Medium" panose="020B0600000000000000" pitchFamily="34" charset="-122"/>
-              </a:rPr>
-              <a:t>杰文 蔡武威 田黄石 熊青城</a:t>
-            </a:r>
-            <a:endParaRPr lang="en-US" sz="1350" dirty="0">
+              <a:t>小组成员</a:t>
+            </a:r>
+            <a:endParaRPr lang="en-US" altLang="zh-CN" sz="1350" dirty="0" smtClean="0">
               <a:latin typeface="Noto Sans S Chinese Medium" panose="020B0600000000000000" pitchFamily="34" charset="-122"/>
               <a:ea typeface="Noto Sans S Chinese Medium" panose="020B0600000000000000" pitchFamily="34" charset="-122"/>
+            </a:endParaRPr>
+          </a:p>
+          <a:p>
+            <a:pPr algn="ctr"/>
+            <a:r>
+              <a:rPr lang="zh-CN" altLang="en-US" sz="1350" dirty="0" smtClean="0">
+                <a:latin typeface="Noto Sans S Chinese DemiLight" panose="020B0400000000000000" pitchFamily="34" charset="-122"/>
+                <a:ea typeface="Noto Sans S Chinese DemiLight" panose="020B0400000000000000" pitchFamily="34" charset="-122"/>
+              </a:rPr>
+              <a:t>海</a:t>
+            </a:r>
+            <a:r>
+              <a:rPr lang="zh-CN" altLang="en-US" sz="1350" dirty="0">
+                <a:latin typeface="Noto Sans S Chinese DemiLight" panose="020B0400000000000000" pitchFamily="34" charset="-122"/>
+                <a:ea typeface="Noto Sans S Chinese DemiLight" panose="020B0400000000000000" pitchFamily="34" charset="-122"/>
+              </a:rPr>
+              <a:t>杰文 蔡武威 田黄石 熊青城</a:t>
+            </a:r>
+            <a:endParaRPr lang="en-US" sz="1350" dirty="0">
+              <a:latin typeface="Noto Sans S Chinese DemiLight" panose="020B0400000000000000" pitchFamily="34" charset="-122"/>
+              <a:ea typeface="Noto Sans S Chinese DemiLight" panose="020B0400000000000000" pitchFamily="34" charset="-122"/>
             </a:endParaRPr>
           </a:p>
         </p:txBody>
@@ -3298,6 +3302,1718 @@
 </p:sld>
 </file>
 
+<file path=ppt/slides/slide10.xml><?xml version="1.0" encoding="utf-8"?>
+<p:sld xmlns:a="http://schemas.openxmlformats.org/drawingml/2006/main" xmlns:r="http://schemas.openxmlformats.org/officeDocument/2006/relationships" xmlns:p="http://schemas.openxmlformats.org/presentationml/2006/main">
+  <p:cSld>
+    <p:spTree>
+      <p:nvGrpSpPr>
+        <p:cNvPr id="1" name=""/>
+        <p:cNvGrpSpPr/>
+        <p:nvPr/>
+      </p:nvGrpSpPr>
+      <p:grpSpPr>
+        <a:xfrm>
+          <a:off x="0" y="0"/>
+          <a:ext cx="0" cy="0"/>
+          <a:chOff x="0" y="0"/>
+          <a:chExt cx="0" cy="0"/>
+        </a:xfrm>
+      </p:grpSpPr>
+      <p:sp>
+        <p:nvSpPr>
+          <p:cNvPr id="7" name="圆角矩形 6"/>
+          <p:cNvSpPr/>
+          <p:nvPr/>
+        </p:nvSpPr>
+        <p:spPr>
+          <a:xfrm>
+            <a:off x="912711" y="1506574"/>
+            <a:ext cx="7318577" cy="4642609"/>
+          </a:xfrm>
+          <a:prstGeom prst="roundRect">
+            <a:avLst>
+              <a:gd name="adj" fmla="val 602"/>
+            </a:avLst>
+          </a:prstGeom>
+          <a:solidFill>
+            <a:schemeClr val="bg1">
+              <a:lumMod val="95000"/>
+            </a:schemeClr>
+          </a:solidFill>
+          <a:ln>
+            <a:noFill/>
+          </a:ln>
+          <a:effectLst>
+            <a:outerShdw blurRad="127000" dist="50800" dir="5400000" algn="t" rotWithShape="0">
+              <a:prstClr val="black">
+                <a:alpha val="35000"/>
+              </a:prstClr>
+            </a:outerShdw>
+          </a:effectLst>
+        </p:spPr>
+        <p:style>
+          <a:lnRef idx="2">
+            <a:schemeClr val="accent1">
+              <a:shade val="50000"/>
+            </a:schemeClr>
+          </a:lnRef>
+          <a:fillRef idx="1">
+            <a:schemeClr val="accent1"/>
+          </a:fillRef>
+          <a:effectRef idx="0">
+            <a:schemeClr val="accent1"/>
+          </a:effectRef>
+          <a:fontRef idx="minor">
+            <a:schemeClr val="lt1"/>
+          </a:fontRef>
+        </p:style>
+        <p:txBody>
+          <a:bodyPr rtlCol="0" anchor="ctr"/>
+          <a:lstStyle/>
+          <a:p>
+            <a:pPr algn="ctr"/>
+            <a:endParaRPr lang="zh-CN" altLang="en-US"/>
+          </a:p>
+        </p:txBody>
+      </p:sp>
+      <p:sp>
+        <p:nvSpPr>
+          <p:cNvPr id="4" name="矩形 3"/>
+          <p:cNvSpPr/>
+          <p:nvPr/>
+        </p:nvSpPr>
+        <p:spPr>
+          <a:xfrm>
+            <a:off x="0" y="0"/>
+            <a:ext cx="9144000" cy="760021"/>
+          </a:xfrm>
+          <a:prstGeom prst="rect">
+            <a:avLst/>
+          </a:prstGeom>
+          <a:solidFill>
+            <a:srgbClr val="01579B"/>
+          </a:solidFill>
+          <a:ln>
+            <a:noFill/>
+          </a:ln>
+          <a:effectLst>
+            <a:outerShdw blurRad="50800" dist="38100" dir="5400000" algn="t" rotWithShape="0">
+              <a:prstClr val="black">
+                <a:alpha val="40000"/>
+              </a:prstClr>
+            </a:outerShdw>
+          </a:effectLst>
+        </p:spPr>
+        <p:style>
+          <a:lnRef idx="2">
+            <a:schemeClr val="accent1">
+              <a:shade val="50000"/>
+            </a:schemeClr>
+          </a:lnRef>
+          <a:fillRef idx="1">
+            <a:schemeClr val="accent1"/>
+          </a:fillRef>
+          <a:effectRef idx="0">
+            <a:schemeClr val="accent1"/>
+          </a:effectRef>
+          <a:fontRef idx="minor">
+            <a:schemeClr val="lt1"/>
+          </a:fontRef>
+        </p:style>
+        <p:txBody>
+          <a:bodyPr rtlCol="0" anchor="ctr"/>
+          <a:lstStyle/>
+          <a:p>
+            <a:pPr algn="ctr"/>
+            <a:endParaRPr lang="en-US"/>
+          </a:p>
+        </p:txBody>
+      </p:sp>
+      <p:sp>
+        <p:nvSpPr>
+          <p:cNvPr id="6" name="文本框 5"/>
+          <p:cNvSpPr txBox="1"/>
+          <p:nvPr/>
+        </p:nvSpPr>
+        <p:spPr>
+          <a:xfrm>
+            <a:off x="370696" y="118400"/>
+            <a:ext cx="1662546" cy="523220"/>
+          </a:xfrm>
+          <a:prstGeom prst="rect">
+            <a:avLst/>
+          </a:prstGeom>
+          <a:noFill/>
+        </p:spPr>
+        <p:txBody>
+          <a:bodyPr wrap="square" rtlCol="0">
+            <a:spAutoFit/>
+          </a:bodyPr>
+          <a:lstStyle/>
+          <a:p>
+            <a:pPr algn="ctr"/>
+            <a:r>
+              <a:rPr lang="zh-CN" altLang="en-US" sz="2800" dirty="0" smtClean="0">
+                <a:solidFill>
+                  <a:schemeClr val="bg1"/>
+                </a:solidFill>
+                <a:latin typeface="Noto Sans S Chinese Medium" panose="020B0600000000000000" pitchFamily="34" charset="-122"/>
+                <a:ea typeface="Noto Sans S Chinese Medium" panose="020B0600000000000000" pitchFamily="34" charset="-122"/>
+              </a:rPr>
+              <a:t>计算平台</a:t>
+            </a:r>
+            <a:endParaRPr lang="en-US" sz="2800" dirty="0">
+              <a:solidFill>
+                <a:schemeClr val="bg1"/>
+              </a:solidFill>
+              <a:latin typeface="Noto Sans S Chinese Medium" panose="020B0600000000000000" pitchFamily="34" charset="-122"/>
+              <a:ea typeface="Noto Sans S Chinese Medium" panose="020B0600000000000000" pitchFamily="34" charset="-122"/>
+            </a:endParaRPr>
+          </a:p>
+        </p:txBody>
+      </p:sp>
+      <p:sp>
+        <p:nvSpPr>
+          <p:cNvPr id="2" name="矩形 1"/>
+          <p:cNvSpPr/>
+          <p:nvPr/>
+        </p:nvSpPr>
+        <p:spPr>
+          <a:xfrm>
+            <a:off x="2886985" y="3504222"/>
+            <a:ext cx="4572000" cy="646331"/>
+          </a:xfrm>
+          <a:prstGeom prst="rect">
+            <a:avLst/>
+          </a:prstGeom>
+        </p:spPr>
+        <p:txBody>
+          <a:bodyPr>
+            <a:spAutoFit/>
+          </a:bodyPr>
+          <a:lstStyle/>
+          <a:p>
+            <a:r>
+              <a:rPr lang="zh-CN" altLang="en-US" dirty="0">
+                <a:latin typeface="Noto Sans S Chinese Light" panose="020B0300000000000000" pitchFamily="34" charset="-122"/>
+                <a:ea typeface="Noto Sans S Chinese Light" panose="020B0300000000000000" pitchFamily="34" charset="-122"/>
+                <a:cs typeface="Times New Roman" panose="02020603050405020304" pitchFamily="18" charset="0"/>
+              </a:rPr>
+              <a:t>计算主要集中于次级计算中心，在每个次级数据中心的硬件基础上建立私有云。</a:t>
+            </a:r>
+            <a:endParaRPr lang="en-US" dirty="0">
+              <a:latin typeface="Noto Sans S Chinese Light" panose="020B0300000000000000" pitchFamily="34" charset="-122"/>
+              <a:ea typeface="Noto Sans S Chinese Light" panose="020B0300000000000000" pitchFamily="34" charset="-122"/>
+              <a:cs typeface="Times New Roman" panose="02020603050405020304" pitchFamily="18" charset="0"/>
+            </a:endParaRPr>
+          </a:p>
+        </p:txBody>
+      </p:sp>
+      <p:sp>
+        <p:nvSpPr>
+          <p:cNvPr id="3" name="矩形 2"/>
+          <p:cNvSpPr/>
+          <p:nvPr/>
+        </p:nvSpPr>
+        <p:spPr>
+          <a:xfrm>
+            <a:off x="2886985" y="4537702"/>
+            <a:ext cx="4572000" cy="1200329"/>
+          </a:xfrm>
+          <a:prstGeom prst="rect">
+            <a:avLst/>
+          </a:prstGeom>
+        </p:spPr>
+        <p:txBody>
+          <a:bodyPr>
+            <a:spAutoFit/>
+          </a:bodyPr>
+          <a:lstStyle/>
+          <a:p>
+            <a:r>
+              <a:rPr lang="zh-CN" altLang="en-US" dirty="0">
+                <a:latin typeface="Noto Sans S Chinese Light" panose="020B0300000000000000" pitchFamily="34" charset="-122"/>
+                <a:ea typeface="Noto Sans S Chinese Light" panose="020B0300000000000000" pitchFamily="34" charset="-122"/>
+                <a:cs typeface="Times New Roman" panose="02020603050405020304" pitchFamily="18" charset="0"/>
+              </a:rPr>
+              <a:t>由大量</a:t>
+            </a:r>
+            <a:r>
+              <a:rPr lang="zh-CN" altLang="en-US" dirty="0" smtClean="0">
+                <a:latin typeface="Noto Sans S Chinese Light" panose="020B0300000000000000" pitchFamily="34" charset="-122"/>
+                <a:ea typeface="Noto Sans S Chinese Light" panose="020B0300000000000000" pitchFamily="34" charset="-122"/>
+                <a:cs typeface="Times New Roman" panose="02020603050405020304" pitchFamily="18" charset="0"/>
+              </a:rPr>
+              <a:t>普通的</a:t>
+            </a:r>
+            <a:r>
+              <a:rPr lang="en-US" dirty="0" smtClean="0">
+                <a:latin typeface="Noto Sans S Chinese Light" panose="020B0300000000000000" pitchFamily="34" charset="-122"/>
+                <a:ea typeface="Noto Sans S Chinese Light" panose="020B0300000000000000" pitchFamily="34" charset="-122"/>
+                <a:cs typeface="Times New Roman" panose="02020603050405020304" pitchFamily="18" charset="0"/>
+              </a:rPr>
+              <a:t>Linux</a:t>
+            </a:r>
+            <a:r>
+              <a:rPr lang="zh-CN" altLang="en-US" dirty="0" smtClean="0">
+                <a:latin typeface="Noto Sans S Chinese Light" panose="020B0300000000000000" pitchFamily="34" charset="-122"/>
+                <a:ea typeface="Noto Sans S Chinese Light" panose="020B0300000000000000" pitchFamily="34" charset="-122"/>
+                <a:cs typeface="Times New Roman" panose="02020603050405020304" pitchFamily="18" charset="0"/>
+              </a:rPr>
+              <a:t>服务器</a:t>
+            </a:r>
+            <a:r>
+              <a:rPr lang="zh-CN" altLang="en-US" dirty="0">
+                <a:latin typeface="Noto Sans S Chinese Light" panose="020B0300000000000000" pitchFamily="34" charset="-122"/>
+                <a:ea typeface="Noto Sans S Chinese Light" panose="020B0300000000000000" pitchFamily="34" charset="-122"/>
+                <a:cs typeface="Times New Roman" panose="02020603050405020304" pitchFamily="18" charset="0"/>
+              </a:rPr>
+              <a:t>组成，在这些服务器之上将安装</a:t>
+            </a:r>
+            <a:r>
+              <a:rPr lang="en-US" dirty="0" err="1">
+                <a:latin typeface="Noto Sans S Chinese Light" panose="020B0300000000000000" pitchFamily="34" charset="-122"/>
+                <a:ea typeface="Noto Sans S Chinese Light" panose="020B0300000000000000" pitchFamily="34" charset="-122"/>
+                <a:cs typeface="Times New Roman" panose="02020603050405020304" pitchFamily="18" charset="0"/>
+              </a:rPr>
+              <a:t>kvm</a:t>
+            </a:r>
+            <a:r>
+              <a:rPr lang="zh-CN" altLang="en-US" dirty="0">
+                <a:latin typeface="Noto Sans S Chinese Light" panose="020B0300000000000000" pitchFamily="34" charset="-122"/>
+                <a:ea typeface="Noto Sans S Chinese Light" panose="020B0300000000000000" pitchFamily="34" charset="-122"/>
+                <a:cs typeface="Times New Roman" panose="02020603050405020304" pitchFamily="18" charset="0"/>
+              </a:rPr>
+              <a:t>以提供虚拟化能力。使用</a:t>
+            </a:r>
+            <a:r>
+              <a:rPr lang="en-US" dirty="0" err="1">
+                <a:latin typeface="Noto Sans S Chinese Light" panose="020B0300000000000000" pitchFamily="34" charset="-122"/>
+                <a:ea typeface="Noto Sans S Chinese Light" panose="020B0300000000000000" pitchFamily="34" charset="-122"/>
+                <a:cs typeface="Times New Roman" panose="02020603050405020304" pitchFamily="18" charset="0"/>
+              </a:rPr>
+              <a:t>OpenStack</a:t>
+            </a:r>
+            <a:r>
+              <a:rPr lang="zh-CN" altLang="en-US" dirty="0">
+                <a:latin typeface="Noto Sans S Chinese Light" panose="020B0300000000000000" pitchFamily="34" charset="-122"/>
+                <a:ea typeface="Noto Sans S Chinese Light" panose="020B0300000000000000" pitchFamily="34" charset="-122"/>
+                <a:cs typeface="Times New Roman" panose="02020603050405020304" pitchFamily="18" charset="0"/>
+              </a:rPr>
+              <a:t>作为中间件，从而虚拟化出大量的虚拟机供平台部署应用。</a:t>
+            </a:r>
+            <a:endParaRPr lang="en-US" dirty="0">
+              <a:latin typeface="Noto Sans S Chinese Light" panose="020B0300000000000000" pitchFamily="34" charset="-122"/>
+              <a:ea typeface="Noto Sans S Chinese Light" panose="020B0300000000000000" pitchFamily="34" charset="-122"/>
+              <a:cs typeface="Times New Roman" panose="02020603050405020304" pitchFamily="18" charset="0"/>
+            </a:endParaRPr>
+          </a:p>
+        </p:txBody>
+      </p:sp>
+      <p:sp>
+        <p:nvSpPr>
+          <p:cNvPr id="5" name="矩形 4"/>
+          <p:cNvSpPr/>
+          <p:nvPr/>
+        </p:nvSpPr>
+        <p:spPr>
+          <a:xfrm>
+            <a:off x="2886985" y="2201903"/>
+            <a:ext cx="4572000" cy="646331"/>
+          </a:xfrm>
+          <a:prstGeom prst="rect">
+            <a:avLst/>
+          </a:prstGeom>
+        </p:spPr>
+        <p:txBody>
+          <a:bodyPr>
+            <a:spAutoFit/>
+          </a:bodyPr>
+          <a:lstStyle/>
+          <a:p>
+            <a:r>
+              <a:rPr lang="zh-CN" altLang="en-US" dirty="0">
+                <a:latin typeface="Noto Sans S Chinese Light" panose="020B0300000000000000" pitchFamily="34" charset="-122"/>
+                <a:ea typeface="Noto Sans S Chinese Light" panose="020B0300000000000000" pitchFamily="34" charset="-122"/>
+                <a:cs typeface="Times New Roman" panose="02020603050405020304" pitchFamily="18" charset="0"/>
+              </a:rPr>
+              <a:t>良好的灵活性，更高的可用性，拥有快速更新技术、更快调配</a:t>
+            </a:r>
+            <a:r>
+              <a:rPr lang="en-US" dirty="0">
+                <a:latin typeface="Noto Sans S Chinese Light" panose="020B0300000000000000" pitchFamily="34" charset="-122"/>
+                <a:ea typeface="Noto Sans S Chinese Light" panose="020B0300000000000000" pitchFamily="34" charset="-122"/>
+                <a:cs typeface="Times New Roman" panose="02020603050405020304" pitchFamily="18" charset="0"/>
+              </a:rPr>
+              <a:t>IT</a:t>
+            </a:r>
+            <a:r>
+              <a:rPr lang="zh-CN" altLang="en-US" dirty="0">
+                <a:latin typeface="Noto Sans S Chinese Light" panose="020B0300000000000000" pitchFamily="34" charset="-122"/>
+                <a:ea typeface="Noto Sans S Chinese Light" panose="020B0300000000000000" pitchFamily="34" charset="-122"/>
+                <a:cs typeface="Times New Roman" panose="02020603050405020304" pitchFamily="18" charset="0"/>
+              </a:rPr>
+              <a:t>资源的能力</a:t>
+            </a:r>
+            <a:endParaRPr lang="en-US" dirty="0">
+              <a:latin typeface="Noto Sans S Chinese Light" panose="020B0300000000000000" pitchFamily="34" charset="-122"/>
+              <a:ea typeface="Noto Sans S Chinese Light" panose="020B0300000000000000" pitchFamily="34" charset="-122"/>
+              <a:cs typeface="Times New Roman" panose="02020603050405020304" pitchFamily="18" charset="0"/>
+            </a:endParaRPr>
+          </a:p>
+        </p:txBody>
+      </p:sp>
+      <p:sp>
+        <p:nvSpPr>
+          <p:cNvPr id="9" name="矩形 8"/>
+          <p:cNvSpPr/>
+          <p:nvPr/>
+        </p:nvSpPr>
+        <p:spPr>
+          <a:xfrm>
+            <a:off x="912708" y="2212950"/>
+            <a:ext cx="1685019" cy="605701"/>
+          </a:xfrm>
+          <a:prstGeom prst="rect">
+            <a:avLst/>
+          </a:prstGeom>
+          <a:solidFill>
+            <a:srgbClr val="FF5722"/>
+          </a:solidFill>
+          <a:ln>
+            <a:noFill/>
+          </a:ln>
+          <a:effectLst>
+            <a:outerShdw blurRad="50800" dist="38100" dir="5400000" algn="t" rotWithShape="0">
+              <a:prstClr val="black">
+                <a:alpha val="40000"/>
+              </a:prstClr>
+            </a:outerShdw>
+          </a:effectLst>
+        </p:spPr>
+        <p:style>
+          <a:lnRef idx="2">
+            <a:schemeClr val="accent1">
+              <a:shade val="50000"/>
+            </a:schemeClr>
+          </a:lnRef>
+          <a:fillRef idx="1">
+            <a:schemeClr val="accent1"/>
+          </a:fillRef>
+          <a:effectRef idx="0">
+            <a:schemeClr val="accent1"/>
+          </a:effectRef>
+          <a:fontRef idx="minor">
+            <a:schemeClr val="lt1"/>
+          </a:fontRef>
+        </p:style>
+        <p:txBody>
+          <a:bodyPr rtlCol="0" anchor="ctr"/>
+          <a:lstStyle/>
+          <a:p>
+            <a:pPr algn="ctr"/>
+            <a:endParaRPr lang="en-US"/>
+          </a:p>
+        </p:txBody>
+      </p:sp>
+      <p:sp>
+        <p:nvSpPr>
+          <p:cNvPr id="10" name="矩形 9"/>
+          <p:cNvSpPr/>
+          <p:nvPr/>
+        </p:nvSpPr>
+        <p:spPr>
+          <a:xfrm>
+            <a:off x="912709" y="3525027"/>
+            <a:ext cx="1685019" cy="605701"/>
+          </a:xfrm>
+          <a:prstGeom prst="rect">
+            <a:avLst/>
+          </a:prstGeom>
+          <a:solidFill>
+            <a:srgbClr val="FF5722"/>
+          </a:solidFill>
+          <a:ln>
+            <a:noFill/>
+          </a:ln>
+          <a:effectLst>
+            <a:outerShdw blurRad="50800" dist="38100" dir="5400000" algn="t" rotWithShape="0">
+              <a:prstClr val="black">
+                <a:alpha val="40000"/>
+              </a:prstClr>
+            </a:outerShdw>
+          </a:effectLst>
+        </p:spPr>
+        <p:style>
+          <a:lnRef idx="2">
+            <a:schemeClr val="accent1">
+              <a:shade val="50000"/>
+            </a:schemeClr>
+          </a:lnRef>
+          <a:fillRef idx="1">
+            <a:schemeClr val="accent1"/>
+          </a:fillRef>
+          <a:effectRef idx="0">
+            <a:schemeClr val="accent1"/>
+          </a:effectRef>
+          <a:fontRef idx="minor">
+            <a:schemeClr val="lt1"/>
+          </a:fontRef>
+        </p:style>
+        <p:txBody>
+          <a:bodyPr rtlCol="0" anchor="ctr"/>
+          <a:lstStyle/>
+          <a:p>
+            <a:pPr algn="ctr"/>
+            <a:endParaRPr lang="en-US"/>
+          </a:p>
+        </p:txBody>
+      </p:sp>
+      <p:sp>
+        <p:nvSpPr>
+          <p:cNvPr id="11" name="矩形 10"/>
+          <p:cNvSpPr/>
+          <p:nvPr/>
+        </p:nvSpPr>
+        <p:spPr>
+          <a:xfrm>
+            <a:off x="912707" y="4837104"/>
+            <a:ext cx="1685019" cy="605701"/>
+          </a:xfrm>
+          <a:prstGeom prst="rect">
+            <a:avLst/>
+          </a:prstGeom>
+          <a:solidFill>
+            <a:srgbClr val="FF5722"/>
+          </a:solidFill>
+          <a:ln>
+            <a:noFill/>
+          </a:ln>
+          <a:effectLst>
+            <a:outerShdw blurRad="50800" dist="38100" dir="5400000" algn="t" rotWithShape="0">
+              <a:prstClr val="black">
+                <a:alpha val="40000"/>
+              </a:prstClr>
+            </a:outerShdw>
+          </a:effectLst>
+        </p:spPr>
+        <p:style>
+          <a:lnRef idx="2">
+            <a:schemeClr val="accent1">
+              <a:shade val="50000"/>
+            </a:schemeClr>
+          </a:lnRef>
+          <a:fillRef idx="1">
+            <a:schemeClr val="accent1"/>
+          </a:fillRef>
+          <a:effectRef idx="0">
+            <a:schemeClr val="accent1"/>
+          </a:effectRef>
+          <a:fontRef idx="minor">
+            <a:schemeClr val="lt1"/>
+          </a:fontRef>
+        </p:style>
+        <p:txBody>
+          <a:bodyPr rtlCol="0" anchor="ctr"/>
+          <a:lstStyle/>
+          <a:p>
+            <a:pPr algn="ctr"/>
+            <a:endParaRPr lang="en-US"/>
+          </a:p>
+        </p:txBody>
+      </p:sp>
+      <p:pic>
+        <p:nvPicPr>
+          <p:cNvPr id="12" name="图片 11"/>
+          <p:cNvPicPr>
+            <a:picLocks noChangeAspect="1"/>
+          </p:cNvPicPr>
+          <p:nvPr/>
+        </p:nvPicPr>
+        <p:blipFill>
+          <a:blip r:embed="rId2">
+            <a:extLst>
+              <a:ext uri="{28A0092B-C50C-407E-A947-70E740481C1C}">
+                <a14:useLocalDpi xmlns:a14="http://schemas.microsoft.com/office/drawing/2010/main" val="0"/>
+              </a:ext>
+            </a:extLst>
+          </a:blip>
+          <a:stretch>
+            <a:fillRect/>
+          </a:stretch>
+        </p:blipFill>
+        <p:spPr>
+          <a:xfrm>
+            <a:off x="1201968" y="4959954"/>
+            <a:ext cx="360000" cy="360000"/>
+          </a:xfrm>
+          <a:prstGeom prst="rect">
+            <a:avLst/>
+          </a:prstGeom>
+        </p:spPr>
+      </p:pic>
+      <p:pic>
+        <p:nvPicPr>
+          <p:cNvPr id="13" name="图片 12"/>
+          <p:cNvPicPr>
+            <a:picLocks noChangeAspect="1"/>
+          </p:cNvPicPr>
+          <p:nvPr/>
+        </p:nvPicPr>
+        <p:blipFill>
+          <a:blip r:embed="rId3">
+            <a:extLst>
+              <a:ext uri="{28A0092B-C50C-407E-A947-70E740481C1C}">
+                <a14:useLocalDpi xmlns:a14="http://schemas.microsoft.com/office/drawing/2010/main" val="0"/>
+              </a:ext>
+            </a:extLst>
+          </a:blip>
+          <a:stretch>
+            <a:fillRect/>
+          </a:stretch>
+        </p:blipFill>
+        <p:spPr>
+          <a:xfrm>
+            <a:off x="1201968" y="2339831"/>
+            <a:ext cx="360000" cy="360000"/>
+          </a:xfrm>
+          <a:prstGeom prst="rect">
+            <a:avLst/>
+          </a:prstGeom>
+        </p:spPr>
+      </p:pic>
+      <p:pic>
+        <p:nvPicPr>
+          <p:cNvPr id="14" name="图片 13"/>
+          <p:cNvPicPr>
+            <a:picLocks noChangeAspect="1"/>
+          </p:cNvPicPr>
+          <p:nvPr/>
+        </p:nvPicPr>
+        <p:blipFill>
+          <a:blip r:embed="rId4">
+            <a:extLst>
+              <a:ext uri="{28A0092B-C50C-407E-A947-70E740481C1C}">
+                <a14:useLocalDpi xmlns:a14="http://schemas.microsoft.com/office/drawing/2010/main" val="0"/>
+              </a:ext>
+            </a:extLst>
+          </a:blip>
+          <a:stretch>
+            <a:fillRect/>
+          </a:stretch>
+        </p:blipFill>
+        <p:spPr>
+          <a:xfrm>
+            <a:off x="1201968" y="3662528"/>
+            <a:ext cx="360000" cy="360000"/>
+          </a:xfrm>
+          <a:prstGeom prst="rect">
+            <a:avLst/>
+          </a:prstGeom>
+        </p:spPr>
+      </p:pic>
+      <p:sp>
+        <p:nvSpPr>
+          <p:cNvPr id="16" name="矩形 15"/>
+          <p:cNvSpPr/>
+          <p:nvPr/>
+        </p:nvSpPr>
+        <p:spPr>
+          <a:xfrm>
+            <a:off x="1660139" y="2315744"/>
+            <a:ext cx="697627" cy="400110"/>
+          </a:xfrm>
+          <a:prstGeom prst="rect">
+            <a:avLst/>
+          </a:prstGeom>
+        </p:spPr>
+        <p:txBody>
+          <a:bodyPr wrap="none">
+            <a:spAutoFit/>
+          </a:bodyPr>
+          <a:lstStyle/>
+          <a:p>
+            <a:r>
+              <a:rPr lang="zh-CN" altLang="en-US" sz="2000" dirty="0" smtClean="0">
+                <a:latin typeface="Noto Sans S Chinese DemiLight" panose="020B0400000000000000" pitchFamily="34" charset="-122"/>
+                <a:ea typeface="Noto Sans S Chinese DemiLight" panose="020B0400000000000000" pitchFamily="34" charset="-122"/>
+              </a:rPr>
+              <a:t>目标</a:t>
+            </a:r>
+            <a:endParaRPr lang="en-US" sz="2000" dirty="0">
+              <a:latin typeface="Noto Sans S Chinese DemiLight" panose="020B0400000000000000" pitchFamily="34" charset="-122"/>
+              <a:ea typeface="Noto Sans S Chinese DemiLight" panose="020B0400000000000000" pitchFamily="34" charset="-122"/>
+            </a:endParaRPr>
+          </a:p>
+        </p:txBody>
+      </p:sp>
+      <p:sp>
+        <p:nvSpPr>
+          <p:cNvPr id="17" name="矩形 16"/>
+          <p:cNvSpPr/>
+          <p:nvPr/>
+        </p:nvSpPr>
+        <p:spPr>
+          <a:xfrm>
+            <a:off x="1660139" y="3628748"/>
+            <a:ext cx="697627" cy="400110"/>
+          </a:xfrm>
+          <a:prstGeom prst="rect">
+            <a:avLst/>
+          </a:prstGeom>
+        </p:spPr>
+        <p:txBody>
+          <a:bodyPr wrap="none">
+            <a:spAutoFit/>
+          </a:bodyPr>
+          <a:lstStyle/>
+          <a:p>
+            <a:r>
+              <a:rPr lang="zh-CN" altLang="en-US" sz="2000" dirty="0" smtClean="0">
+                <a:latin typeface="Noto Sans S Chinese DemiLight" panose="020B0400000000000000" pitchFamily="34" charset="-122"/>
+                <a:ea typeface="Noto Sans S Chinese DemiLight" panose="020B0400000000000000" pitchFamily="34" charset="-122"/>
+              </a:rPr>
+              <a:t>分析</a:t>
+            </a:r>
+            <a:endParaRPr lang="en-US" sz="2000" dirty="0">
+              <a:latin typeface="Noto Sans S Chinese DemiLight" panose="020B0400000000000000" pitchFamily="34" charset="-122"/>
+              <a:ea typeface="Noto Sans S Chinese DemiLight" panose="020B0400000000000000" pitchFamily="34" charset="-122"/>
+            </a:endParaRPr>
+          </a:p>
+        </p:txBody>
+      </p:sp>
+      <p:sp>
+        <p:nvSpPr>
+          <p:cNvPr id="18" name="矩形 17"/>
+          <p:cNvSpPr/>
+          <p:nvPr/>
+        </p:nvSpPr>
+        <p:spPr>
+          <a:xfrm>
+            <a:off x="1660139" y="4937812"/>
+            <a:ext cx="697627" cy="400110"/>
+          </a:xfrm>
+          <a:prstGeom prst="rect">
+            <a:avLst/>
+          </a:prstGeom>
+        </p:spPr>
+        <p:txBody>
+          <a:bodyPr wrap="none">
+            <a:spAutoFit/>
+          </a:bodyPr>
+          <a:lstStyle/>
+          <a:p>
+            <a:r>
+              <a:rPr lang="zh-CN" altLang="en-US" sz="2000" dirty="0" smtClean="0">
+                <a:latin typeface="Noto Sans S Chinese DemiLight" panose="020B0400000000000000" pitchFamily="34" charset="-122"/>
+                <a:ea typeface="Noto Sans S Chinese DemiLight" panose="020B0400000000000000" pitchFamily="34" charset="-122"/>
+              </a:rPr>
+              <a:t>构建</a:t>
+            </a:r>
+            <a:endParaRPr lang="en-US" sz="2000" dirty="0">
+              <a:latin typeface="Noto Sans S Chinese DemiLight" panose="020B0400000000000000" pitchFamily="34" charset="-122"/>
+              <a:ea typeface="Noto Sans S Chinese DemiLight" panose="020B0400000000000000" pitchFamily="34" charset="-122"/>
+            </a:endParaRPr>
+          </a:p>
+        </p:txBody>
+      </p:sp>
+    </p:spTree>
+    <p:extLst>
+      <p:ext uri="{BB962C8B-B14F-4D97-AF65-F5344CB8AC3E}">
+        <p14:creationId xmlns:p14="http://schemas.microsoft.com/office/powerpoint/2010/main" val="2593977502"/>
+      </p:ext>
+    </p:extLst>
+  </p:cSld>
+  <p:clrMapOvr>
+    <a:masterClrMapping/>
+  </p:clrMapOvr>
+  <p:timing>
+    <p:tnLst>
+      <p:par>
+        <p:cTn id="1" dur="indefinite" restart="never" nodeType="tmRoot"/>
+      </p:par>
+    </p:tnLst>
+  </p:timing>
+</p:sld>
+</file>
+
+<file path=ppt/slides/slide11.xml><?xml version="1.0" encoding="utf-8"?>
+<p:sld xmlns:a="http://schemas.openxmlformats.org/drawingml/2006/main" xmlns:r="http://schemas.openxmlformats.org/officeDocument/2006/relationships" xmlns:p="http://schemas.openxmlformats.org/presentationml/2006/main">
+  <p:cSld>
+    <p:spTree>
+      <p:nvGrpSpPr>
+        <p:cNvPr id="1" name=""/>
+        <p:cNvGrpSpPr/>
+        <p:nvPr/>
+      </p:nvGrpSpPr>
+      <p:grpSpPr>
+        <a:xfrm>
+          <a:off x="0" y="0"/>
+          <a:ext cx="0" cy="0"/>
+          <a:chOff x="0" y="0"/>
+          <a:chExt cx="0" cy="0"/>
+        </a:xfrm>
+      </p:grpSpPr>
+      <p:sp>
+        <p:nvSpPr>
+          <p:cNvPr id="4" name="矩形 3"/>
+          <p:cNvSpPr/>
+          <p:nvPr/>
+        </p:nvSpPr>
+        <p:spPr>
+          <a:xfrm>
+            <a:off x="0" y="0"/>
+            <a:ext cx="9144000" cy="760021"/>
+          </a:xfrm>
+          <a:prstGeom prst="rect">
+            <a:avLst/>
+          </a:prstGeom>
+          <a:solidFill>
+            <a:srgbClr val="01579B"/>
+          </a:solidFill>
+          <a:ln>
+            <a:noFill/>
+          </a:ln>
+          <a:effectLst>
+            <a:outerShdw blurRad="50800" dist="38100" dir="5400000" algn="t" rotWithShape="0">
+              <a:prstClr val="black">
+                <a:alpha val="40000"/>
+              </a:prstClr>
+            </a:outerShdw>
+          </a:effectLst>
+        </p:spPr>
+        <p:style>
+          <a:lnRef idx="2">
+            <a:schemeClr val="accent1">
+              <a:shade val="50000"/>
+            </a:schemeClr>
+          </a:lnRef>
+          <a:fillRef idx="1">
+            <a:schemeClr val="accent1"/>
+          </a:fillRef>
+          <a:effectRef idx="0">
+            <a:schemeClr val="accent1"/>
+          </a:effectRef>
+          <a:fontRef idx="minor">
+            <a:schemeClr val="lt1"/>
+          </a:fontRef>
+        </p:style>
+        <p:txBody>
+          <a:bodyPr rtlCol="0" anchor="ctr"/>
+          <a:lstStyle/>
+          <a:p>
+            <a:pPr algn="ctr"/>
+            <a:endParaRPr lang="en-US"/>
+          </a:p>
+        </p:txBody>
+      </p:sp>
+      <p:sp>
+        <p:nvSpPr>
+          <p:cNvPr id="2" name="Rectangle 2"/>
+          <p:cNvSpPr>
+            <a:spLocks noChangeArrowheads="1"/>
+          </p:cNvSpPr>
+          <p:nvPr/>
+        </p:nvSpPr>
+        <p:spPr bwMode="auto">
+          <a:xfrm flipV="1">
+            <a:off x="368133" y="3657599"/>
+            <a:ext cx="10111581" cy="45719"/>
+          </a:xfrm>
+          <a:prstGeom prst="rect">
+            <a:avLst/>
+          </a:prstGeom>
+          <a:noFill/>
+          <a:ln>
+            <a:noFill/>
+          </a:ln>
+          <a:effectLst/>
+          <a:extLst>
+            <a:ext uri="{909E8E84-426E-40DD-AFC4-6F175D3DCCD1}">
+              <a14:hiddenFill xmlns:a14="http://schemas.microsoft.com/office/drawing/2010/main">
+                <a:solidFill>
+                  <a:schemeClr val="accent1"/>
+                </a:solidFill>
+              </a14:hiddenFill>
+            </a:ext>
+            <a:ext uri="{91240B29-F687-4F45-9708-019B960494DF}">
+              <a14:hiddenLine xmlns:a14="http://schemas.microsoft.com/office/drawing/2010/main" w="9525">
+                <a:solidFill>
+                  <a:schemeClr val="tx1"/>
+                </a:solidFill>
+                <a:miter lim="800000"/>
+                <a:headEnd/>
+                <a:tailEnd/>
+              </a14:hiddenLine>
+            </a:ext>
+            <a:ext uri="{AF507438-7753-43E0-B8FC-AC1667EBCBE1}">
+              <a14:hiddenEffects xmlns:a14="http://schemas.microsoft.com/office/drawing/2010/main">
+                <a:effectLst>
+                  <a:outerShdw dist="35921" dir="2700000" algn="ctr" rotWithShape="0">
+                    <a:schemeClr val="bg2"/>
+                  </a:outerShdw>
+                </a:effectLst>
+              </a14:hiddenEffects>
+            </a:ext>
+          </a:extLst>
+        </p:spPr>
+        <p:txBody>
+          <a:bodyPr vert="horz" wrap="square" lIns="91440" tIns="45720" rIns="91440" bIns="45720" numCol="1" anchor="ctr" anchorCtr="0" compatLnSpc="1">
+            <a:prstTxWarp prst="textNoShape">
+              <a:avLst/>
+            </a:prstTxWarp>
+            <a:spAutoFit/>
+          </a:bodyPr>
+          <a:lstStyle/>
+          <a:p>
+            <a:endParaRPr lang="en-US"/>
+          </a:p>
+        </p:txBody>
+      </p:sp>
+      <p:sp>
+        <p:nvSpPr>
+          <p:cNvPr id="7" name="文本框 6"/>
+          <p:cNvSpPr txBox="1"/>
+          <p:nvPr/>
+        </p:nvSpPr>
+        <p:spPr>
+          <a:xfrm>
+            <a:off x="370696" y="118400"/>
+            <a:ext cx="1662546" cy="523220"/>
+          </a:xfrm>
+          <a:prstGeom prst="rect">
+            <a:avLst/>
+          </a:prstGeom>
+          <a:noFill/>
+        </p:spPr>
+        <p:txBody>
+          <a:bodyPr wrap="square" rtlCol="0">
+            <a:spAutoFit/>
+          </a:bodyPr>
+          <a:lstStyle/>
+          <a:p>
+            <a:pPr algn="ctr"/>
+            <a:r>
+              <a:rPr lang="zh-CN" altLang="en-US" sz="2800" dirty="0" smtClean="0">
+                <a:solidFill>
+                  <a:schemeClr val="bg1"/>
+                </a:solidFill>
+                <a:latin typeface="Noto Sans S Chinese Medium" panose="020B0600000000000000" pitchFamily="34" charset="-122"/>
+                <a:ea typeface="Noto Sans S Chinese Medium" panose="020B0600000000000000" pitchFamily="34" charset="-122"/>
+              </a:rPr>
+              <a:t>最终设计</a:t>
+            </a:r>
+            <a:endParaRPr lang="en-US" sz="2800" dirty="0">
+              <a:solidFill>
+                <a:schemeClr val="bg1"/>
+              </a:solidFill>
+              <a:latin typeface="Noto Sans S Chinese Medium" panose="020B0600000000000000" pitchFamily="34" charset="-122"/>
+              <a:ea typeface="Noto Sans S Chinese Medium" panose="020B0600000000000000" pitchFamily="34" charset="-122"/>
+            </a:endParaRPr>
+          </a:p>
+        </p:txBody>
+      </p:sp>
+      <p:sp>
+        <p:nvSpPr>
+          <p:cNvPr id="6" name="矩形 5"/>
+          <p:cNvSpPr/>
+          <p:nvPr/>
+        </p:nvSpPr>
+        <p:spPr>
+          <a:xfrm>
+            <a:off x="368133" y="1205344"/>
+            <a:ext cx="8354291" cy="5330537"/>
+          </a:xfrm>
+          <a:prstGeom prst="rect">
+            <a:avLst/>
+          </a:prstGeom>
+          <a:solidFill>
+            <a:schemeClr val="bg1"/>
+          </a:solidFill>
+          <a:ln>
+            <a:noFill/>
+          </a:ln>
+          <a:effectLst>
+            <a:outerShdw blurRad="50800" dist="38100" dir="5400000" algn="t" rotWithShape="0">
+              <a:prstClr val="black">
+                <a:alpha val="40000"/>
+              </a:prstClr>
+            </a:outerShdw>
+          </a:effectLst>
+        </p:spPr>
+        <p:style>
+          <a:lnRef idx="2">
+            <a:schemeClr val="accent1">
+              <a:shade val="50000"/>
+            </a:schemeClr>
+          </a:lnRef>
+          <a:fillRef idx="1">
+            <a:schemeClr val="accent1"/>
+          </a:fillRef>
+          <a:effectRef idx="0">
+            <a:schemeClr val="accent1"/>
+          </a:effectRef>
+          <a:fontRef idx="minor">
+            <a:schemeClr val="lt1"/>
+          </a:fontRef>
+        </p:style>
+        <p:txBody>
+          <a:bodyPr rtlCol="0" anchor="ctr"/>
+          <a:lstStyle/>
+          <a:p>
+            <a:pPr algn="ctr"/>
+            <a:endParaRPr lang="en-US"/>
+          </a:p>
+        </p:txBody>
+      </p:sp>
+      <p:pic>
+        <p:nvPicPr>
+          <p:cNvPr id="16" name="图片 15"/>
+          <p:cNvPicPr>
+            <a:picLocks noChangeAspect="1"/>
+          </p:cNvPicPr>
+          <p:nvPr/>
+        </p:nvPicPr>
+        <p:blipFill>
+          <a:blip r:embed="rId2" cstate="print">
+            <a:extLst>
+              <a:ext uri="{28A0092B-C50C-407E-A947-70E740481C1C}">
+                <a14:useLocalDpi xmlns:a14="http://schemas.microsoft.com/office/drawing/2010/main" val="0"/>
+              </a:ext>
+            </a:extLst>
+          </a:blip>
+          <a:stretch>
+            <a:fillRect/>
+          </a:stretch>
+        </p:blipFill>
+        <p:spPr>
+          <a:xfrm>
+            <a:off x="706581" y="1493074"/>
+            <a:ext cx="7730835" cy="4609601"/>
+          </a:xfrm>
+          <a:prstGeom prst="rect">
+            <a:avLst/>
+          </a:prstGeom>
+        </p:spPr>
+      </p:pic>
+    </p:spTree>
+    <p:extLst>
+      <p:ext uri="{BB962C8B-B14F-4D97-AF65-F5344CB8AC3E}">
+        <p14:creationId xmlns:p14="http://schemas.microsoft.com/office/powerpoint/2010/main" val="405414813"/>
+      </p:ext>
+    </p:extLst>
+  </p:cSld>
+  <p:clrMapOvr>
+    <a:masterClrMapping/>
+  </p:clrMapOvr>
+  <p:timing>
+    <p:tnLst>
+      <p:par>
+        <p:cTn id="1" dur="indefinite" restart="never" nodeType="tmRoot"/>
+      </p:par>
+    </p:tnLst>
+  </p:timing>
+</p:sld>
+</file>
+
+<file path=ppt/slides/slide12.xml><?xml version="1.0" encoding="utf-8"?>
+<p:sld xmlns:a="http://schemas.openxmlformats.org/drawingml/2006/main" xmlns:r="http://schemas.openxmlformats.org/officeDocument/2006/relationships" xmlns:p="http://schemas.openxmlformats.org/presentationml/2006/main">
+  <p:cSld>
+    <p:spTree>
+      <p:nvGrpSpPr>
+        <p:cNvPr id="1" name=""/>
+        <p:cNvGrpSpPr/>
+        <p:nvPr/>
+      </p:nvGrpSpPr>
+      <p:grpSpPr>
+        <a:xfrm>
+          <a:off x="0" y="0"/>
+          <a:ext cx="0" cy="0"/>
+          <a:chOff x="0" y="0"/>
+          <a:chExt cx="0" cy="0"/>
+        </a:xfrm>
+      </p:grpSpPr>
+      <p:sp>
+        <p:nvSpPr>
+          <p:cNvPr id="4" name="矩形 3"/>
+          <p:cNvSpPr/>
+          <p:nvPr/>
+        </p:nvSpPr>
+        <p:spPr>
+          <a:xfrm>
+            <a:off x="0" y="0"/>
+            <a:ext cx="9144000" cy="760021"/>
+          </a:xfrm>
+          <a:prstGeom prst="rect">
+            <a:avLst/>
+          </a:prstGeom>
+          <a:solidFill>
+            <a:srgbClr val="01579B"/>
+          </a:solidFill>
+          <a:ln>
+            <a:noFill/>
+          </a:ln>
+          <a:effectLst>
+            <a:outerShdw blurRad="50800" dist="38100" dir="5400000" algn="t" rotWithShape="0">
+              <a:prstClr val="black">
+                <a:alpha val="40000"/>
+              </a:prstClr>
+            </a:outerShdw>
+          </a:effectLst>
+        </p:spPr>
+        <p:style>
+          <a:lnRef idx="2">
+            <a:schemeClr val="accent1">
+              <a:shade val="50000"/>
+            </a:schemeClr>
+          </a:lnRef>
+          <a:fillRef idx="1">
+            <a:schemeClr val="accent1"/>
+          </a:fillRef>
+          <a:effectRef idx="0">
+            <a:schemeClr val="accent1"/>
+          </a:effectRef>
+          <a:fontRef idx="minor">
+            <a:schemeClr val="lt1"/>
+          </a:fontRef>
+        </p:style>
+        <p:txBody>
+          <a:bodyPr rtlCol="0" anchor="ctr"/>
+          <a:lstStyle/>
+          <a:p>
+            <a:pPr algn="ctr"/>
+            <a:endParaRPr lang="en-US"/>
+          </a:p>
+        </p:txBody>
+      </p:sp>
+      <p:sp>
+        <p:nvSpPr>
+          <p:cNvPr id="2" name="Rectangle 2"/>
+          <p:cNvSpPr>
+            <a:spLocks noChangeArrowheads="1"/>
+          </p:cNvSpPr>
+          <p:nvPr/>
+        </p:nvSpPr>
+        <p:spPr bwMode="auto">
+          <a:xfrm flipV="1">
+            <a:off x="368133" y="3657599"/>
+            <a:ext cx="10111581" cy="45719"/>
+          </a:xfrm>
+          <a:prstGeom prst="rect">
+            <a:avLst/>
+          </a:prstGeom>
+          <a:noFill/>
+          <a:ln>
+            <a:noFill/>
+          </a:ln>
+          <a:effectLst/>
+          <a:extLst>
+            <a:ext uri="{909E8E84-426E-40DD-AFC4-6F175D3DCCD1}">
+              <a14:hiddenFill xmlns:a14="http://schemas.microsoft.com/office/drawing/2010/main">
+                <a:solidFill>
+                  <a:schemeClr val="accent1"/>
+                </a:solidFill>
+              </a14:hiddenFill>
+            </a:ext>
+            <a:ext uri="{91240B29-F687-4F45-9708-019B960494DF}">
+              <a14:hiddenLine xmlns:a14="http://schemas.microsoft.com/office/drawing/2010/main" w="9525">
+                <a:solidFill>
+                  <a:schemeClr val="tx1"/>
+                </a:solidFill>
+                <a:miter lim="800000"/>
+                <a:headEnd/>
+                <a:tailEnd/>
+              </a14:hiddenLine>
+            </a:ext>
+            <a:ext uri="{AF507438-7753-43E0-B8FC-AC1667EBCBE1}">
+              <a14:hiddenEffects xmlns:a14="http://schemas.microsoft.com/office/drawing/2010/main">
+                <a:effectLst>
+                  <a:outerShdw dist="35921" dir="2700000" algn="ctr" rotWithShape="0">
+                    <a:schemeClr val="bg2"/>
+                  </a:outerShdw>
+                </a:effectLst>
+              </a14:hiddenEffects>
+            </a:ext>
+          </a:extLst>
+        </p:spPr>
+        <p:txBody>
+          <a:bodyPr vert="horz" wrap="square" lIns="91440" tIns="45720" rIns="91440" bIns="45720" numCol="1" anchor="ctr" anchorCtr="0" compatLnSpc="1">
+            <a:prstTxWarp prst="textNoShape">
+              <a:avLst/>
+            </a:prstTxWarp>
+            <a:spAutoFit/>
+          </a:bodyPr>
+          <a:lstStyle/>
+          <a:p>
+            <a:endParaRPr lang="en-US"/>
+          </a:p>
+        </p:txBody>
+      </p:sp>
+      <p:sp>
+        <p:nvSpPr>
+          <p:cNvPr id="7" name="文本框 6"/>
+          <p:cNvSpPr txBox="1"/>
+          <p:nvPr/>
+        </p:nvSpPr>
+        <p:spPr>
+          <a:xfrm>
+            <a:off x="370696" y="118400"/>
+            <a:ext cx="1662546" cy="523220"/>
+          </a:xfrm>
+          <a:prstGeom prst="rect">
+            <a:avLst/>
+          </a:prstGeom>
+          <a:noFill/>
+        </p:spPr>
+        <p:txBody>
+          <a:bodyPr wrap="square" rtlCol="0">
+            <a:spAutoFit/>
+          </a:bodyPr>
+          <a:lstStyle/>
+          <a:p>
+            <a:pPr algn="ctr"/>
+            <a:r>
+              <a:rPr lang="zh-CN" altLang="en-US" sz="2800" dirty="0">
+                <a:solidFill>
+                  <a:schemeClr val="bg1"/>
+                </a:solidFill>
+                <a:latin typeface="Noto Sans S Chinese Medium" panose="020B0600000000000000" pitchFamily="34" charset="-122"/>
+                <a:ea typeface="Noto Sans S Chinese Medium" panose="020B0600000000000000" pitchFamily="34" charset="-122"/>
+              </a:rPr>
+              <a:t>结语</a:t>
+            </a:r>
+            <a:endParaRPr lang="en-US" sz="2800" dirty="0">
+              <a:solidFill>
+                <a:schemeClr val="bg1"/>
+              </a:solidFill>
+              <a:latin typeface="Noto Sans S Chinese Medium" panose="020B0600000000000000" pitchFamily="34" charset="-122"/>
+              <a:ea typeface="Noto Sans S Chinese Medium" panose="020B0600000000000000" pitchFamily="34" charset="-122"/>
+            </a:endParaRPr>
+          </a:p>
+        </p:txBody>
+      </p:sp>
+      <p:sp>
+        <p:nvSpPr>
+          <p:cNvPr id="8" name="圆角矩形 7"/>
+          <p:cNvSpPr/>
+          <p:nvPr/>
+        </p:nvSpPr>
+        <p:spPr>
+          <a:xfrm>
+            <a:off x="912711" y="1506574"/>
+            <a:ext cx="7318577" cy="4642609"/>
+          </a:xfrm>
+          <a:prstGeom prst="roundRect">
+            <a:avLst>
+              <a:gd name="adj" fmla="val 602"/>
+            </a:avLst>
+          </a:prstGeom>
+          <a:solidFill>
+            <a:schemeClr val="bg1">
+              <a:lumMod val="95000"/>
+            </a:schemeClr>
+          </a:solidFill>
+          <a:ln>
+            <a:noFill/>
+          </a:ln>
+          <a:effectLst>
+            <a:outerShdw blurRad="127000" dist="50800" dir="5400000" algn="t" rotWithShape="0">
+              <a:prstClr val="black">
+                <a:alpha val="35000"/>
+              </a:prstClr>
+            </a:outerShdw>
+          </a:effectLst>
+        </p:spPr>
+        <p:style>
+          <a:lnRef idx="2">
+            <a:schemeClr val="accent1">
+              <a:shade val="50000"/>
+            </a:schemeClr>
+          </a:lnRef>
+          <a:fillRef idx="1">
+            <a:schemeClr val="accent1"/>
+          </a:fillRef>
+          <a:effectRef idx="0">
+            <a:schemeClr val="accent1"/>
+          </a:effectRef>
+          <a:fontRef idx="minor">
+            <a:schemeClr val="lt1"/>
+          </a:fontRef>
+        </p:style>
+        <p:txBody>
+          <a:bodyPr rtlCol="0" anchor="ctr"/>
+          <a:lstStyle/>
+          <a:p>
+            <a:pPr algn="ctr"/>
+            <a:endParaRPr lang="zh-CN" altLang="en-US"/>
+          </a:p>
+        </p:txBody>
+      </p:sp>
+      <p:sp>
+        <p:nvSpPr>
+          <p:cNvPr id="9" name="矩形 8"/>
+          <p:cNvSpPr/>
+          <p:nvPr/>
+        </p:nvSpPr>
+        <p:spPr>
+          <a:xfrm>
+            <a:off x="2739153" y="2331134"/>
+            <a:ext cx="4572000" cy="369332"/>
+          </a:xfrm>
+          <a:prstGeom prst="rect">
+            <a:avLst/>
+          </a:prstGeom>
+        </p:spPr>
+        <p:txBody>
+          <a:bodyPr>
+            <a:spAutoFit/>
+          </a:bodyPr>
+          <a:lstStyle/>
+          <a:p>
+            <a:r>
+              <a:rPr lang="zh-CN" altLang="en-US" dirty="0">
+                <a:latin typeface="Noto Sans S Chinese Light" panose="020B0300000000000000" pitchFamily="34" charset="-122"/>
+                <a:ea typeface="Noto Sans S Chinese Light" panose="020B0300000000000000" pitchFamily="34" charset="-122"/>
+                <a:cs typeface="Times New Roman" panose="02020603050405020304" pitchFamily="18" charset="0"/>
+              </a:rPr>
+              <a:t>大规模图像数据的插入与检索</a:t>
+            </a:r>
+            <a:endParaRPr lang="en-US" dirty="0">
+              <a:latin typeface="Noto Sans S Chinese Light" panose="020B0300000000000000" pitchFamily="34" charset="-122"/>
+              <a:ea typeface="Noto Sans S Chinese Light" panose="020B0300000000000000" pitchFamily="34" charset="-122"/>
+              <a:cs typeface="Times New Roman" panose="02020603050405020304" pitchFamily="18" charset="0"/>
+            </a:endParaRPr>
+          </a:p>
+        </p:txBody>
+      </p:sp>
+      <p:sp>
+        <p:nvSpPr>
+          <p:cNvPr id="10" name="矩形 9"/>
+          <p:cNvSpPr/>
+          <p:nvPr/>
+        </p:nvSpPr>
+        <p:spPr>
+          <a:xfrm>
+            <a:off x="912708" y="2212950"/>
+            <a:ext cx="1685019" cy="605701"/>
+          </a:xfrm>
+          <a:prstGeom prst="rect">
+            <a:avLst/>
+          </a:prstGeom>
+          <a:solidFill>
+            <a:srgbClr val="FF5722"/>
+          </a:solidFill>
+          <a:ln>
+            <a:noFill/>
+          </a:ln>
+          <a:effectLst>
+            <a:outerShdw blurRad="50800" dist="38100" dir="5400000" algn="t" rotWithShape="0">
+              <a:prstClr val="black">
+                <a:alpha val="40000"/>
+              </a:prstClr>
+            </a:outerShdw>
+          </a:effectLst>
+        </p:spPr>
+        <p:style>
+          <a:lnRef idx="2">
+            <a:schemeClr val="accent1">
+              <a:shade val="50000"/>
+            </a:schemeClr>
+          </a:lnRef>
+          <a:fillRef idx="1">
+            <a:schemeClr val="accent1"/>
+          </a:fillRef>
+          <a:effectRef idx="0">
+            <a:schemeClr val="accent1"/>
+          </a:effectRef>
+          <a:fontRef idx="minor">
+            <a:schemeClr val="lt1"/>
+          </a:fontRef>
+        </p:style>
+        <p:txBody>
+          <a:bodyPr rtlCol="0" anchor="ctr"/>
+          <a:lstStyle/>
+          <a:p>
+            <a:pPr algn="ctr"/>
+            <a:endParaRPr lang="en-US"/>
+          </a:p>
+        </p:txBody>
+      </p:sp>
+      <p:sp>
+        <p:nvSpPr>
+          <p:cNvPr id="11" name="矩形 10"/>
+          <p:cNvSpPr/>
+          <p:nvPr/>
+        </p:nvSpPr>
+        <p:spPr>
+          <a:xfrm>
+            <a:off x="912707" y="3262353"/>
+            <a:ext cx="1685019" cy="605701"/>
+          </a:xfrm>
+          <a:prstGeom prst="rect">
+            <a:avLst/>
+          </a:prstGeom>
+          <a:solidFill>
+            <a:srgbClr val="FF5722"/>
+          </a:solidFill>
+          <a:ln>
+            <a:noFill/>
+          </a:ln>
+          <a:effectLst>
+            <a:outerShdw blurRad="50800" dist="38100" dir="5400000" algn="t" rotWithShape="0">
+              <a:prstClr val="black">
+                <a:alpha val="40000"/>
+              </a:prstClr>
+            </a:outerShdw>
+          </a:effectLst>
+        </p:spPr>
+        <p:style>
+          <a:lnRef idx="2">
+            <a:schemeClr val="accent1">
+              <a:shade val="50000"/>
+            </a:schemeClr>
+          </a:lnRef>
+          <a:fillRef idx="1">
+            <a:schemeClr val="accent1"/>
+          </a:fillRef>
+          <a:effectRef idx="0">
+            <a:schemeClr val="accent1"/>
+          </a:effectRef>
+          <a:fontRef idx="minor">
+            <a:schemeClr val="lt1"/>
+          </a:fontRef>
+        </p:style>
+        <p:txBody>
+          <a:bodyPr rtlCol="0" anchor="ctr"/>
+          <a:lstStyle/>
+          <a:p>
+            <a:pPr algn="ctr"/>
+            <a:endParaRPr lang="en-US"/>
+          </a:p>
+        </p:txBody>
+      </p:sp>
+      <p:sp>
+        <p:nvSpPr>
+          <p:cNvPr id="13" name="矩形 12"/>
+          <p:cNvSpPr/>
+          <p:nvPr/>
+        </p:nvSpPr>
+        <p:spPr>
+          <a:xfrm>
+            <a:off x="2739153" y="3380537"/>
+            <a:ext cx="4572000" cy="369332"/>
+          </a:xfrm>
+          <a:prstGeom prst="rect">
+            <a:avLst/>
+          </a:prstGeom>
+        </p:spPr>
+        <p:txBody>
+          <a:bodyPr>
+            <a:spAutoFit/>
+          </a:bodyPr>
+          <a:lstStyle/>
+          <a:p>
+            <a:r>
+              <a:rPr lang="zh-CN" altLang="en-US" dirty="0" smtClean="0">
+                <a:latin typeface="Noto Sans S Chinese Light" panose="020B0300000000000000" pitchFamily="34" charset="-122"/>
+                <a:ea typeface="Noto Sans S Chinese Light" panose="020B0300000000000000" pitchFamily="34" charset="-122"/>
+                <a:cs typeface="Times New Roman" panose="02020603050405020304" pitchFamily="18" charset="0"/>
+              </a:rPr>
+              <a:t>良好的系统可扩展性</a:t>
+            </a:r>
+            <a:endParaRPr lang="en-US" dirty="0">
+              <a:latin typeface="Noto Sans S Chinese Light" panose="020B0300000000000000" pitchFamily="34" charset="-122"/>
+              <a:ea typeface="Noto Sans S Chinese Light" panose="020B0300000000000000" pitchFamily="34" charset="-122"/>
+              <a:cs typeface="Times New Roman" panose="02020603050405020304" pitchFamily="18" charset="0"/>
+            </a:endParaRPr>
+          </a:p>
+        </p:txBody>
+      </p:sp>
+      <p:sp>
+        <p:nvSpPr>
+          <p:cNvPr id="14" name="矩形 13"/>
+          <p:cNvSpPr/>
+          <p:nvPr/>
+        </p:nvSpPr>
+        <p:spPr>
+          <a:xfrm>
+            <a:off x="912707" y="4317670"/>
+            <a:ext cx="1685019" cy="605701"/>
+          </a:xfrm>
+          <a:prstGeom prst="rect">
+            <a:avLst/>
+          </a:prstGeom>
+          <a:solidFill>
+            <a:srgbClr val="FF5722"/>
+          </a:solidFill>
+          <a:ln>
+            <a:noFill/>
+          </a:ln>
+          <a:effectLst>
+            <a:outerShdw blurRad="50800" dist="38100" dir="5400000" algn="t" rotWithShape="0">
+              <a:prstClr val="black">
+                <a:alpha val="40000"/>
+              </a:prstClr>
+            </a:outerShdw>
+          </a:effectLst>
+        </p:spPr>
+        <p:style>
+          <a:lnRef idx="2">
+            <a:schemeClr val="accent1">
+              <a:shade val="50000"/>
+            </a:schemeClr>
+          </a:lnRef>
+          <a:fillRef idx="1">
+            <a:schemeClr val="accent1"/>
+          </a:fillRef>
+          <a:effectRef idx="0">
+            <a:schemeClr val="accent1"/>
+          </a:effectRef>
+          <a:fontRef idx="minor">
+            <a:schemeClr val="lt1"/>
+          </a:fontRef>
+        </p:style>
+        <p:txBody>
+          <a:bodyPr rtlCol="0" anchor="ctr"/>
+          <a:lstStyle/>
+          <a:p>
+            <a:pPr algn="ctr"/>
+            <a:endParaRPr lang="en-US"/>
+          </a:p>
+        </p:txBody>
+      </p:sp>
+      <p:sp>
+        <p:nvSpPr>
+          <p:cNvPr id="15" name="矩形 14"/>
+          <p:cNvSpPr/>
+          <p:nvPr/>
+        </p:nvSpPr>
+        <p:spPr>
+          <a:xfrm>
+            <a:off x="2739153" y="4435854"/>
+            <a:ext cx="4572000" cy="369332"/>
+          </a:xfrm>
+          <a:prstGeom prst="rect">
+            <a:avLst/>
+          </a:prstGeom>
+        </p:spPr>
+        <p:txBody>
+          <a:bodyPr>
+            <a:spAutoFit/>
+          </a:bodyPr>
+          <a:lstStyle/>
+          <a:p>
+            <a:r>
+              <a:rPr lang="en-US" altLang="zh-CN" dirty="0" err="1" smtClean="0">
+                <a:latin typeface="MS UI Gothic" panose="020B0600070205080204" pitchFamily="34" charset="-128"/>
+                <a:ea typeface="MS UI Gothic" panose="020B0600070205080204" pitchFamily="34" charset="-128"/>
+                <a:cs typeface="Times New Roman" panose="02020603050405020304" pitchFamily="18" charset="0"/>
+              </a:rPr>
+              <a:t>SaaS</a:t>
+            </a:r>
+            <a:r>
+              <a:rPr lang="zh-CN" altLang="en-US" dirty="0" smtClean="0">
+                <a:latin typeface="Noto Sans S Chinese Light" panose="020B0300000000000000" pitchFamily="34" charset="-122"/>
+                <a:ea typeface="Noto Sans S Chinese Light" panose="020B0300000000000000" pitchFamily="34" charset="-122"/>
+                <a:cs typeface="Times New Roman" panose="02020603050405020304" pitchFamily="18" charset="0"/>
+              </a:rPr>
+              <a:t>级别的遥感影像检索服务</a:t>
+            </a:r>
+            <a:endParaRPr lang="en-US" dirty="0">
+              <a:latin typeface="Noto Sans S Chinese Light" panose="020B0300000000000000" pitchFamily="34" charset="-122"/>
+              <a:ea typeface="Noto Sans S Chinese Light" panose="020B0300000000000000" pitchFamily="34" charset="-122"/>
+              <a:cs typeface="Times New Roman" panose="02020603050405020304" pitchFamily="18" charset="0"/>
+            </a:endParaRPr>
+          </a:p>
+        </p:txBody>
+      </p:sp>
+    </p:spTree>
+    <p:extLst>
+      <p:ext uri="{BB962C8B-B14F-4D97-AF65-F5344CB8AC3E}">
+        <p14:creationId xmlns:p14="http://schemas.microsoft.com/office/powerpoint/2010/main" val="1330406593"/>
+      </p:ext>
+    </p:extLst>
+  </p:cSld>
+  <p:clrMapOvr>
+    <a:masterClrMapping/>
+  </p:clrMapOvr>
+  <p:timing>
+    <p:tnLst>
+      <p:par>
+        <p:cTn id="1" dur="indefinite" restart="never" nodeType="tmRoot"/>
+      </p:par>
+    </p:tnLst>
+  </p:timing>
+</p:sld>
+</file>
+
+<file path=ppt/slides/slide13.xml><?xml version="1.0" encoding="utf-8"?>
+<p:sld xmlns:a="http://schemas.openxmlformats.org/drawingml/2006/main" xmlns:r="http://schemas.openxmlformats.org/officeDocument/2006/relationships" xmlns:p="http://schemas.openxmlformats.org/presentationml/2006/main">
+  <p:cSld>
+    <p:spTree>
+      <p:nvGrpSpPr>
+        <p:cNvPr id="1" name=""/>
+        <p:cNvGrpSpPr/>
+        <p:nvPr/>
+      </p:nvGrpSpPr>
+      <p:grpSpPr>
+        <a:xfrm>
+          <a:off x="0" y="0"/>
+          <a:ext cx="0" cy="0"/>
+          <a:chOff x="0" y="0"/>
+          <a:chExt cx="0" cy="0"/>
+        </a:xfrm>
+      </p:grpSpPr>
+      <p:sp>
+        <p:nvSpPr>
+          <p:cNvPr id="9" name="矩形 8"/>
+          <p:cNvSpPr/>
+          <p:nvPr/>
+        </p:nvSpPr>
+        <p:spPr>
+          <a:xfrm>
+            <a:off x="0" y="0"/>
+            <a:ext cx="9144000" cy="3875877"/>
+          </a:xfrm>
+          <a:prstGeom prst="rect">
+            <a:avLst/>
+          </a:prstGeom>
+          <a:solidFill>
+            <a:srgbClr val="01579B"/>
+          </a:solidFill>
+          <a:ln>
+            <a:noFill/>
+          </a:ln>
+          <a:effectLst>
+            <a:outerShdw blurRad="50800" dist="38100" dir="5400000" algn="t" rotWithShape="0">
+              <a:prstClr val="black">
+                <a:alpha val="40000"/>
+              </a:prstClr>
+            </a:outerShdw>
+          </a:effectLst>
+        </p:spPr>
+        <p:style>
+          <a:lnRef idx="2">
+            <a:schemeClr val="accent1">
+              <a:shade val="50000"/>
+            </a:schemeClr>
+          </a:lnRef>
+          <a:fillRef idx="1">
+            <a:schemeClr val="accent1"/>
+          </a:fillRef>
+          <a:effectRef idx="0">
+            <a:schemeClr val="accent1"/>
+          </a:effectRef>
+          <a:fontRef idx="minor">
+            <a:schemeClr val="lt1"/>
+          </a:fontRef>
+        </p:style>
+        <p:txBody>
+          <a:bodyPr rtlCol="0" anchor="ctr"/>
+          <a:lstStyle/>
+          <a:p>
+            <a:pPr algn="ctr"/>
+            <a:endParaRPr lang="en-US"/>
+          </a:p>
+        </p:txBody>
+      </p:sp>
+      <p:sp>
+        <p:nvSpPr>
+          <p:cNvPr id="6" name="文本框 5"/>
+          <p:cNvSpPr txBox="1"/>
+          <p:nvPr/>
+        </p:nvSpPr>
+        <p:spPr>
+          <a:xfrm>
+            <a:off x="2380982" y="2842092"/>
+            <a:ext cx="4382036" cy="923330"/>
+          </a:xfrm>
+          <a:prstGeom prst="rect">
+            <a:avLst/>
+          </a:prstGeom>
+          <a:noFill/>
+        </p:spPr>
+        <p:txBody>
+          <a:bodyPr wrap="square" rtlCol="0">
+            <a:spAutoFit/>
+          </a:bodyPr>
+          <a:lstStyle/>
+          <a:p>
+            <a:pPr algn="ctr"/>
+            <a:r>
+              <a:rPr lang="zh-CN" altLang="en-US" sz="5400" dirty="0" smtClean="0">
+                <a:solidFill>
+                  <a:schemeClr val="bg1"/>
+                </a:solidFill>
+                <a:latin typeface="Noto Sans S Chinese DemiLight" panose="020B0400000000000000" pitchFamily="34" charset="-122"/>
+                <a:ea typeface="Noto Sans S Chinese DemiLight" panose="020B0400000000000000" pitchFamily="34" charset="-122"/>
+              </a:rPr>
+              <a:t>感谢聆听</a:t>
+            </a:r>
+            <a:endParaRPr lang="en-US" sz="5400" dirty="0">
+              <a:solidFill>
+                <a:schemeClr val="bg1"/>
+              </a:solidFill>
+              <a:latin typeface="Noto Sans S Chinese DemiLight" panose="020B0400000000000000" pitchFamily="34" charset="-122"/>
+              <a:ea typeface="Noto Sans S Chinese DemiLight" panose="020B0400000000000000" pitchFamily="34" charset="-122"/>
+            </a:endParaRPr>
+          </a:p>
+        </p:txBody>
+      </p:sp>
+      <p:pic>
+        <p:nvPicPr>
+          <p:cNvPr id="4" name="图片 3"/>
+          <p:cNvPicPr>
+            <a:picLocks noChangeAspect="1"/>
+          </p:cNvPicPr>
+          <p:nvPr/>
+        </p:nvPicPr>
+        <p:blipFill rotWithShape="1">
+          <a:blip r:embed="rId2" cstate="print">
+            <a:extLst>
+              <a:ext uri="{28A0092B-C50C-407E-A947-70E740481C1C}">
+                <a14:useLocalDpi xmlns:a14="http://schemas.microsoft.com/office/drawing/2010/main" val="0"/>
+              </a:ext>
+            </a:extLst>
+          </a:blip>
+          <a:srcRect l="37709" t="-6" r="-80" b="-6"/>
+          <a:stretch/>
+        </p:blipFill>
+        <p:spPr>
+          <a:xfrm>
+            <a:off x="3929836" y="4214651"/>
+            <a:ext cx="1284328" cy="1244109"/>
+          </a:xfrm>
+          <a:prstGeom prst="ellipse">
+            <a:avLst/>
+          </a:prstGeom>
+          <a:noFill/>
+          <a:ln>
+            <a:noFill/>
+          </a:ln>
+          <a:effectLst/>
+        </p:spPr>
+      </p:pic>
+    </p:spTree>
+    <p:extLst>
+      <p:ext uri="{BB962C8B-B14F-4D97-AF65-F5344CB8AC3E}">
+        <p14:creationId xmlns:p14="http://schemas.microsoft.com/office/powerpoint/2010/main" val="1687848406"/>
+      </p:ext>
+    </p:extLst>
+  </p:cSld>
+  <p:clrMapOvr>
+    <a:masterClrMapping/>
+  </p:clrMapOvr>
+  <p:timing>
+    <p:tnLst>
+      <p:par>
+        <p:cTn id="1" dur="indefinite" restart="never" nodeType="tmRoot"/>
+      </p:par>
+    </p:tnLst>
+  </p:timing>
+</p:sld>
+</file>
+
 <file path=ppt/slides/slide2.xml><?xml version="1.0" encoding="utf-8"?>
 <p:sld xmlns:a="http://schemas.openxmlformats.org/drawingml/2006/main" xmlns:r="http://schemas.openxmlformats.org/officeDocument/2006/relationships" xmlns:p="http://schemas.openxmlformats.org/presentationml/2006/main">
   <p:cSld>
@@ -3411,34 +5127,804 @@
           </a:p>
         </p:txBody>
       </p:sp>
-      <p:sp>
-        <p:nvSpPr>
-          <p:cNvPr id="9" name="圆角矩形 8"/>
-          <p:cNvSpPr/>
-          <p:nvPr/>
-        </p:nvSpPr>
-        <p:spPr>
+      <p:grpSp>
+        <p:nvGrpSpPr>
+          <p:cNvPr id="17" name="组合 16"/>
+          <p:cNvGrpSpPr/>
+          <p:nvPr/>
+        </p:nvGrpSpPr>
+        <p:grpSpPr>
+          <a:xfrm>
+            <a:off x="3304498" y="2059528"/>
+            <a:ext cx="2469992" cy="3605957"/>
+            <a:chOff x="3304498" y="2059528"/>
+            <a:chExt cx="2469992" cy="3605957"/>
+          </a:xfrm>
+        </p:grpSpPr>
+        <p:sp>
+          <p:nvSpPr>
+            <p:cNvPr id="10" name="圆角矩形 9"/>
+            <p:cNvSpPr/>
+            <p:nvPr/>
+          </p:nvSpPr>
+          <p:spPr>
+            <a:xfrm>
+              <a:off x="3304499" y="2059528"/>
+              <a:ext cx="2469991" cy="3605957"/>
+            </a:xfrm>
+            <a:prstGeom prst="roundRect">
+              <a:avLst>
+                <a:gd name="adj" fmla="val 602"/>
+              </a:avLst>
+            </a:prstGeom>
+            <a:solidFill>
+              <a:schemeClr val="bg1">
+                <a:lumMod val="95000"/>
+              </a:schemeClr>
+            </a:solidFill>
+            <a:ln>
+              <a:noFill/>
+            </a:ln>
+            <a:effectLst>
+              <a:outerShdw blurRad="127000" dist="50800" dir="5400000" algn="t" rotWithShape="0">
+                <a:prstClr val="black">
+                  <a:alpha val="35000"/>
+                </a:prstClr>
+              </a:outerShdw>
+            </a:effectLst>
+          </p:spPr>
+          <p:style>
+            <a:lnRef idx="2">
+              <a:schemeClr val="accent1">
+                <a:shade val="50000"/>
+              </a:schemeClr>
+            </a:lnRef>
+            <a:fillRef idx="1">
+              <a:schemeClr val="accent1"/>
+            </a:fillRef>
+            <a:effectRef idx="0">
+              <a:schemeClr val="accent1"/>
+            </a:effectRef>
+            <a:fontRef idx="minor">
+              <a:schemeClr val="lt1"/>
+            </a:fontRef>
+          </p:style>
+          <p:txBody>
+            <a:bodyPr rtlCol="0" anchor="ctr"/>
+            <a:lstStyle/>
+            <a:p>
+              <a:pPr algn="ctr"/>
+              <a:endParaRPr lang="zh-CN" altLang="en-US"/>
+            </a:p>
+          </p:txBody>
+        </p:sp>
+        <p:sp>
+          <p:nvSpPr>
+            <p:cNvPr id="7" name="文本框 6"/>
+            <p:cNvSpPr txBox="1"/>
+            <p:nvPr/>
+          </p:nvSpPr>
+          <p:spPr>
+            <a:xfrm>
+              <a:off x="3495169" y="2227121"/>
+              <a:ext cx="1301588" cy="400110"/>
+            </a:xfrm>
+            <a:prstGeom prst="rect">
+              <a:avLst/>
+            </a:prstGeom>
+            <a:noFill/>
+          </p:spPr>
+          <p:txBody>
+            <a:bodyPr wrap="square" rtlCol="0">
+              <a:spAutoFit/>
+            </a:bodyPr>
+            <a:lstStyle/>
+            <a:p>
+              <a:pPr algn="ctr"/>
+              <a:r>
+                <a:rPr lang="zh-CN" altLang="en-US" sz="2000" dirty="0" smtClean="0">
+                  <a:latin typeface="Noto Sans S Chinese DemiLight" panose="020B0400000000000000" pitchFamily="34" charset="-122"/>
+                  <a:ea typeface="Noto Sans S Chinese DemiLight" panose="020B0400000000000000" pitchFamily="34" charset="-122"/>
+                </a:rPr>
+                <a:t>性能需求</a:t>
+              </a:r>
+              <a:endParaRPr lang="en-US" sz="2000" dirty="0">
+                <a:latin typeface="Noto Sans S Chinese DemiLight" panose="020B0400000000000000" pitchFamily="34" charset="-122"/>
+                <a:ea typeface="Noto Sans S Chinese DemiLight" panose="020B0400000000000000" pitchFamily="34" charset="-122"/>
+              </a:endParaRPr>
+            </a:p>
+          </p:txBody>
+        </p:sp>
+        <p:sp>
+          <p:nvSpPr>
+            <p:cNvPr id="2" name="文本框 1"/>
+            <p:cNvSpPr txBox="1"/>
+            <p:nvPr/>
+          </p:nvSpPr>
+          <p:spPr>
+            <a:xfrm>
+              <a:off x="3304498" y="2936934"/>
+              <a:ext cx="2469991" cy="2086725"/>
+            </a:xfrm>
+            <a:prstGeom prst="rect">
+              <a:avLst/>
+            </a:prstGeom>
+            <a:noFill/>
+          </p:spPr>
+          <p:txBody>
+            <a:bodyPr wrap="square" rtlCol="0">
+              <a:spAutoFit/>
+            </a:bodyPr>
+            <a:lstStyle/>
+            <a:p>
+              <a:pPr marL="285750" indent="-285750">
+                <a:lnSpc>
+                  <a:spcPct val="120000"/>
+                </a:lnSpc>
+                <a:buFont typeface="Arial" panose="020B0604020202020204" pitchFamily="34" charset="0"/>
+                <a:buChar char="•"/>
+              </a:pPr>
+              <a:r>
+                <a:rPr lang="zh-CN" altLang="en-US" dirty="0" smtClean="0">
+                  <a:solidFill>
+                    <a:schemeClr val="tx1">
+                      <a:lumMod val="65000"/>
+                      <a:lumOff val="35000"/>
+                    </a:schemeClr>
+                  </a:solidFill>
+                  <a:latin typeface="Noto Sans S Chinese Light" panose="020B0300000000000000" pitchFamily="34" charset="-122"/>
+                  <a:ea typeface="Noto Sans S Chinese Light" panose="020B0300000000000000" pitchFamily="34" charset="-122"/>
+                </a:rPr>
+                <a:t>数据存储容量</a:t>
+              </a:r>
+              <a:r>
+                <a:rPr lang="zh-CN" altLang="en-US" dirty="0">
+                  <a:solidFill>
+                    <a:schemeClr val="tx1">
+                      <a:lumMod val="65000"/>
+                      <a:lumOff val="35000"/>
+                    </a:schemeClr>
+                  </a:solidFill>
+                  <a:latin typeface="Noto Sans S Chinese Light" panose="020B0300000000000000" pitchFamily="34" charset="-122"/>
+                  <a:ea typeface="Noto Sans S Chinese Light" panose="020B0300000000000000" pitchFamily="34" charset="-122"/>
+                </a:rPr>
+                <a:t>大</a:t>
+              </a:r>
+              <a:endParaRPr lang="en-US" altLang="zh-CN" dirty="0" smtClean="0">
+                <a:solidFill>
+                  <a:schemeClr val="tx1">
+                    <a:lumMod val="65000"/>
+                    <a:lumOff val="35000"/>
+                  </a:schemeClr>
+                </a:solidFill>
+                <a:latin typeface="Noto Sans S Chinese Light" panose="020B0300000000000000" pitchFamily="34" charset="-122"/>
+                <a:ea typeface="Noto Sans S Chinese Light" panose="020B0300000000000000" pitchFamily="34" charset="-122"/>
+              </a:endParaRPr>
+            </a:p>
+            <a:p>
+              <a:pPr marL="285750" indent="-285750">
+                <a:lnSpc>
+                  <a:spcPct val="120000"/>
+                </a:lnSpc>
+                <a:buFont typeface="Arial" panose="020B0604020202020204" pitchFamily="34" charset="0"/>
+                <a:buChar char="•"/>
+              </a:pPr>
+              <a:endParaRPr lang="en-US" dirty="0">
+                <a:solidFill>
+                  <a:schemeClr val="tx1">
+                    <a:lumMod val="65000"/>
+                    <a:lumOff val="35000"/>
+                  </a:schemeClr>
+                </a:solidFill>
+                <a:latin typeface="Noto Sans S Chinese Light" panose="020B0300000000000000" pitchFamily="34" charset="-122"/>
+                <a:ea typeface="Noto Sans S Chinese Light" panose="020B0300000000000000" pitchFamily="34" charset="-122"/>
+              </a:endParaRPr>
+            </a:p>
+            <a:p>
+              <a:pPr marL="285750" indent="-285750">
+                <a:lnSpc>
+                  <a:spcPct val="120000"/>
+                </a:lnSpc>
+                <a:buFont typeface="Arial" panose="020B0604020202020204" pitchFamily="34" charset="0"/>
+                <a:buChar char="•"/>
+              </a:pPr>
+              <a:r>
+                <a:rPr lang="zh-CN" altLang="en-US" dirty="0">
+                  <a:solidFill>
+                    <a:schemeClr val="tx1">
+                      <a:lumMod val="65000"/>
+                      <a:lumOff val="35000"/>
+                    </a:schemeClr>
+                  </a:solidFill>
+                  <a:latin typeface="Noto Sans S Chinese Light" panose="020B0300000000000000" pitchFamily="34" charset="-122"/>
+                  <a:ea typeface="Noto Sans S Chinese Light" panose="020B0300000000000000" pitchFamily="34" charset="-122"/>
+                </a:rPr>
+                <a:t>处理大规模遥感</a:t>
+              </a:r>
+              <a:r>
+                <a:rPr lang="zh-CN" altLang="en-US" dirty="0" smtClean="0">
+                  <a:solidFill>
+                    <a:schemeClr val="tx1">
+                      <a:lumMod val="65000"/>
+                      <a:lumOff val="35000"/>
+                    </a:schemeClr>
+                  </a:solidFill>
+                  <a:latin typeface="Noto Sans S Chinese Light" panose="020B0300000000000000" pitchFamily="34" charset="-122"/>
+                  <a:ea typeface="Noto Sans S Chinese Light" panose="020B0300000000000000" pitchFamily="34" charset="-122"/>
+                </a:rPr>
+                <a:t>数据</a:t>
+              </a:r>
+              <a:endParaRPr lang="en-US" altLang="zh-CN" dirty="0" smtClean="0">
+                <a:solidFill>
+                  <a:schemeClr val="tx1">
+                    <a:lumMod val="65000"/>
+                    <a:lumOff val="35000"/>
+                  </a:schemeClr>
+                </a:solidFill>
+                <a:latin typeface="Noto Sans S Chinese Light" panose="020B0300000000000000" pitchFamily="34" charset="-122"/>
+                <a:ea typeface="Noto Sans S Chinese Light" panose="020B0300000000000000" pitchFamily="34" charset="-122"/>
+              </a:endParaRPr>
+            </a:p>
+            <a:p>
+              <a:pPr marL="285750" indent="-285750">
+                <a:lnSpc>
+                  <a:spcPct val="120000"/>
+                </a:lnSpc>
+                <a:buFont typeface="Arial" panose="020B0604020202020204" pitchFamily="34" charset="0"/>
+                <a:buChar char="•"/>
+              </a:pPr>
+              <a:endParaRPr lang="en-US" dirty="0">
+                <a:solidFill>
+                  <a:schemeClr val="tx1">
+                    <a:lumMod val="65000"/>
+                    <a:lumOff val="35000"/>
+                  </a:schemeClr>
+                </a:solidFill>
+                <a:latin typeface="Noto Sans S Chinese Light" panose="020B0300000000000000" pitchFamily="34" charset="-122"/>
+                <a:ea typeface="Noto Sans S Chinese Light" panose="020B0300000000000000" pitchFamily="34" charset="-122"/>
+              </a:endParaRPr>
+            </a:p>
+            <a:p>
+              <a:pPr marL="285750" indent="-285750">
+                <a:lnSpc>
+                  <a:spcPct val="120000"/>
+                </a:lnSpc>
+                <a:buFont typeface="Arial" panose="020B0604020202020204" pitchFamily="34" charset="0"/>
+                <a:buChar char="•"/>
+              </a:pPr>
+              <a:r>
+                <a:rPr lang="zh-CN" altLang="en-US" dirty="0" smtClean="0">
+                  <a:solidFill>
+                    <a:schemeClr val="tx1">
+                      <a:lumMod val="65000"/>
+                      <a:lumOff val="35000"/>
+                    </a:schemeClr>
+                  </a:solidFill>
+                  <a:latin typeface="Noto Sans S Chinese Light" panose="020B0300000000000000" pitchFamily="34" charset="-122"/>
+                  <a:ea typeface="Noto Sans S Chinese Light" panose="020B0300000000000000" pitchFamily="34" charset="-122"/>
+                </a:rPr>
+                <a:t>高网络传输</a:t>
+              </a:r>
+              <a:r>
+                <a:rPr lang="zh-CN" altLang="en-US" dirty="0">
+                  <a:solidFill>
+                    <a:schemeClr val="tx1">
+                      <a:lumMod val="65000"/>
+                      <a:lumOff val="35000"/>
+                    </a:schemeClr>
+                  </a:solidFill>
+                  <a:latin typeface="Noto Sans S Chinese Light" panose="020B0300000000000000" pitchFamily="34" charset="-122"/>
+                  <a:ea typeface="Noto Sans S Chinese Light" panose="020B0300000000000000" pitchFamily="34" charset="-122"/>
+                </a:rPr>
+                <a:t>速度</a:t>
+              </a:r>
+              <a:endParaRPr lang="en-US" dirty="0">
+                <a:solidFill>
+                  <a:schemeClr val="tx1">
+                    <a:lumMod val="65000"/>
+                    <a:lumOff val="35000"/>
+                  </a:schemeClr>
+                </a:solidFill>
+                <a:latin typeface="Noto Sans S Chinese Light" panose="020B0300000000000000" pitchFamily="34" charset="-122"/>
+                <a:ea typeface="Noto Sans S Chinese Light" panose="020B0300000000000000" pitchFamily="34" charset="-122"/>
+              </a:endParaRPr>
+            </a:p>
+          </p:txBody>
+        </p:sp>
+      </p:grpSp>
+      <p:grpSp>
+        <p:nvGrpSpPr>
+          <p:cNvPr id="14" name="组合 13"/>
+          <p:cNvGrpSpPr/>
+          <p:nvPr/>
+        </p:nvGrpSpPr>
+        <p:grpSpPr>
           <a:xfrm>
             <a:off x="370696" y="2059528"/>
             <a:ext cx="2469991" cy="3605957"/>
-          </a:xfrm>
-          <a:prstGeom prst="roundRect">
-            <a:avLst>
-              <a:gd name="adj" fmla="val 602"/>
-            </a:avLst>
+            <a:chOff x="370696" y="2059528"/>
+            <a:chExt cx="2469991" cy="3605957"/>
+          </a:xfrm>
+        </p:grpSpPr>
+        <p:sp>
+          <p:nvSpPr>
+            <p:cNvPr id="9" name="圆角矩形 8"/>
+            <p:cNvSpPr/>
+            <p:nvPr/>
+          </p:nvSpPr>
+          <p:spPr>
+            <a:xfrm>
+              <a:off x="370696" y="2059528"/>
+              <a:ext cx="2469991" cy="3605957"/>
+            </a:xfrm>
+            <a:prstGeom prst="roundRect">
+              <a:avLst>
+                <a:gd name="adj" fmla="val 602"/>
+              </a:avLst>
+            </a:prstGeom>
+            <a:solidFill>
+              <a:schemeClr val="bg1">
+                <a:lumMod val="95000"/>
+              </a:schemeClr>
+            </a:solidFill>
+            <a:ln>
+              <a:noFill/>
+            </a:ln>
+            <a:effectLst>
+              <a:outerShdw blurRad="127000" dist="50800" dir="5400000" algn="t" rotWithShape="0">
+                <a:prstClr val="black">
+                  <a:alpha val="35000"/>
+                </a:prstClr>
+              </a:outerShdw>
+            </a:effectLst>
+          </p:spPr>
+          <p:style>
+            <a:lnRef idx="2">
+              <a:schemeClr val="accent1">
+                <a:shade val="50000"/>
+              </a:schemeClr>
+            </a:lnRef>
+            <a:fillRef idx="1">
+              <a:schemeClr val="accent1"/>
+            </a:fillRef>
+            <a:effectRef idx="0">
+              <a:schemeClr val="accent1"/>
+            </a:effectRef>
+            <a:fontRef idx="minor">
+              <a:schemeClr val="lt1"/>
+            </a:fontRef>
+          </p:style>
+          <p:txBody>
+            <a:bodyPr rtlCol="0" anchor="ctr"/>
+            <a:lstStyle/>
+            <a:p>
+              <a:pPr algn="ctr"/>
+              <a:endParaRPr lang="zh-CN" altLang="en-US"/>
+            </a:p>
+          </p:txBody>
+        </p:sp>
+        <p:sp>
+          <p:nvSpPr>
+            <p:cNvPr id="6" name="文本框 5"/>
+            <p:cNvSpPr txBox="1"/>
+            <p:nvPr/>
+          </p:nvSpPr>
+          <p:spPr>
+            <a:xfrm>
+              <a:off x="559221" y="2228903"/>
+              <a:ext cx="1411500" cy="400110"/>
+            </a:xfrm>
+            <a:prstGeom prst="rect">
+              <a:avLst/>
+            </a:prstGeom>
+            <a:noFill/>
+          </p:spPr>
+          <p:txBody>
+            <a:bodyPr wrap="square" rtlCol="0">
+              <a:spAutoFit/>
+            </a:bodyPr>
+            <a:lstStyle/>
+            <a:p>
+              <a:r>
+                <a:rPr lang="zh-CN" altLang="en-US" sz="2000" dirty="0" smtClean="0">
+                  <a:latin typeface="Noto Sans S Chinese DemiLight" panose="020B0400000000000000" pitchFamily="34" charset="-122"/>
+                  <a:ea typeface="Noto Sans S Chinese DemiLight" panose="020B0400000000000000" pitchFamily="34" charset="-122"/>
+                </a:rPr>
+                <a:t>功能需求</a:t>
+              </a:r>
+              <a:endParaRPr lang="en-US" sz="2000" dirty="0">
+                <a:latin typeface="Noto Sans S Chinese DemiLight" panose="020B0400000000000000" pitchFamily="34" charset="-122"/>
+                <a:ea typeface="Noto Sans S Chinese DemiLight" panose="020B0400000000000000" pitchFamily="34" charset="-122"/>
+              </a:endParaRPr>
+            </a:p>
+          </p:txBody>
+        </p:sp>
+        <p:sp>
+          <p:nvSpPr>
+            <p:cNvPr id="3" name="文本框 2"/>
+            <p:cNvSpPr txBox="1"/>
+            <p:nvPr/>
+          </p:nvSpPr>
+          <p:spPr>
+            <a:xfrm>
+              <a:off x="385840" y="2937687"/>
+              <a:ext cx="2454846" cy="2419124"/>
+            </a:xfrm>
+            <a:prstGeom prst="rect">
+              <a:avLst/>
+            </a:prstGeom>
+            <a:noFill/>
+          </p:spPr>
+          <p:txBody>
+            <a:bodyPr wrap="square" rtlCol="0">
+              <a:spAutoFit/>
+            </a:bodyPr>
+            <a:lstStyle/>
+            <a:p>
+              <a:pPr marL="285750" indent="-285750">
+                <a:lnSpc>
+                  <a:spcPct val="120000"/>
+                </a:lnSpc>
+                <a:buFont typeface="Arial" panose="020B0604020202020204" pitchFamily="34" charset="0"/>
+                <a:buChar char="•"/>
+              </a:pPr>
+              <a:r>
+                <a:rPr lang="zh-CN" altLang="en-US" dirty="0" smtClean="0">
+                  <a:solidFill>
+                    <a:schemeClr val="tx1">
+                      <a:lumMod val="65000"/>
+                      <a:lumOff val="35000"/>
+                    </a:schemeClr>
+                  </a:solidFill>
+                  <a:latin typeface="Noto Sans S Chinese Light" panose="020B0300000000000000" pitchFamily="34" charset="-122"/>
+                  <a:ea typeface="Noto Sans S Chinese Light" panose="020B0300000000000000" pitchFamily="34" charset="-122"/>
+                </a:rPr>
+                <a:t>连续接收并存储大量遥感数据</a:t>
+              </a:r>
+              <a:endParaRPr lang="en-US" altLang="zh-CN" dirty="0">
+                <a:solidFill>
+                  <a:schemeClr val="tx1">
+                    <a:lumMod val="65000"/>
+                    <a:lumOff val="35000"/>
+                  </a:schemeClr>
+                </a:solidFill>
+                <a:latin typeface="Noto Sans S Chinese Light" panose="020B0300000000000000" pitchFamily="34" charset="-122"/>
+                <a:ea typeface="Noto Sans S Chinese Light" panose="020B0300000000000000" pitchFamily="34" charset="-122"/>
+              </a:endParaRPr>
+            </a:p>
+            <a:p>
+              <a:pPr>
+                <a:lnSpc>
+                  <a:spcPct val="120000"/>
+                </a:lnSpc>
+              </a:pPr>
+              <a:endParaRPr lang="en-US" altLang="zh-CN" dirty="0" smtClean="0">
+                <a:solidFill>
+                  <a:schemeClr val="tx1">
+                    <a:lumMod val="65000"/>
+                    <a:lumOff val="35000"/>
+                  </a:schemeClr>
+                </a:solidFill>
+                <a:latin typeface="Noto Sans S Chinese Light" panose="020B0300000000000000" pitchFamily="34" charset="-122"/>
+                <a:ea typeface="Noto Sans S Chinese Light" panose="020B0300000000000000" pitchFamily="34" charset="-122"/>
+              </a:endParaRPr>
+            </a:p>
+            <a:p>
+              <a:pPr marL="285750" indent="-285750">
+                <a:lnSpc>
+                  <a:spcPct val="120000"/>
+                </a:lnSpc>
+                <a:buFont typeface="Arial" panose="020B0604020202020204" pitchFamily="34" charset="0"/>
+                <a:buChar char="•"/>
+              </a:pPr>
+              <a:r>
+                <a:rPr lang="zh-CN" altLang="en-US" dirty="0" smtClean="0">
+                  <a:solidFill>
+                    <a:schemeClr val="tx1">
+                      <a:lumMod val="65000"/>
+                      <a:lumOff val="35000"/>
+                    </a:schemeClr>
+                  </a:solidFill>
+                  <a:latin typeface="Noto Sans S Chinese Light" panose="020B0300000000000000" pitchFamily="34" charset="-122"/>
+                  <a:ea typeface="Noto Sans S Chinese Light" panose="020B0300000000000000" pitchFamily="34" charset="-122"/>
+                </a:rPr>
+                <a:t>天气预报</a:t>
+              </a:r>
+              <a:r>
+                <a:rPr lang="zh-CN" altLang="en-US" dirty="0">
+                  <a:solidFill>
+                    <a:schemeClr val="tx1">
+                      <a:lumMod val="65000"/>
+                      <a:lumOff val="35000"/>
+                    </a:schemeClr>
+                  </a:solidFill>
+                  <a:latin typeface="Noto Sans S Chinese Light" panose="020B0300000000000000" pitchFamily="34" charset="-122"/>
+                  <a:ea typeface="Noto Sans S Chinese Light" panose="020B0300000000000000" pitchFamily="34" charset="-122"/>
+                </a:rPr>
+                <a:t>、科学研究、城市规划、公共卫生、地图、矿物探测</a:t>
+              </a:r>
+              <a:endParaRPr lang="en-US" dirty="0">
+                <a:solidFill>
+                  <a:schemeClr val="tx1">
+                    <a:lumMod val="65000"/>
+                    <a:lumOff val="35000"/>
+                  </a:schemeClr>
+                </a:solidFill>
+                <a:latin typeface="Noto Sans S Chinese Light" panose="020B0300000000000000" pitchFamily="34" charset="-122"/>
+                <a:ea typeface="Noto Sans S Chinese Light" panose="020B0300000000000000" pitchFamily="34" charset="-122"/>
+              </a:endParaRPr>
+            </a:p>
+          </p:txBody>
+        </p:sp>
+      </p:grpSp>
+      <p:grpSp>
+        <p:nvGrpSpPr>
+          <p:cNvPr id="18" name="组合 17"/>
+          <p:cNvGrpSpPr/>
+          <p:nvPr/>
+        </p:nvGrpSpPr>
+        <p:grpSpPr>
+          <a:xfrm>
+            <a:off x="6238300" y="2059528"/>
+            <a:ext cx="2469994" cy="3605957"/>
+            <a:chOff x="6238300" y="2059528"/>
+            <a:chExt cx="2469994" cy="3605957"/>
+          </a:xfrm>
+        </p:grpSpPr>
+        <p:sp>
+          <p:nvSpPr>
+            <p:cNvPr id="11" name="圆角矩形 10"/>
+            <p:cNvSpPr/>
+            <p:nvPr/>
+          </p:nvSpPr>
+          <p:spPr>
+            <a:xfrm>
+              <a:off x="6238303" y="2059528"/>
+              <a:ext cx="2469991" cy="3605957"/>
+            </a:xfrm>
+            <a:prstGeom prst="roundRect">
+              <a:avLst>
+                <a:gd name="adj" fmla="val 602"/>
+              </a:avLst>
+            </a:prstGeom>
+            <a:solidFill>
+              <a:schemeClr val="bg1">
+                <a:lumMod val="95000"/>
+              </a:schemeClr>
+            </a:solidFill>
+            <a:ln>
+              <a:noFill/>
+            </a:ln>
+            <a:effectLst>
+              <a:outerShdw blurRad="127000" dist="50800" dir="5400000" algn="t" rotWithShape="0">
+                <a:prstClr val="black">
+                  <a:alpha val="35000"/>
+                </a:prstClr>
+              </a:outerShdw>
+            </a:effectLst>
+          </p:spPr>
+          <p:style>
+            <a:lnRef idx="2">
+              <a:schemeClr val="accent1">
+                <a:shade val="50000"/>
+              </a:schemeClr>
+            </a:lnRef>
+            <a:fillRef idx="1">
+              <a:schemeClr val="accent1"/>
+            </a:fillRef>
+            <a:effectRef idx="0">
+              <a:schemeClr val="accent1"/>
+            </a:effectRef>
+            <a:fontRef idx="minor">
+              <a:schemeClr val="lt1"/>
+            </a:fontRef>
+          </p:style>
+          <p:txBody>
+            <a:bodyPr rtlCol="0" anchor="ctr"/>
+            <a:lstStyle/>
+            <a:p>
+              <a:pPr algn="ctr"/>
+              <a:endParaRPr lang="zh-CN" altLang="en-US"/>
+            </a:p>
+          </p:txBody>
+        </p:sp>
+        <p:sp>
+          <p:nvSpPr>
+            <p:cNvPr id="8" name="文本框 7"/>
+            <p:cNvSpPr txBox="1"/>
+            <p:nvPr/>
+          </p:nvSpPr>
+          <p:spPr>
+            <a:xfrm>
+              <a:off x="6421164" y="2227121"/>
+              <a:ext cx="1465448" cy="400110"/>
+            </a:xfrm>
+            <a:prstGeom prst="rect">
+              <a:avLst/>
+            </a:prstGeom>
+            <a:noFill/>
+          </p:spPr>
+          <p:txBody>
+            <a:bodyPr wrap="square" rtlCol="0">
+              <a:spAutoFit/>
+            </a:bodyPr>
+            <a:lstStyle/>
+            <a:p>
+              <a:pPr algn="ctr"/>
+              <a:r>
+                <a:rPr lang="zh-CN" altLang="en-US" sz="2000" dirty="0" smtClean="0">
+                  <a:latin typeface="Noto Sans S Chinese DemiLight" panose="020B0400000000000000" pitchFamily="34" charset="-122"/>
+                  <a:ea typeface="Noto Sans S Chinese DemiLight" panose="020B0400000000000000" pitchFamily="34" charset="-122"/>
+                </a:rPr>
+                <a:t>可用性需求</a:t>
+              </a:r>
+              <a:endParaRPr lang="en-US" sz="2000" dirty="0">
+                <a:latin typeface="Noto Sans S Chinese DemiLight" panose="020B0400000000000000" pitchFamily="34" charset="-122"/>
+                <a:ea typeface="Noto Sans S Chinese DemiLight" panose="020B0400000000000000" pitchFamily="34" charset="-122"/>
+              </a:endParaRPr>
+            </a:p>
+          </p:txBody>
+        </p:sp>
+        <p:sp>
+          <p:nvSpPr>
+            <p:cNvPr id="16" name="文本框 15"/>
+            <p:cNvSpPr txBox="1"/>
+            <p:nvPr/>
+          </p:nvSpPr>
+          <p:spPr>
+            <a:xfrm>
+              <a:off x="6238300" y="2936934"/>
+              <a:ext cx="2469993" cy="1421928"/>
+            </a:xfrm>
+            <a:prstGeom prst="rect">
+              <a:avLst/>
+            </a:prstGeom>
+            <a:noFill/>
+          </p:spPr>
+          <p:txBody>
+            <a:bodyPr wrap="square" rtlCol="0">
+              <a:spAutoFit/>
+            </a:bodyPr>
+            <a:lstStyle/>
+            <a:p>
+              <a:pPr marL="285750" indent="-285750">
+                <a:lnSpc>
+                  <a:spcPct val="120000"/>
+                </a:lnSpc>
+                <a:buFont typeface="Arial" panose="020B0604020202020204" pitchFamily="34" charset="0"/>
+                <a:buChar char="•"/>
+              </a:pPr>
+              <a:r>
+                <a:rPr lang="zh-CN" altLang="en-US" dirty="0" smtClean="0">
+                  <a:solidFill>
+                    <a:schemeClr val="tx1">
+                      <a:lumMod val="65000"/>
+                      <a:lumOff val="35000"/>
+                    </a:schemeClr>
+                  </a:solidFill>
+                  <a:latin typeface="Noto Sans S Chinese Light" panose="020B0300000000000000" pitchFamily="34" charset="-122"/>
+                  <a:ea typeface="Noto Sans S Chinese Light" panose="020B0300000000000000" pitchFamily="34" charset="-122"/>
+                </a:rPr>
+                <a:t>具有灾难恢复能力</a:t>
+              </a:r>
+              <a:endParaRPr lang="en-US" altLang="zh-CN" dirty="0" smtClean="0">
+                <a:solidFill>
+                  <a:schemeClr val="tx1">
+                    <a:lumMod val="65000"/>
+                    <a:lumOff val="35000"/>
+                  </a:schemeClr>
+                </a:solidFill>
+                <a:latin typeface="Noto Sans S Chinese Light" panose="020B0300000000000000" pitchFamily="34" charset="-122"/>
+                <a:ea typeface="Noto Sans S Chinese Light" panose="020B0300000000000000" pitchFamily="34" charset="-122"/>
+              </a:endParaRPr>
+            </a:p>
+            <a:p>
+              <a:pPr marL="285750" indent="-285750">
+                <a:lnSpc>
+                  <a:spcPct val="120000"/>
+                </a:lnSpc>
+                <a:buFont typeface="Arial" panose="020B0604020202020204" pitchFamily="34" charset="0"/>
+                <a:buChar char="•"/>
+              </a:pPr>
+              <a:endParaRPr lang="en-US" dirty="0">
+                <a:solidFill>
+                  <a:schemeClr val="tx1">
+                    <a:lumMod val="65000"/>
+                    <a:lumOff val="35000"/>
+                  </a:schemeClr>
+                </a:solidFill>
+                <a:latin typeface="Noto Sans S Chinese Light" panose="020B0300000000000000" pitchFamily="34" charset="-122"/>
+                <a:ea typeface="Noto Sans S Chinese Light" panose="020B0300000000000000" pitchFamily="34" charset="-122"/>
+              </a:endParaRPr>
+            </a:p>
+            <a:p>
+              <a:pPr marL="285750" indent="-285750">
+                <a:lnSpc>
+                  <a:spcPct val="120000"/>
+                </a:lnSpc>
+                <a:buFont typeface="Arial" panose="020B0604020202020204" pitchFamily="34" charset="0"/>
+                <a:buChar char="•"/>
+              </a:pPr>
+              <a:r>
+                <a:rPr lang="zh-CN" altLang="en-US" dirty="0" smtClean="0">
+                  <a:solidFill>
+                    <a:schemeClr val="tx1">
+                      <a:lumMod val="65000"/>
+                      <a:lumOff val="35000"/>
+                    </a:schemeClr>
+                  </a:solidFill>
+                  <a:latin typeface="Noto Sans S Chinese Light" panose="020B0300000000000000" pitchFamily="34" charset="-122"/>
+                  <a:ea typeface="Noto Sans S Chinese Light" panose="020B0300000000000000" pitchFamily="34" charset="-122"/>
+                </a:rPr>
+                <a:t>相对较低的</a:t>
+              </a:r>
+              <a:r>
+                <a:rPr lang="en-US" dirty="0" smtClean="0">
+                  <a:solidFill>
+                    <a:schemeClr val="tx1">
+                      <a:lumMod val="65000"/>
+                      <a:lumOff val="35000"/>
+                    </a:schemeClr>
+                  </a:solidFill>
+                  <a:latin typeface="Noto Sans S Chinese Light" panose="020B0300000000000000" pitchFamily="34" charset="-122"/>
+                  <a:ea typeface="Noto Sans S Chinese Light" panose="020B0300000000000000" pitchFamily="34" charset="-122"/>
+                </a:rPr>
+                <a:t>RPO</a:t>
+              </a:r>
+              <a:r>
+                <a:rPr lang="zh-CN" altLang="en-US" dirty="0">
+                  <a:solidFill>
+                    <a:schemeClr val="tx1">
+                      <a:lumMod val="65000"/>
+                      <a:lumOff val="35000"/>
+                    </a:schemeClr>
+                  </a:solidFill>
+                  <a:latin typeface="Noto Sans S Chinese Light" panose="020B0300000000000000" pitchFamily="34" charset="-122"/>
+                  <a:ea typeface="Noto Sans S Chinese Light" panose="020B0300000000000000" pitchFamily="34" charset="-122"/>
+                </a:rPr>
+                <a:t>与</a:t>
+              </a:r>
+              <a:r>
+                <a:rPr lang="en-US" dirty="0">
+                  <a:solidFill>
+                    <a:schemeClr val="tx1">
+                      <a:lumMod val="65000"/>
+                      <a:lumOff val="35000"/>
+                    </a:schemeClr>
+                  </a:solidFill>
+                  <a:latin typeface="Noto Sans S Chinese Light" panose="020B0300000000000000" pitchFamily="34" charset="-122"/>
+                  <a:ea typeface="Noto Sans S Chinese Light" panose="020B0300000000000000" pitchFamily="34" charset="-122"/>
+                </a:rPr>
+                <a:t>RTO</a:t>
+              </a:r>
+            </a:p>
+          </p:txBody>
+        </p:sp>
+      </p:grpSp>
+      <p:sp>
+        <p:nvSpPr>
+          <p:cNvPr id="13" name="椭圆 12"/>
+          <p:cNvSpPr/>
+          <p:nvPr/>
+        </p:nvSpPr>
+        <p:spPr>
+          <a:xfrm>
+            <a:off x="1978916" y="1749825"/>
+            <a:ext cx="619407" cy="619407"/>
+          </a:xfrm>
+          <a:prstGeom prst="ellipse">
+            <a:avLst/>
           </a:prstGeom>
           <a:solidFill>
-            <a:schemeClr val="bg1">
-              <a:lumMod val="95000"/>
-            </a:schemeClr>
+            <a:srgbClr val="F4511E"/>
           </a:solidFill>
           <a:ln>
             <a:noFill/>
           </a:ln>
           <a:effectLst>
-            <a:outerShdw blurRad="127000" dist="50800" dir="5400000" algn="t" rotWithShape="0">
+            <a:outerShdw blurRad="63500" sx="108000" sy="108000" algn="ctr" rotWithShape="0">
               <a:prstClr val="black">
-                <a:alpha val="35000"/>
+                <a:alpha val="40000"/>
               </a:prstClr>
             </a:outerShdw>
           </a:effectLst>
@@ -3464,74 +5950,44 @@
           <a:lstStyle/>
           <a:p>
             <a:pPr algn="ctr"/>
-            <a:endParaRPr lang="zh-CN" altLang="en-US"/>
-          </a:p>
-        </p:txBody>
-      </p:sp>
-      <p:sp>
-        <p:nvSpPr>
-          <p:cNvPr id="6" name="文本框 5"/>
-          <p:cNvSpPr txBox="1"/>
-          <p:nvPr/>
-        </p:nvSpPr>
-        <p:spPr>
-          <a:xfrm>
-            <a:off x="559221" y="2228903"/>
-            <a:ext cx="1411500" cy="400110"/>
-          </a:xfrm>
-          <a:prstGeom prst="rect">
-            <a:avLst/>
-          </a:prstGeom>
-          <a:noFill/>
-        </p:spPr>
-        <p:txBody>
-          <a:bodyPr wrap="square" rtlCol="0">
-            <a:spAutoFit/>
-          </a:bodyPr>
-          <a:lstStyle/>
-          <a:p>
-            <a:r>
-              <a:rPr lang="zh-CN" altLang="en-US" sz="2000" dirty="0" smtClean="0">
-                <a:latin typeface="Noto Sans S Chinese Bold" panose="020B0800000000000000" pitchFamily="34" charset="-122"/>
-                <a:ea typeface="Noto Sans S Chinese Bold" panose="020B0800000000000000" pitchFamily="34" charset="-122"/>
-              </a:rPr>
-              <a:t>功能需求</a:t>
-            </a:r>
-            <a:endParaRPr lang="en-US" sz="2000" dirty="0">
-              <a:latin typeface="Noto Sans S Chinese Bold" panose="020B0800000000000000" pitchFamily="34" charset="-122"/>
-              <a:ea typeface="Noto Sans S Chinese Bold" panose="020B0800000000000000" pitchFamily="34" charset="-122"/>
+            <a:r>
+              <a:rPr lang="en-US" sz="2800" dirty="0" smtClean="0">
+                <a:latin typeface="Noto Sans S Chinese Thin" panose="020B0200000000000000" pitchFamily="34" charset="-122"/>
+                <a:ea typeface="Noto Sans S Chinese Thin" panose="020B0200000000000000" pitchFamily="34" charset="-122"/>
+              </a:rPr>
+              <a:t>1</a:t>
+            </a:r>
+            <a:endParaRPr lang="en-US" sz="2800" dirty="0">
+              <a:latin typeface="Noto Sans S Chinese Thin" panose="020B0200000000000000" pitchFamily="34" charset="-122"/>
+              <a:ea typeface="Noto Sans S Chinese Thin" panose="020B0200000000000000" pitchFamily="34" charset="-122"/>
             </a:endParaRPr>
           </a:p>
         </p:txBody>
       </p:sp>
       <p:sp>
         <p:nvSpPr>
-          <p:cNvPr id="10" name="圆角矩形 9"/>
+          <p:cNvPr id="12" name="椭圆 11"/>
           <p:cNvSpPr/>
           <p:nvPr/>
         </p:nvSpPr>
         <p:spPr>
           <a:xfrm>
-            <a:off x="3304499" y="2059528"/>
-            <a:ext cx="2469991" cy="3605957"/>
-          </a:xfrm>
-          <a:prstGeom prst="roundRect">
-            <a:avLst>
-              <a:gd name="adj" fmla="val 602"/>
-            </a:avLst>
+            <a:off x="4932764" y="1749825"/>
+            <a:ext cx="619407" cy="619407"/>
+          </a:xfrm>
+          <a:prstGeom prst="ellipse">
+            <a:avLst/>
           </a:prstGeom>
           <a:solidFill>
-            <a:schemeClr val="bg1">
-              <a:lumMod val="95000"/>
-            </a:schemeClr>
+            <a:srgbClr val="F4511E"/>
           </a:solidFill>
           <a:ln>
             <a:noFill/>
           </a:ln>
           <a:effectLst>
-            <a:outerShdw blurRad="127000" dist="50800" dir="5400000" algn="t" rotWithShape="0">
+            <a:outerShdw blurRad="63500" sx="108000" sy="108000" algn="ctr" rotWithShape="0">
               <a:prstClr val="black">
-                <a:alpha val="35000"/>
+                <a:alpha val="40000"/>
               </a:prstClr>
             </a:outerShdw>
           </a:effectLst>
@@ -3557,38 +6013,40 @@
           <a:lstStyle/>
           <a:p>
             <a:pPr algn="ctr"/>
-            <a:endParaRPr lang="zh-CN" altLang="en-US"/>
-          </a:p>
-        </p:txBody>
-      </p:sp>
-      <p:sp>
-        <p:nvSpPr>
-          <p:cNvPr id="11" name="圆角矩形 10"/>
+            <a:r>
+              <a:rPr lang="en-US" sz="2800" dirty="0">
+                <a:latin typeface="Noto Sans S Chinese Thin" panose="020B0200000000000000" pitchFamily="34" charset="-122"/>
+                <a:ea typeface="Noto Sans S Chinese Thin" panose="020B0200000000000000" pitchFamily="34" charset="-122"/>
+              </a:rPr>
+              <a:t>2</a:t>
+            </a:r>
+          </a:p>
+        </p:txBody>
+      </p:sp>
+      <p:sp>
+        <p:nvSpPr>
+          <p:cNvPr id="15" name="椭圆 14"/>
           <p:cNvSpPr/>
           <p:nvPr/>
         </p:nvSpPr>
         <p:spPr>
           <a:xfrm>
-            <a:off x="6238303" y="2059528"/>
-            <a:ext cx="2469991" cy="3605957"/>
-          </a:xfrm>
-          <a:prstGeom prst="roundRect">
-            <a:avLst>
-              <a:gd name="adj" fmla="val 602"/>
-            </a:avLst>
+            <a:off x="7866568" y="1727767"/>
+            <a:ext cx="619407" cy="619407"/>
+          </a:xfrm>
+          <a:prstGeom prst="ellipse">
+            <a:avLst/>
           </a:prstGeom>
           <a:solidFill>
-            <a:schemeClr val="bg1">
-              <a:lumMod val="95000"/>
-            </a:schemeClr>
+            <a:srgbClr val="F4511E"/>
           </a:solidFill>
           <a:ln>
             <a:noFill/>
           </a:ln>
           <a:effectLst>
-            <a:outerShdw blurRad="127000" dist="50800" dir="5400000" algn="t" rotWithShape="0">
+            <a:outerShdw blurRad="63500" sx="108000" sy="108000" algn="ctr" rotWithShape="0">
               <a:prstClr val="black">
-                <a:alpha val="35000"/>
+                <a:alpha val="40000"/>
               </a:prstClr>
             </a:outerShdw>
           </a:effectLst>
@@ -3614,700 +6072,12 @@
           <a:lstStyle/>
           <a:p>
             <a:pPr algn="ctr"/>
-            <a:endParaRPr lang="zh-CN" altLang="en-US"/>
-          </a:p>
-        </p:txBody>
-      </p:sp>
-      <p:sp>
-        <p:nvSpPr>
-          <p:cNvPr id="7" name="文本框 6"/>
-          <p:cNvSpPr txBox="1"/>
-          <p:nvPr/>
-        </p:nvSpPr>
-        <p:spPr>
-          <a:xfrm>
-            <a:off x="3495169" y="2227121"/>
-            <a:ext cx="1301588" cy="400110"/>
-          </a:xfrm>
-          <a:prstGeom prst="rect">
-            <a:avLst/>
-          </a:prstGeom>
-          <a:noFill/>
-        </p:spPr>
-        <p:txBody>
-          <a:bodyPr wrap="square" rtlCol="0">
-            <a:spAutoFit/>
-          </a:bodyPr>
-          <a:lstStyle/>
-          <a:p>
-            <a:pPr algn="ctr"/>
-            <a:r>
-              <a:rPr lang="zh-CN" altLang="en-US" sz="2000" dirty="0" smtClean="0">
-                <a:latin typeface="Noto Sans S Chinese Bold" panose="020B0800000000000000" pitchFamily="34" charset="-122"/>
-                <a:ea typeface="Noto Sans S Chinese Bold" panose="020B0800000000000000" pitchFamily="34" charset="-122"/>
-              </a:rPr>
-              <a:t>性能需求</a:t>
-            </a:r>
-            <a:endParaRPr lang="en-US" sz="2000" dirty="0">
-              <a:latin typeface="Noto Sans S Chinese Bold" panose="020B0800000000000000" pitchFamily="34" charset="-122"/>
-              <a:ea typeface="Noto Sans S Chinese Bold" panose="020B0800000000000000" pitchFamily="34" charset="-122"/>
-            </a:endParaRPr>
-          </a:p>
-        </p:txBody>
-      </p:sp>
-      <p:sp>
-        <p:nvSpPr>
-          <p:cNvPr id="8" name="文本框 7"/>
-          <p:cNvSpPr txBox="1"/>
-          <p:nvPr/>
-        </p:nvSpPr>
-        <p:spPr>
-          <a:xfrm>
-            <a:off x="6421164" y="2227121"/>
-            <a:ext cx="1465448" cy="400110"/>
-          </a:xfrm>
-          <a:prstGeom prst="rect">
-            <a:avLst/>
-          </a:prstGeom>
-          <a:noFill/>
-        </p:spPr>
-        <p:txBody>
-          <a:bodyPr wrap="square" rtlCol="0">
-            <a:spAutoFit/>
-          </a:bodyPr>
-          <a:lstStyle/>
-          <a:p>
-            <a:pPr algn="ctr"/>
-            <a:r>
-              <a:rPr lang="zh-CN" altLang="en-US" sz="2000" dirty="0" smtClean="0">
-                <a:latin typeface="Noto Sans S Chinese Bold" panose="020B0800000000000000" pitchFamily="34" charset="-122"/>
-                <a:ea typeface="Noto Sans S Chinese Bold" panose="020B0800000000000000" pitchFamily="34" charset="-122"/>
-              </a:rPr>
-              <a:t>可用性需求</a:t>
-            </a:r>
-            <a:endParaRPr lang="en-US" sz="2000" dirty="0">
-              <a:latin typeface="Noto Sans S Chinese Bold" panose="020B0800000000000000" pitchFamily="34" charset="-122"/>
-              <a:ea typeface="Noto Sans S Chinese Bold" panose="020B0800000000000000" pitchFamily="34" charset="-122"/>
-            </a:endParaRPr>
-          </a:p>
-        </p:txBody>
-      </p:sp>
-      <p:sp>
-        <p:nvSpPr>
-          <p:cNvPr id="13" name="椭圆 12"/>
-          <p:cNvSpPr/>
-          <p:nvPr/>
-        </p:nvSpPr>
-        <p:spPr>
-          <a:xfrm>
-            <a:off x="1978916" y="1749825"/>
-            <a:ext cx="619407" cy="619407"/>
-          </a:xfrm>
-          <a:prstGeom prst="ellipse">
-            <a:avLst/>
-          </a:prstGeom>
-          <a:solidFill>
-            <a:srgbClr val="F4511E"/>
-          </a:solidFill>
-          <a:effectLst>
-            <a:outerShdw blurRad="63500" sx="108000" sy="108000" algn="ctr" rotWithShape="0">
-              <a:prstClr val="black">
-                <a:alpha val="40000"/>
-              </a:prstClr>
-            </a:outerShdw>
-          </a:effectLst>
-        </p:spPr>
-        <p:style>
-          <a:lnRef idx="2">
-            <a:schemeClr val="accent1">
-              <a:shade val="50000"/>
-            </a:schemeClr>
-          </a:lnRef>
-          <a:fillRef idx="1">
-            <a:schemeClr val="accent1"/>
-          </a:fillRef>
-          <a:effectRef idx="0">
-            <a:schemeClr val="accent1"/>
-          </a:effectRef>
-          <a:fontRef idx="minor">
-            <a:schemeClr val="lt1"/>
-          </a:fontRef>
-        </p:style>
-        <p:txBody>
-          <a:bodyPr rtlCol="0" anchor="ctr"/>
-          <a:lstStyle/>
-          <a:p>
-            <a:pPr algn="ctr"/>
-            <a:r>
-              <a:rPr lang="en-US" sz="2800" dirty="0" smtClean="0">
-                <a:latin typeface="Noto Sans S Chinese Thin" panose="020B0200000000000000" pitchFamily="34" charset="-122"/>
-                <a:ea typeface="Noto Sans S Chinese Thin" panose="020B0200000000000000" pitchFamily="34" charset="-122"/>
-              </a:rPr>
-              <a:t>1</a:t>
-            </a:r>
-            <a:endParaRPr lang="en-US" sz="2800" dirty="0">
-              <a:latin typeface="Noto Sans S Chinese Thin" panose="020B0200000000000000" pitchFamily="34" charset="-122"/>
-              <a:ea typeface="Noto Sans S Chinese Thin" panose="020B0200000000000000" pitchFamily="34" charset="-122"/>
-            </a:endParaRPr>
-          </a:p>
-        </p:txBody>
-      </p:sp>
-      <p:sp>
-        <p:nvSpPr>
-          <p:cNvPr id="12" name="椭圆 11"/>
-          <p:cNvSpPr/>
-          <p:nvPr/>
-        </p:nvSpPr>
-        <p:spPr>
-          <a:xfrm>
-            <a:off x="4932764" y="1749825"/>
-            <a:ext cx="619407" cy="619407"/>
-          </a:xfrm>
-          <a:prstGeom prst="ellipse">
-            <a:avLst/>
-          </a:prstGeom>
-          <a:solidFill>
-            <a:srgbClr val="F4511E"/>
-          </a:solidFill>
-          <a:effectLst>
-            <a:outerShdw blurRad="63500" sx="108000" sy="108000" algn="ctr" rotWithShape="0">
-              <a:prstClr val="black">
-                <a:alpha val="40000"/>
-              </a:prstClr>
-            </a:outerShdw>
-          </a:effectLst>
-        </p:spPr>
-        <p:style>
-          <a:lnRef idx="2">
-            <a:schemeClr val="accent1">
-              <a:shade val="50000"/>
-            </a:schemeClr>
-          </a:lnRef>
-          <a:fillRef idx="1">
-            <a:schemeClr val="accent1"/>
-          </a:fillRef>
-          <a:effectRef idx="0">
-            <a:schemeClr val="accent1"/>
-          </a:effectRef>
-          <a:fontRef idx="minor">
-            <a:schemeClr val="lt1"/>
-          </a:fontRef>
-        </p:style>
-        <p:txBody>
-          <a:bodyPr rtlCol="0" anchor="ctr"/>
-          <a:lstStyle/>
-          <a:p>
-            <a:pPr algn="ctr"/>
             <a:r>
               <a:rPr lang="en-US" sz="2800" dirty="0">
                 <a:latin typeface="Noto Sans S Chinese Thin" panose="020B0200000000000000" pitchFamily="34" charset="-122"/>
                 <a:ea typeface="Noto Sans S Chinese Thin" panose="020B0200000000000000" pitchFamily="34" charset="-122"/>
               </a:rPr>
-              <a:t>2</a:t>
-            </a:r>
-          </a:p>
-        </p:txBody>
-      </p:sp>
-      <p:sp>
-        <p:nvSpPr>
-          <p:cNvPr id="15" name="椭圆 14"/>
-          <p:cNvSpPr/>
-          <p:nvPr/>
-        </p:nvSpPr>
-        <p:spPr>
-          <a:xfrm>
-            <a:off x="7866568" y="1727767"/>
-            <a:ext cx="619407" cy="619407"/>
-          </a:xfrm>
-          <a:prstGeom prst="ellipse">
-            <a:avLst/>
-          </a:prstGeom>
-          <a:solidFill>
-            <a:srgbClr val="F4511E"/>
-          </a:solidFill>
-          <a:effectLst>
-            <a:outerShdw blurRad="63500" sx="108000" sy="108000" algn="ctr" rotWithShape="0">
-              <a:prstClr val="black">
-                <a:alpha val="40000"/>
-              </a:prstClr>
-            </a:outerShdw>
-          </a:effectLst>
-        </p:spPr>
-        <p:style>
-          <a:lnRef idx="2">
-            <a:schemeClr val="accent1">
-              <a:shade val="50000"/>
-            </a:schemeClr>
-          </a:lnRef>
-          <a:fillRef idx="1">
-            <a:schemeClr val="accent1"/>
-          </a:fillRef>
-          <a:effectRef idx="0">
-            <a:schemeClr val="accent1"/>
-          </a:effectRef>
-          <a:fontRef idx="minor">
-            <a:schemeClr val="lt1"/>
-          </a:fontRef>
-        </p:style>
-        <p:txBody>
-          <a:bodyPr rtlCol="0" anchor="ctr"/>
-          <a:lstStyle/>
-          <a:p>
-            <a:pPr algn="ctr"/>
-            <a:r>
-              <a:rPr lang="en-US" sz="2800" dirty="0">
-                <a:latin typeface="Noto Sans S Chinese Thin" panose="020B0200000000000000" pitchFamily="34" charset="-122"/>
-                <a:ea typeface="Noto Sans S Chinese Thin" panose="020B0200000000000000" pitchFamily="34" charset="-122"/>
-              </a:rPr>
               <a:t>3</a:t>
-            </a:r>
-          </a:p>
-        </p:txBody>
-      </p:sp>
-      <p:sp>
-        <p:nvSpPr>
-          <p:cNvPr id="2" name="文本框 1"/>
-          <p:cNvSpPr txBox="1"/>
-          <p:nvPr/>
-        </p:nvSpPr>
-        <p:spPr>
-          <a:xfrm>
-            <a:off x="3304498" y="2936934"/>
-            <a:ext cx="2469991" cy="2086725"/>
-          </a:xfrm>
-          <a:prstGeom prst="rect">
-            <a:avLst/>
-          </a:prstGeom>
-          <a:noFill/>
-        </p:spPr>
-        <p:txBody>
-          <a:bodyPr wrap="square" rtlCol="0">
-            <a:spAutoFit/>
-          </a:bodyPr>
-          <a:lstStyle/>
-          <a:p>
-            <a:pPr marL="285750" indent="-285750">
-              <a:lnSpc>
-                <a:spcPct val="120000"/>
-              </a:lnSpc>
-              <a:buFont typeface="Arial" panose="020B0604020202020204" pitchFamily="34" charset="0"/>
-              <a:buChar char="•"/>
-            </a:pPr>
-            <a:r>
-              <a:rPr lang="zh-CN" altLang="en-US" dirty="0" smtClean="0">
-                <a:solidFill>
-                  <a:schemeClr val="tx1">
-                    <a:lumMod val="65000"/>
-                    <a:lumOff val="35000"/>
-                  </a:schemeClr>
-                </a:solidFill>
-                <a:latin typeface="Noto Sans S Chinese DemiLight" panose="020B0400000000000000" pitchFamily="34" charset="-122"/>
-                <a:ea typeface="Noto Sans S Chinese DemiLight" panose="020B0400000000000000" pitchFamily="34" charset="-122"/>
-              </a:rPr>
-              <a:t>数据存储容量</a:t>
-            </a:r>
-            <a:r>
-              <a:rPr lang="zh-CN" altLang="en-US" dirty="0">
-                <a:solidFill>
-                  <a:schemeClr val="tx1">
-                    <a:lumMod val="65000"/>
-                    <a:lumOff val="35000"/>
-                  </a:schemeClr>
-                </a:solidFill>
-                <a:latin typeface="Noto Sans S Chinese DemiLight" panose="020B0400000000000000" pitchFamily="34" charset="-122"/>
-                <a:ea typeface="Noto Sans S Chinese DemiLight" panose="020B0400000000000000" pitchFamily="34" charset="-122"/>
-              </a:rPr>
-              <a:t>大</a:t>
-            </a:r>
-            <a:endParaRPr lang="en-US" altLang="zh-CN" dirty="0" smtClean="0">
-              <a:solidFill>
-                <a:schemeClr val="tx1">
-                  <a:lumMod val="65000"/>
-                  <a:lumOff val="35000"/>
-                </a:schemeClr>
-              </a:solidFill>
-              <a:latin typeface="Noto Sans S Chinese DemiLight" panose="020B0400000000000000" pitchFamily="34" charset="-122"/>
-              <a:ea typeface="Noto Sans S Chinese DemiLight" panose="020B0400000000000000" pitchFamily="34" charset="-122"/>
-            </a:endParaRPr>
-          </a:p>
-          <a:p>
-            <a:pPr marL="285750" indent="-285750">
-              <a:lnSpc>
-                <a:spcPct val="120000"/>
-              </a:lnSpc>
-              <a:buFont typeface="Arial" panose="020B0604020202020204" pitchFamily="34" charset="0"/>
-              <a:buChar char="•"/>
-            </a:pPr>
-            <a:endParaRPr lang="en-US" dirty="0">
-              <a:solidFill>
-                <a:schemeClr val="tx1">
-                  <a:lumMod val="65000"/>
-                  <a:lumOff val="35000"/>
-                </a:schemeClr>
-              </a:solidFill>
-              <a:latin typeface="Noto Sans S Chinese DemiLight" panose="020B0400000000000000" pitchFamily="34" charset="-122"/>
-              <a:ea typeface="Noto Sans S Chinese DemiLight" panose="020B0400000000000000" pitchFamily="34" charset="-122"/>
-            </a:endParaRPr>
-          </a:p>
-          <a:p>
-            <a:pPr marL="285750" indent="-285750">
-              <a:lnSpc>
-                <a:spcPct val="120000"/>
-              </a:lnSpc>
-              <a:buFont typeface="Arial" panose="020B0604020202020204" pitchFamily="34" charset="0"/>
-              <a:buChar char="•"/>
-            </a:pPr>
-            <a:r>
-              <a:rPr lang="zh-CN" altLang="en-US" dirty="0">
-                <a:solidFill>
-                  <a:schemeClr val="tx1">
-                    <a:lumMod val="65000"/>
-                    <a:lumOff val="35000"/>
-                  </a:schemeClr>
-                </a:solidFill>
-                <a:latin typeface="Noto Sans S Chinese DemiLight" panose="020B0400000000000000" pitchFamily="34" charset="-122"/>
-                <a:ea typeface="Noto Sans S Chinese DemiLight" panose="020B0400000000000000" pitchFamily="34" charset="-122"/>
-              </a:rPr>
-              <a:t>处理大规模遥感</a:t>
-            </a:r>
-            <a:r>
-              <a:rPr lang="zh-CN" altLang="en-US" dirty="0" smtClean="0">
-                <a:solidFill>
-                  <a:schemeClr val="tx1">
-                    <a:lumMod val="65000"/>
-                    <a:lumOff val="35000"/>
-                  </a:schemeClr>
-                </a:solidFill>
-                <a:latin typeface="Noto Sans S Chinese DemiLight" panose="020B0400000000000000" pitchFamily="34" charset="-122"/>
-                <a:ea typeface="Noto Sans S Chinese DemiLight" panose="020B0400000000000000" pitchFamily="34" charset="-122"/>
-              </a:rPr>
-              <a:t>数据</a:t>
-            </a:r>
-            <a:endParaRPr lang="en-US" altLang="zh-CN" dirty="0" smtClean="0">
-              <a:solidFill>
-                <a:schemeClr val="tx1">
-                  <a:lumMod val="65000"/>
-                  <a:lumOff val="35000"/>
-                </a:schemeClr>
-              </a:solidFill>
-              <a:latin typeface="Noto Sans S Chinese DemiLight" panose="020B0400000000000000" pitchFamily="34" charset="-122"/>
-              <a:ea typeface="Noto Sans S Chinese DemiLight" panose="020B0400000000000000" pitchFamily="34" charset="-122"/>
-            </a:endParaRPr>
-          </a:p>
-          <a:p>
-            <a:pPr marL="285750" indent="-285750">
-              <a:lnSpc>
-                <a:spcPct val="120000"/>
-              </a:lnSpc>
-              <a:buFont typeface="Arial" panose="020B0604020202020204" pitchFamily="34" charset="0"/>
-              <a:buChar char="•"/>
-            </a:pPr>
-            <a:endParaRPr lang="en-US" dirty="0">
-              <a:solidFill>
-                <a:schemeClr val="tx1">
-                  <a:lumMod val="65000"/>
-                  <a:lumOff val="35000"/>
-                </a:schemeClr>
-              </a:solidFill>
-              <a:latin typeface="Noto Sans S Chinese DemiLight" panose="020B0400000000000000" pitchFamily="34" charset="-122"/>
-              <a:ea typeface="Noto Sans S Chinese DemiLight" panose="020B0400000000000000" pitchFamily="34" charset="-122"/>
-            </a:endParaRPr>
-          </a:p>
-          <a:p>
-            <a:pPr marL="285750" indent="-285750">
-              <a:lnSpc>
-                <a:spcPct val="120000"/>
-              </a:lnSpc>
-              <a:buFont typeface="Arial" panose="020B0604020202020204" pitchFamily="34" charset="0"/>
-              <a:buChar char="•"/>
-            </a:pPr>
-            <a:r>
-              <a:rPr lang="zh-CN" altLang="en-US" dirty="0" smtClean="0">
-                <a:solidFill>
-                  <a:schemeClr val="tx1">
-                    <a:lumMod val="65000"/>
-                    <a:lumOff val="35000"/>
-                  </a:schemeClr>
-                </a:solidFill>
-                <a:latin typeface="Noto Sans S Chinese DemiLight" panose="020B0400000000000000" pitchFamily="34" charset="-122"/>
-                <a:ea typeface="Noto Sans S Chinese DemiLight" panose="020B0400000000000000" pitchFamily="34" charset="-122"/>
-              </a:rPr>
-              <a:t>高网络传输</a:t>
-            </a:r>
-            <a:r>
-              <a:rPr lang="zh-CN" altLang="en-US" dirty="0">
-                <a:solidFill>
-                  <a:schemeClr val="tx1">
-                    <a:lumMod val="65000"/>
-                    <a:lumOff val="35000"/>
-                  </a:schemeClr>
-                </a:solidFill>
-                <a:latin typeface="Noto Sans S Chinese DemiLight" panose="020B0400000000000000" pitchFamily="34" charset="-122"/>
-                <a:ea typeface="Noto Sans S Chinese DemiLight" panose="020B0400000000000000" pitchFamily="34" charset="-122"/>
-              </a:rPr>
-              <a:t>速度</a:t>
-            </a:r>
-            <a:endParaRPr lang="en-US" dirty="0">
-              <a:solidFill>
-                <a:schemeClr val="tx1">
-                  <a:lumMod val="65000"/>
-                  <a:lumOff val="35000"/>
-                </a:schemeClr>
-              </a:solidFill>
-              <a:latin typeface="Noto Sans S Chinese DemiLight" panose="020B0400000000000000" pitchFamily="34" charset="-122"/>
-              <a:ea typeface="Noto Sans S Chinese DemiLight" panose="020B0400000000000000" pitchFamily="34" charset="-122"/>
-            </a:endParaRPr>
-          </a:p>
-        </p:txBody>
-      </p:sp>
-      <p:sp>
-        <p:nvSpPr>
-          <p:cNvPr id="3" name="文本框 2"/>
-          <p:cNvSpPr txBox="1"/>
-          <p:nvPr/>
-        </p:nvSpPr>
-        <p:spPr>
-          <a:xfrm>
-            <a:off x="385840" y="2937687"/>
-            <a:ext cx="2454846" cy="2419124"/>
-          </a:xfrm>
-          <a:prstGeom prst="rect">
-            <a:avLst/>
-          </a:prstGeom>
-          <a:noFill/>
-        </p:spPr>
-        <p:txBody>
-          <a:bodyPr wrap="square" rtlCol="0">
-            <a:spAutoFit/>
-          </a:bodyPr>
-          <a:lstStyle/>
-          <a:p>
-            <a:pPr marL="285750" indent="-285750">
-              <a:lnSpc>
-                <a:spcPct val="120000"/>
-              </a:lnSpc>
-              <a:buFont typeface="Arial" panose="020B0604020202020204" pitchFamily="34" charset="0"/>
-              <a:buChar char="•"/>
-            </a:pPr>
-            <a:r>
-              <a:rPr lang="zh-CN" altLang="en-US" dirty="0" smtClean="0">
-                <a:solidFill>
-                  <a:schemeClr val="tx1">
-                    <a:lumMod val="65000"/>
-                    <a:lumOff val="35000"/>
-                  </a:schemeClr>
-                </a:solidFill>
-                <a:latin typeface="Noto Sans S Chinese DemiLight" panose="020B0400000000000000" pitchFamily="34" charset="-122"/>
-                <a:ea typeface="Noto Sans S Chinese DemiLight" panose="020B0400000000000000" pitchFamily="34" charset="-122"/>
-              </a:rPr>
-              <a:t>连续接收并存储大量遥感数据</a:t>
-            </a:r>
-            <a:endParaRPr lang="en-US" altLang="zh-CN" dirty="0">
-              <a:solidFill>
-                <a:schemeClr val="tx1">
-                  <a:lumMod val="65000"/>
-                  <a:lumOff val="35000"/>
-                </a:schemeClr>
-              </a:solidFill>
-              <a:latin typeface="Noto Sans S Chinese DemiLight" panose="020B0400000000000000" pitchFamily="34" charset="-122"/>
-              <a:ea typeface="Noto Sans S Chinese DemiLight" panose="020B0400000000000000" pitchFamily="34" charset="-122"/>
-            </a:endParaRPr>
-          </a:p>
-          <a:p>
-            <a:pPr>
-              <a:lnSpc>
-                <a:spcPct val="120000"/>
-              </a:lnSpc>
-            </a:pPr>
-            <a:endParaRPr lang="en-US" altLang="zh-CN" dirty="0" smtClean="0">
-              <a:solidFill>
-                <a:schemeClr val="tx1">
-                  <a:lumMod val="65000"/>
-                  <a:lumOff val="35000"/>
-                </a:schemeClr>
-              </a:solidFill>
-              <a:latin typeface="Noto Sans S Chinese DemiLight" panose="020B0400000000000000" pitchFamily="34" charset="-122"/>
-              <a:ea typeface="Noto Sans S Chinese DemiLight" panose="020B0400000000000000" pitchFamily="34" charset="-122"/>
-            </a:endParaRPr>
-          </a:p>
-          <a:p>
-            <a:pPr marL="285750" indent="-285750">
-              <a:lnSpc>
-                <a:spcPct val="120000"/>
-              </a:lnSpc>
-              <a:buFont typeface="Arial" panose="020B0604020202020204" pitchFamily="34" charset="0"/>
-              <a:buChar char="•"/>
-            </a:pPr>
-            <a:r>
-              <a:rPr lang="zh-CN" altLang="en-US" dirty="0" smtClean="0">
-                <a:solidFill>
-                  <a:schemeClr val="tx1">
-                    <a:lumMod val="65000"/>
-                    <a:lumOff val="35000"/>
-                  </a:schemeClr>
-                </a:solidFill>
-                <a:latin typeface="Noto Sans S Chinese DemiLight" panose="020B0400000000000000" pitchFamily="34" charset="-122"/>
-                <a:ea typeface="Noto Sans S Chinese DemiLight" panose="020B0400000000000000" pitchFamily="34" charset="-122"/>
-              </a:rPr>
-              <a:t>天气预报</a:t>
-            </a:r>
-            <a:r>
-              <a:rPr lang="zh-CN" altLang="en-US" dirty="0">
-                <a:solidFill>
-                  <a:schemeClr val="tx1">
-                    <a:lumMod val="65000"/>
-                    <a:lumOff val="35000"/>
-                  </a:schemeClr>
-                </a:solidFill>
-                <a:latin typeface="Noto Sans S Chinese DemiLight" panose="020B0400000000000000" pitchFamily="34" charset="-122"/>
-                <a:ea typeface="Noto Sans S Chinese DemiLight" panose="020B0400000000000000" pitchFamily="34" charset="-122"/>
-              </a:rPr>
-              <a:t>、科学研究、城市规划、公共卫生、地图、矿物探测</a:t>
-            </a:r>
-            <a:endParaRPr lang="en-US" dirty="0">
-              <a:solidFill>
-                <a:schemeClr val="tx1">
-                  <a:lumMod val="65000"/>
-                  <a:lumOff val="35000"/>
-                </a:schemeClr>
-              </a:solidFill>
-              <a:latin typeface="Noto Sans S Chinese DemiLight" panose="020B0400000000000000" pitchFamily="34" charset="-122"/>
-              <a:ea typeface="Noto Sans S Chinese DemiLight" panose="020B0400000000000000" pitchFamily="34" charset="-122"/>
-            </a:endParaRPr>
-          </a:p>
-        </p:txBody>
-      </p:sp>
-      <p:sp>
-        <p:nvSpPr>
-          <p:cNvPr id="16" name="文本框 15"/>
-          <p:cNvSpPr txBox="1"/>
-          <p:nvPr/>
-        </p:nvSpPr>
-        <p:spPr>
-          <a:xfrm>
-            <a:off x="6238300" y="2936934"/>
-            <a:ext cx="2469993" cy="1421928"/>
-          </a:xfrm>
-          <a:prstGeom prst="rect">
-            <a:avLst/>
-          </a:prstGeom>
-          <a:noFill/>
-        </p:spPr>
-        <p:txBody>
-          <a:bodyPr wrap="square" rtlCol="0">
-            <a:spAutoFit/>
-          </a:bodyPr>
-          <a:lstStyle/>
-          <a:p>
-            <a:pPr marL="285750" indent="-285750">
-              <a:lnSpc>
-                <a:spcPct val="120000"/>
-              </a:lnSpc>
-              <a:buFont typeface="Arial" panose="020B0604020202020204" pitchFamily="34" charset="0"/>
-              <a:buChar char="•"/>
-            </a:pPr>
-            <a:r>
-              <a:rPr lang="zh-CN" altLang="en-US" dirty="0" smtClean="0">
-                <a:solidFill>
-                  <a:schemeClr val="tx1">
-                    <a:lumMod val="65000"/>
-                    <a:lumOff val="35000"/>
-                  </a:schemeClr>
-                </a:solidFill>
-                <a:latin typeface="Noto Sans S Chinese DemiLight" panose="020B0400000000000000" pitchFamily="34" charset="-122"/>
-                <a:ea typeface="Noto Sans S Chinese DemiLight" panose="020B0400000000000000" pitchFamily="34" charset="-122"/>
-              </a:rPr>
-              <a:t>具有灾难恢复能力</a:t>
-            </a:r>
-            <a:endParaRPr lang="en-US" altLang="zh-CN" dirty="0" smtClean="0">
-              <a:solidFill>
-                <a:schemeClr val="tx1">
-                  <a:lumMod val="65000"/>
-                  <a:lumOff val="35000"/>
-                </a:schemeClr>
-              </a:solidFill>
-              <a:latin typeface="Noto Sans S Chinese DemiLight" panose="020B0400000000000000" pitchFamily="34" charset="-122"/>
-              <a:ea typeface="Noto Sans S Chinese DemiLight" panose="020B0400000000000000" pitchFamily="34" charset="-122"/>
-            </a:endParaRPr>
-          </a:p>
-          <a:p>
-            <a:pPr marL="285750" indent="-285750">
-              <a:lnSpc>
-                <a:spcPct val="120000"/>
-              </a:lnSpc>
-              <a:buFont typeface="Arial" panose="020B0604020202020204" pitchFamily="34" charset="0"/>
-              <a:buChar char="•"/>
-            </a:pPr>
-            <a:endParaRPr lang="en-US" dirty="0">
-              <a:solidFill>
-                <a:schemeClr val="tx1">
-                  <a:lumMod val="65000"/>
-                  <a:lumOff val="35000"/>
-                </a:schemeClr>
-              </a:solidFill>
-              <a:latin typeface="Noto Sans S Chinese DemiLight" panose="020B0400000000000000" pitchFamily="34" charset="-122"/>
-              <a:ea typeface="Noto Sans S Chinese DemiLight" panose="020B0400000000000000" pitchFamily="34" charset="-122"/>
-            </a:endParaRPr>
-          </a:p>
-          <a:p>
-            <a:pPr marL="285750" indent="-285750">
-              <a:lnSpc>
-                <a:spcPct val="120000"/>
-              </a:lnSpc>
-              <a:buFont typeface="Arial" panose="020B0604020202020204" pitchFamily="34" charset="0"/>
-              <a:buChar char="•"/>
-            </a:pPr>
-            <a:r>
-              <a:rPr lang="zh-CN" altLang="en-US" dirty="0" smtClean="0">
-                <a:solidFill>
-                  <a:schemeClr val="tx1">
-                    <a:lumMod val="65000"/>
-                    <a:lumOff val="35000"/>
-                  </a:schemeClr>
-                </a:solidFill>
-                <a:latin typeface="Noto Sans S Chinese DemiLight" panose="020B0400000000000000" pitchFamily="34" charset="-122"/>
-                <a:ea typeface="Noto Sans S Chinese DemiLight" panose="020B0400000000000000" pitchFamily="34" charset="-122"/>
-              </a:rPr>
-              <a:t>相对较低的</a:t>
-            </a:r>
-            <a:r>
-              <a:rPr lang="en-US" dirty="0" smtClean="0">
-                <a:solidFill>
-                  <a:schemeClr val="tx1">
-                    <a:lumMod val="65000"/>
-                    <a:lumOff val="35000"/>
-                  </a:schemeClr>
-                </a:solidFill>
-                <a:latin typeface="Noto Sans S Chinese DemiLight" panose="020B0400000000000000" pitchFamily="34" charset="-122"/>
-                <a:ea typeface="Noto Sans S Chinese DemiLight" panose="020B0400000000000000" pitchFamily="34" charset="-122"/>
-              </a:rPr>
-              <a:t>RPO</a:t>
-            </a:r>
-            <a:r>
-              <a:rPr lang="zh-CN" altLang="en-US" dirty="0">
-                <a:solidFill>
-                  <a:schemeClr val="tx1">
-                    <a:lumMod val="65000"/>
-                    <a:lumOff val="35000"/>
-                  </a:schemeClr>
-                </a:solidFill>
-                <a:latin typeface="Noto Sans S Chinese DemiLight" panose="020B0400000000000000" pitchFamily="34" charset="-122"/>
-                <a:ea typeface="Noto Sans S Chinese DemiLight" panose="020B0400000000000000" pitchFamily="34" charset="-122"/>
-              </a:rPr>
-              <a:t>与</a:t>
-            </a:r>
-            <a:r>
-              <a:rPr lang="en-US" dirty="0">
-                <a:solidFill>
-                  <a:schemeClr val="tx1">
-                    <a:lumMod val="65000"/>
-                    <a:lumOff val="35000"/>
-                  </a:schemeClr>
-                </a:solidFill>
-                <a:latin typeface="Noto Sans S Chinese DemiLight" panose="020B0400000000000000" pitchFamily="34" charset="-122"/>
-                <a:ea typeface="Noto Sans S Chinese DemiLight" panose="020B0400000000000000" pitchFamily="34" charset="-122"/>
-              </a:rPr>
-              <a:t>RTO</a:t>
             </a:r>
           </a:p>
         </p:txBody>
@@ -4474,7 +6244,7 @@
           <p:nvPr>
             <p:extLst>
               <p:ext uri="{D42A27DB-BD31-4B8C-83A1-F6EECF244321}">
-                <p14:modId xmlns:p14="http://schemas.microsoft.com/office/powerpoint/2010/main" val="3542555182"/>
+                <p14:modId xmlns:p14="http://schemas.microsoft.com/office/powerpoint/2010/main" val="2645339979"/>
               </p:ext>
             </p:extLst>
           </p:nvPr>
@@ -4487,12 +6257,12 @@
           <a:graphicData uri="http://schemas.openxmlformats.org/presentationml/2006/ole">
             <mc:AlternateContent xmlns:mc="http://schemas.openxmlformats.org/markup-compatibility/2006">
               <mc:Choice xmlns:v="urn:schemas-microsoft-com:vml" Requires="v">
-                <p:oleObj spid="_x0000_s1046" name="Visio" r:id="rId4" imgW="7048500" imgH="2028825" progId="Visio.Drawing.11">
+                <p:oleObj spid="_x0000_s1068" name="Visio" r:id="rId3" imgW="7048500" imgH="2028825" progId="Visio.Drawing.11">
                   <p:embed/>
                 </p:oleObj>
               </mc:Choice>
               <mc:Fallback>
-                <p:oleObj name="Visio" r:id="rId4" imgW="7048500" imgH="2028825" progId="Visio.Drawing.11">
+                <p:oleObj name="Visio" r:id="rId3" imgW="7048500" imgH="2028825" progId="Visio.Drawing.11">
                   <p:embed/>
                   <p:pic>
                     <p:nvPicPr>
@@ -4503,7 +6273,7 @@
                       <p:nvPr/>
                     </p:nvPicPr>
                     <p:blipFill>
-                      <a:blip r:embed="rId5"/>
+                      <a:blip r:embed="rId4"/>
                       <a:srcRect/>
                       <a:stretch>
                         <a:fillRect/>
@@ -4639,14 +6409,14 @@
           <a:p>
             <a:r>
               <a:rPr lang="zh-CN" altLang="en-US" dirty="0" smtClean="0">
-                <a:latin typeface="Noto Sans S Chinese Regular" panose="020B0500000000000000" pitchFamily="34" charset="-122"/>
-                <a:ea typeface="Noto Sans S Chinese Regular" panose="020B0500000000000000" pitchFamily="34" charset="-122"/>
+                <a:latin typeface="Noto Sans S Chinese Light" panose="020B0300000000000000" pitchFamily="34" charset="-122"/>
+                <a:ea typeface="Noto Sans S Chinese Light" panose="020B0300000000000000" pitchFamily="34" charset="-122"/>
               </a:rPr>
               <a:t>不同存储等级：在线存储、近线存储、离线存储</a:t>
             </a:r>
             <a:endParaRPr lang="en-US" dirty="0">
-              <a:latin typeface="Noto Sans S Chinese Regular" panose="020B0500000000000000" pitchFamily="34" charset="-122"/>
-              <a:ea typeface="Noto Sans S Chinese Regular" panose="020B0500000000000000" pitchFamily="34" charset="-122"/>
+              <a:latin typeface="Noto Sans S Chinese Light" panose="020B0300000000000000" pitchFamily="34" charset="-122"/>
+              <a:ea typeface="Noto Sans S Chinese Light" panose="020B0300000000000000" pitchFamily="34" charset="-122"/>
             </a:endParaRPr>
           </a:p>
         </p:txBody>
@@ -4721,14 +6491,14 @@
           <a:p>
             <a:r>
               <a:rPr lang="zh-CN" altLang="en-US" dirty="0" smtClean="0">
-                <a:latin typeface="Noto Sans S Chinese Regular" panose="020B0500000000000000" pitchFamily="34" charset="-122"/>
-                <a:ea typeface="Noto Sans S Chinese Regular" panose="020B0500000000000000" pitchFamily="34" charset="-122"/>
+                <a:latin typeface="Noto Sans S Chinese Light" panose="020B0300000000000000" pitchFamily="34" charset="-122"/>
+                <a:ea typeface="Noto Sans S Chinese Light" panose="020B0300000000000000" pitchFamily="34" charset="-122"/>
               </a:rPr>
               <a:t>次级数据中心用以分发数据，总数据中心用于数据归档</a:t>
             </a:r>
             <a:endParaRPr lang="en-US" dirty="0">
-              <a:latin typeface="Noto Sans S Chinese Regular" panose="020B0500000000000000" pitchFamily="34" charset="-122"/>
-              <a:ea typeface="Noto Sans S Chinese Regular" panose="020B0500000000000000" pitchFamily="34" charset="-122"/>
+              <a:latin typeface="Noto Sans S Chinese Light" panose="020B0300000000000000" pitchFamily="34" charset="-122"/>
+              <a:ea typeface="Noto Sans S Chinese Light" panose="020B0300000000000000" pitchFamily="34" charset="-122"/>
             </a:endParaRPr>
           </a:p>
         </p:txBody>
@@ -4803,14 +6573,125 @@
           <a:p>
             <a:r>
               <a:rPr lang="zh-CN" altLang="en-US" dirty="0" smtClean="0">
-                <a:latin typeface="Noto Sans S Chinese Regular" panose="020B0500000000000000" pitchFamily="34" charset="-122"/>
-                <a:ea typeface="Noto Sans S Chinese Regular" panose="020B0500000000000000" pitchFamily="34" charset="-122"/>
+                <a:latin typeface="Noto Sans S Chinese Light" panose="020B0300000000000000" pitchFamily="34" charset="-122"/>
+                <a:ea typeface="Noto Sans S Chinese Light" panose="020B0300000000000000" pitchFamily="34" charset="-122"/>
               </a:rPr>
               <a:t>次级数据中心分布于全国，根据卫星基站及用户密集程度分布</a:t>
             </a:r>
             <a:endParaRPr lang="en-US" dirty="0">
-              <a:latin typeface="Noto Sans S Chinese Regular" panose="020B0500000000000000" pitchFamily="34" charset="-122"/>
-              <a:ea typeface="Noto Sans S Chinese Regular" panose="020B0500000000000000" pitchFamily="34" charset="-122"/>
+              <a:latin typeface="Noto Sans S Chinese Light" panose="020B0300000000000000" pitchFamily="34" charset="-122"/>
+              <a:ea typeface="Noto Sans S Chinese Light" panose="020B0300000000000000" pitchFamily="34" charset="-122"/>
+            </a:endParaRPr>
+          </a:p>
+        </p:txBody>
+      </p:sp>
+      <p:sp>
+        <p:nvSpPr>
+          <p:cNvPr id="5" name="文本框 4"/>
+          <p:cNvSpPr txBox="1"/>
+          <p:nvPr/>
+        </p:nvSpPr>
+        <p:spPr>
+          <a:xfrm>
+            <a:off x="1096962" y="5734799"/>
+            <a:ext cx="1111827" cy="369332"/>
+          </a:xfrm>
+          <a:prstGeom prst="rect">
+            <a:avLst/>
+          </a:prstGeom>
+          <a:noFill/>
+        </p:spPr>
+        <p:txBody>
+          <a:bodyPr wrap="square" rtlCol="0">
+            <a:spAutoFit/>
+          </a:bodyPr>
+          <a:lstStyle/>
+          <a:p>
+            <a:pPr algn="ctr"/>
+            <a:r>
+              <a:rPr lang="zh-CN" altLang="en-US" dirty="0">
+                <a:latin typeface="Noto Sans S Chinese Light" panose="020B0300000000000000" pitchFamily="34" charset="-122"/>
+                <a:ea typeface="Noto Sans S Chinese Light" panose="020B0300000000000000" pitchFamily="34" charset="-122"/>
+              </a:rPr>
+              <a:t>卫星基站</a:t>
+            </a:r>
+            <a:endParaRPr lang="en-US" dirty="0">
+              <a:latin typeface="Noto Sans S Chinese Light" panose="020B0300000000000000" pitchFamily="34" charset="-122"/>
+              <a:ea typeface="Noto Sans S Chinese Light" panose="020B0300000000000000" pitchFamily="34" charset="-122"/>
+            </a:endParaRPr>
+          </a:p>
+        </p:txBody>
+      </p:sp>
+      <p:sp>
+        <p:nvSpPr>
+          <p:cNvPr id="14" name="文本框 13"/>
+          <p:cNvSpPr txBox="1"/>
+          <p:nvPr/>
+        </p:nvSpPr>
+        <p:spPr>
+          <a:xfrm>
+            <a:off x="3715319" y="5734799"/>
+            <a:ext cx="1589388" cy="369332"/>
+          </a:xfrm>
+          <a:prstGeom prst="rect">
+            <a:avLst/>
+          </a:prstGeom>
+          <a:noFill/>
+        </p:spPr>
+        <p:txBody>
+          <a:bodyPr wrap="square" rtlCol="0">
+            <a:spAutoFit/>
+          </a:bodyPr>
+          <a:lstStyle/>
+          <a:p>
+            <a:pPr algn="ctr"/>
+            <a:r>
+              <a:rPr lang="zh-CN" altLang="en-US" dirty="0" smtClean="0">
+                <a:latin typeface="Noto Sans S Chinese Light" panose="020B0300000000000000" pitchFamily="34" charset="-122"/>
+                <a:ea typeface="Noto Sans S Chinese Light" panose="020B0300000000000000" pitchFamily="34" charset="-122"/>
+              </a:rPr>
+              <a:t>次级数据中心</a:t>
+            </a:r>
+            <a:endParaRPr lang="en-US" dirty="0">
+              <a:latin typeface="Noto Sans S Chinese Light" panose="020B0300000000000000" pitchFamily="34" charset="-122"/>
+              <a:ea typeface="Noto Sans S Chinese Light" panose="020B0300000000000000" pitchFamily="34" charset="-122"/>
+            </a:endParaRPr>
+          </a:p>
+        </p:txBody>
+      </p:sp>
+      <p:sp>
+        <p:nvSpPr>
+          <p:cNvPr id="15" name="文本框 14"/>
+          <p:cNvSpPr txBox="1"/>
+          <p:nvPr/>
+        </p:nvSpPr>
+        <p:spPr>
+          <a:xfrm>
+            <a:off x="6639907" y="5734799"/>
+            <a:ext cx="1432006" cy="369332"/>
+          </a:xfrm>
+          <a:prstGeom prst="rect">
+            <a:avLst/>
+          </a:prstGeom>
+          <a:noFill/>
+        </p:spPr>
+        <p:txBody>
+          <a:bodyPr wrap="square" rtlCol="0">
+            <a:spAutoFit/>
+          </a:bodyPr>
+          <a:lstStyle/>
+          <a:p>
+            <a:pPr algn="ctr"/>
+            <a:r>
+              <a:rPr lang="zh-CN" altLang="en-US" dirty="0" smtClean="0">
+                <a:latin typeface="Noto Sans S Chinese Light" panose="020B0300000000000000" pitchFamily="34" charset="-122"/>
+                <a:ea typeface="Noto Sans S Chinese Light" panose="020B0300000000000000" pitchFamily="34" charset="-122"/>
+              </a:rPr>
+              <a:t>总数据中心</a:t>
+            </a:r>
+            <a:endParaRPr lang="en-US" dirty="0">
+              <a:latin typeface="Noto Sans S Chinese Light" panose="020B0300000000000000" pitchFamily="34" charset="-122"/>
+              <a:ea typeface="Noto Sans S Chinese Light" panose="020B0300000000000000" pitchFamily="34" charset="-122"/>
             </a:endParaRPr>
           </a:p>
         </p:txBody>
@@ -4854,28 +6735,32 @@
       </p:grpSpPr>
       <p:sp>
         <p:nvSpPr>
-          <p:cNvPr id="4" name="矩形 3"/>
+          <p:cNvPr id="20" name="圆角矩形 19"/>
           <p:cNvSpPr/>
           <p:nvPr/>
         </p:nvSpPr>
         <p:spPr>
           <a:xfrm>
-            <a:off x="0" y="0"/>
-            <a:ext cx="9144000" cy="760021"/>
-          </a:xfrm>
-          <a:prstGeom prst="rect">
-            <a:avLst/>
+            <a:off x="329580" y="1603604"/>
+            <a:ext cx="8484840" cy="4672505"/>
+          </a:xfrm>
+          <a:prstGeom prst="roundRect">
+            <a:avLst>
+              <a:gd name="adj" fmla="val 602"/>
+            </a:avLst>
           </a:prstGeom>
           <a:solidFill>
-            <a:srgbClr val="01579B"/>
+            <a:schemeClr val="bg1">
+              <a:lumMod val="95000"/>
+            </a:schemeClr>
           </a:solidFill>
           <a:ln>
             <a:noFill/>
           </a:ln>
           <a:effectLst>
-            <a:outerShdw blurRad="50800" dist="38100" dir="5400000" algn="t" rotWithShape="0">
+            <a:outerShdw blurRad="127000" dist="50800" dir="5400000" algn="t" rotWithShape="0">
               <a:prstClr val="black">
-                <a:alpha val="40000"/>
+                <a:alpha val="35000"/>
               </a:prstClr>
             </a:outerShdw>
           </a:effectLst>
@@ -4901,6 +6786,59 @@
           <a:lstStyle/>
           <a:p>
             <a:pPr algn="ctr"/>
+            <a:endParaRPr lang="zh-CN" altLang="en-US"/>
+          </a:p>
+        </p:txBody>
+      </p:sp>
+      <p:sp>
+        <p:nvSpPr>
+          <p:cNvPr id="4" name="矩形 3"/>
+          <p:cNvSpPr/>
+          <p:nvPr/>
+        </p:nvSpPr>
+        <p:spPr>
+          <a:xfrm>
+            <a:off x="0" y="0"/>
+            <a:ext cx="9144000" cy="760021"/>
+          </a:xfrm>
+          <a:prstGeom prst="rect">
+            <a:avLst/>
+          </a:prstGeom>
+          <a:solidFill>
+            <a:srgbClr val="01579B"/>
+          </a:solidFill>
+          <a:ln>
+            <a:noFill/>
+          </a:ln>
+          <a:effectLst>
+            <a:outerShdw blurRad="50800" dist="38100" dir="5400000" algn="t" rotWithShape="0">
+              <a:prstClr val="black">
+                <a:alpha val="40000"/>
+              </a:prstClr>
+            </a:outerShdw>
+          </a:effectLst>
+        </p:spPr>
+        <p:style>
+          <a:lnRef idx="2">
+            <a:schemeClr val="accent1">
+              <a:shade val="50000"/>
+            </a:schemeClr>
+          </a:lnRef>
+          <a:fillRef idx="1">
+            <a:schemeClr val="accent1"/>
+          </a:fillRef>
+          <a:effectRef idx="0">
+            <a:schemeClr val="accent1"/>
+          </a:effectRef>
+          <a:fontRef idx="minor">
+            <a:schemeClr val="lt1"/>
+          </a:fontRef>
+        </p:style>
+        <p:txBody>
+          <a:bodyPr rtlCol="0" anchor="ctr"/>
+          <a:lstStyle/>
+          <a:p>
+            <a:pPr algn="ctr"/>
             <a:endParaRPr lang="en-US"/>
           </a:p>
         </p:txBody>
@@ -4943,6 +6881,844 @@
               </a:solidFill>
               <a:latin typeface="Noto Sans S Chinese Medium" panose="020B0600000000000000" pitchFamily="34" charset="-122"/>
               <a:ea typeface="Noto Sans S Chinese Medium" panose="020B0600000000000000" pitchFamily="34" charset="-122"/>
+            </a:endParaRPr>
+          </a:p>
+        </p:txBody>
+      </p:sp>
+      <p:sp>
+        <p:nvSpPr>
+          <p:cNvPr id="16" name="矩形 15"/>
+          <p:cNvSpPr/>
+          <p:nvPr/>
+        </p:nvSpPr>
+        <p:spPr>
+          <a:xfrm>
+            <a:off x="6496132" y="2608068"/>
+            <a:ext cx="646331" cy="369332"/>
+          </a:xfrm>
+          <a:prstGeom prst="rect">
+            <a:avLst/>
+          </a:prstGeom>
+        </p:spPr>
+        <p:txBody>
+          <a:bodyPr wrap="none">
+            <a:spAutoFit/>
+          </a:bodyPr>
+          <a:lstStyle/>
+          <a:p>
+            <a:r>
+              <a:rPr lang="zh-CN" altLang="en-US" dirty="0">
+                <a:latin typeface="Noto Sans S Chinese Light" panose="020B0300000000000000" pitchFamily="34" charset="-122"/>
+                <a:ea typeface="Noto Sans S Chinese Light" panose="020B0300000000000000" pitchFamily="34" charset="-122"/>
+              </a:rPr>
+              <a:t>磁带</a:t>
+            </a:r>
+            <a:endParaRPr lang="en-US" dirty="0">
+              <a:latin typeface="Noto Sans S Chinese Light" panose="020B0300000000000000" pitchFamily="34" charset="-122"/>
+              <a:ea typeface="Noto Sans S Chinese Light" panose="020B0300000000000000" pitchFamily="34" charset="-122"/>
+            </a:endParaRPr>
+          </a:p>
+        </p:txBody>
+      </p:sp>
+      <p:sp>
+        <p:nvSpPr>
+          <p:cNvPr id="24" name="圆角矩形 23"/>
+          <p:cNvSpPr/>
+          <p:nvPr/>
+        </p:nvSpPr>
+        <p:spPr>
+          <a:xfrm>
+            <a:off x="329580" y="1603604"/>
+            <a:ext cx="5649208" cy="4672505"/>
+          </a:xfrm>
+          <a:prstGeom prst="roundRect">
+            <a:avLst>
+              <a:gd name="adj" fmla="val 602"/>
+            </a:avLst>
+          </a:prstGeom>
+          <a:solidFill>
+            <a:schemeClr val="bg1">
+              <a:lumMod val="95000"/>
+            </a:schemeClr>
+          </a:solidFill>
+          <a:ln>
+            <a:noFill/>
+          </a:ln>
+          <a:effectLst>
+            <a:outerShdw blurRad="127000" dist="50800" dir="5400000" algn="t" rotWithShape="0">
+              <a:prstClr val="black">
+                <a:alpha val="35000"/>
+              </a:prstClr>
+            </a:outerShdw>
+          </a:effectLst>
+        </p:spPr>
+        <p:style>
+          <a:lnRef idx="2">
+            <a:schemeClr val="accent1">
+              <a:shade val="50000"/>
+            </a:schemeClr>
+          </a:lnRef>
+          <a:fillRef idx="1">
+            <a:schemeClr val="accent1"/>
+          </a:fillRef>
+          <a:effectRef idx="0">
+            <a:schemeClr val="accent1"/>
+          </a:effectRef>
+          <a:fontRef idx="minor">
+            <a:schemeClr val="lt1"/>
+          </a:fontRef>
+        </p:style>
+        <p:txBody>
+          <a:bodyPr rtlCol="0" anchor="ctr"/>
+          <a:lstStyle/>
+          <a:p>
+            <a:pPr algn="ctr"/>
+            <a:endParaRPr lang="zh-CN" altLang="en-US"/>
+          </a:p>
+        </p:txBody>
+      </p:sp>
+      <p:sp>
+        <p:nvSpPr>
+          <p:cNvPr id="26" name="圆角矩形 25"/>
+          <p:cNvSpPr/>
+          <p:nvPr/>
+        </p:nvSpPr>
+        <p:spPr>
+          <a:xfrm>
+            <a:off x="329580" y="1609839"/>
+            <a:ext cx="2824604" cy="4666270"/>
+          </a:xfrm>
+          <a:prstGeom prst="roundRect">
+            <a:avLst>
+              <a:gd name="adj" fmla="val 602"/>
+            </a:avLst>
+          </a:prstGeom>
+          <a:solidFill>
+            <a:schemeClr val="bg1">
+              <a:lumMod val="95000"/>
+            </a:schemeClr>
+          </a:solidFill>
+          <a:ln>
+            <a:noFill/>
+          </a:ln>
+          <a:effectLst>
+            <a:outerShdw blurRad="127000" dist="50800" dir="5400000" algn="t" rotWithShape="0">
+              <a:prstClr val="black">
+                <a:alpha val="35000"/>
+              </a:prstClr>
+            </a:outerShdw>
+          </a:effectLst>
+        </p:spPr>
+        <p:style>
+          <a:lnRef idx="2">
+            <a:schemeClr val="accent1">
+              <a:shade val="50000"/>
+            </a:schemeClr>
+          </a:lnRef>
+          <a:fillRef idx="1">
+            <a:schemeClr val="accent1"/>
+          </a:fillRef>
+          <a:effectRef idx="0">
+            <a:schemeClr val="accent1"/>
+          </a:effectRef>
+          <a:fontRef idx="minor">
+            <a:schemeClr val="lt1"/>
+          </a:fontRef>
+        </p:style>
+        <p:txBody>
+          <a:bodyPr rtlCol="0" anchor="ctr"/>
+          <a:lstStyle/>
+          <a:p>
+            <a:pPr algn="ctr"/>
+            <a:endParaRPr lang="zh-CN" altLang="en-US"/>
+          </a:p>
+        </p:txBody>
+      </p:sp>
+      <p:sp>
+        <p:nvSpPr>
+          <p:cNvPr id="13" name="文本框 12"/>
+          <p:cNvSpPr txBox="1"/>
+          <p:nvPr/>
+        </p:nvSpPr>
+        <p:spPr>
+          <a:xfrm>
+            <a:off x="6496132" y="1884747"/>
+            <a:ext cx="1462759" cy="400110"/>
+          </a:xfrm>
+          <a:prstGeom prst="rect">
+            <a:avLst/>
+          </a:prstGeom>
+          <a:noFill/>
+        </p:spPr>
+        <p:txBody>
+          <a:bodyPr wrap="square" rtlCol="0">
+            <a:spAutoFit/>
+          </a:bodyPr>
+          <a:lstStyle/>
+          <a:p>
+            <a:r>
+              <a:rPr lang="zh-CN" altLang="en-US" sz="2000" dirty="0" smtClean="0">
+                <a:latin typeface="Noto Sans S Chinese DemiLight" panose="020B0400000000000000" pitchFamily="34" charset="-122"/>
+                <a:ea typeface="Noto Sans S Chinese DemiLight" panose="020B0400000000000000" pitchFamily="34" charset="-122"/>
+              </a:rPr>
+              <a:t>离线存储</a:t>
+            </a:r>
+            <a:endParaRPr lang="en-US" sz="2000" dirty="0">
+              <a:latin typeface="Noto Sans S Chinese DemiLight" panose="020B0400000000000000" pitchFamily="34" charset="-122"/>
+              <a:ea typeface="Noto Sans S Chinese DemiLight" panose="020B0400000000000000" pitchFamily="34" charset="-122"/>
+            </a:endParaRPr>
+          </a:p>
+        </p:txBody>
+      </p:sp>
+      <p:sp>
+        <p:nvSpPr>
+          <p:cNvPr id="12" name="文本框 11"/>
+          <p:cNvSpPr txBox="1"/>
+          <p:nvPr/>
+        </p:nvSpPr>
+        <p:spPr>
+          <a:xfrm>
+            <a:off x="3671528" y="1884747"/>
+            <a:ext cx="1258891" cy="400110"/>
+          </a:xfrm>
+          <a:prstGeom prst="rect">
+            <a:avLst/>
+          </a:prstGeom>
+          <a:noFill/>
+        </p:spPr>
+        <p:txBody>
+          <a:bodyPr wrap="square" rtlCol="0">
+            <a:spAutoFit/>
+          </a:bodyPr>
+          <a:lstStyle/>
+          <a:p>
+            <a:r>
+              <a:rPr lang="zh-CN" altLang="en-US" sz="2000" dirty="0" smtClean="0">
+                <a:latin typeface="Noto Sans S Chinese DemiLight" panose="020B0400000000000000" pitchFamily="34" charset="-122"/>
+                <a:ea typeface="Noto Sans S Chinese DemiLight" panose="020B0400000000000000" pitchFamily="34" charset="-122"/>
+              </a:rPr>
+              <a:t>近线存储</a:t>
+            </a:r>
+            <a:endParaRPr lang="en-US" sz="2000" dirty="0">
+              <a:latin typeface="Noto Sans S Chinese DemiLight" panose="020B0400000000000000" pitchFamily="34" charset="-122"/>
+              <a:ea typeface="Noto Sans S Chinese DemiLight" panose="020B0400000000000000" pitchFamily="34" charset="-122"/>
+            </a:endParaRPr>
+          </a:p>
+        </p:txBody>
+      </p:sp>
+      <p:sp>
+        <p:nvSpPr>
+          <p:cNvPr id="11" name="文本框 10"/>
+          <p:cNvSpPr txBox="1"/>
+          <p:nvPr/>
+        </p:nvSpPr>
+        <p:spPr>
+          <a:xfrm>
+            <a:off x="846924" y="1900136"/>
+            <a:ext cx="1335167" cy="400110"/>
+          </a:xfrm>
+          <a:prstGeom prst="rect">
+            <a:avLst/>
+          </a:prstGeom>
+          <a:noFill/>
+        </p:spPr>
+        <p:txBody>
+          <a:bodyPr wrap="square" rtlCol="0">
+            <a:spAutoFit/>
+          </a:bodyPr>
+          <a:lstStyle/>
+          <a:p>
+            <a:r>
+              <a:rPr lang="zh-CN" altLang="en-US" sz="2000" dirty="0" smtClean="0">
+                <a:latin typeface="Noto Sans S Chinese DemiLight" panose="020B0400000000000000" pitchFamily="34" charset="-122"/>
+                <a:ea typeface="Noto Sans S Chinese DemiLight" panose="020B0400000000000000" pitchFamily="34" charset="-122"/>
+              </a:rPr>
+              <a:t>在线存储</a:t>
+            </a:r>
+            <a:endParaRPr lang="en-US" sz="2000" dirty="0">
+              <a:latin typeface="Noto Sans S Chinese DemiLight" panose="020B0400000000000000" pitchFamily="34" charset="-122"/>
+              <a:ea typeface="Noto Sans S Chinese DemiLight" panose="020B0400000000000000" pitchFamily="34" charset="-122"/>
+            </a:endParaRPr>
+          </a:p>
+        </p:txBody>
+      </p:sp>
+      <p:sp>
+        <p:nvSpPr>
+          <p:cNvPr id="28" name="矩形 27"/>
+          <p:cNvSpPr/>
+          <p:nvPr/>
+        </p:nvSpPr>
+        <p:spPr>
+          <a:xfrm>
+            <a:off x="684596" y="1927079"/>
+            <a:ext cx="63796" cy="315447"/>
+          </a:xfrm>
+          <a:prstGeom prst="rect">
+            <a:avLst/>
+          </a:prstGeom>
+          <a:solidFill>
+            <a:srgbClr val="03A9F4"/>
+          </a:solidFill>
+          <a:ln>
+            <a:noFill/>
+          </a:ln>
+        </p:spPr>
+        <p:style>
+          <a:lnRef idx="2">
+            <a:schemeClr val="accent1">
+              <a:shade val="50000"/>
+            </a:schemeClr>
+          </a:lnRef>
+          <a:fillRef idx="1">
+            <a:schemeClr val="accent1"/>
+          </a:fillRef>
+          <a:effectRef idx="0">
+            <a:schemeClr val="accent1"/>
+          </a:effectRef>
+          <a:fontRef idx="minor">
+            <a:schemeClr val="lt1"/>
+          </a:fontRef>
+        </p:style>
+        <p:txBody>
+          <a:bodyPr rtlCol="0" anchor="ctr"/>
+          <a:lstStyle/>
+          <a:p>
+            <a:pPr algn="ctr"/>
+            <a:endParaRPr lang="en-US"/>
+          </a:p>
+        </p:txBody>
+      </p:sp>
+      <p:sp>
+        <p:nvSpPr>
+          <p:cNvPr id="29" name="矩形 28"/>
+          <p:cNvSpPr/>
+          <p:nvPr/>
+        </p:nvSpPr>
+        <p:spPr>
+          <a:xfrm>
+            <a:off x="3514460" y="1927079"/>
+            <a:ext cx="63796" cy="315447"/>
+          </a:xfrm>
+          <a:prstGeom prst="rect">
+            <a:avLst/>
+          </a:prstGeom>
+          <a:solidFill>
+            <a:srgbClr val="03A9F4"/>
+          </a:solidFill>
+          <a:ln>
+            <a:noFill/>
+          </a:ln>
+        </p:spPr>
+        <p:style>
+          <a:lnRef idx="2">
+            <a:schemeClr val="accent1">
+              <a:shade val="50000"/>
+            </a:schemeClr>
+          </a:lnRef>
+          <a:fillRef idx="1">
+            <a:schemeClr val="accent1"/>
+          </a:fillRef>
+          <a:effectRef idx="0">
+            <a:schemeClr val="accent1"/>
+          </a:effectRef>
+          <a:fontRef idx="minor">
+            <a:schemeClr val="lt1"/>
+          </a:fontRef>
+        </p:style>
+        <p:txBody>
+          <a:bodyPr rtlCol="0" anchor="ctr"/>
+          <a:lstStyle/>
+          <a:p>
+            <a:pPr algn="ctr"/>
+            <a:endParaRPr lang="en-US"/>
+          </a:p>
+        </p:txBody>
+      </p:sp>
+      <p:sp>
+        <p:nvSpPr>
+          <p:cNvPr id="30" name="矩形 29"/>
+          <p:cNvSpPr/>
+          <p:nvPr/>
+        </p:nvSpPr>
+        <p:spPr>
+          <a:xfrm>
+            <a:off x="6333804" y="1927079"/>
+            <a:ext cx="63796" cy="315447"/>
+          </a:xfrm>
+          <a:prstGeom prst="rect">
+            <a:avLst/>
+          </a:prstGeom>
+          <a:solidFill>
+            <a:srgbClr val="03A9F4"/>
+          </a:solidFill>
+          <a:ln>
+            <a:noFill/>
+          </a:ln>
+        </p:spPr>
+        <p:style>
+          <a:lnRef idx="2">
+            <a:schemeClr val="accent1">
+              <a:shade val="50000"/>
+            </a:schemeClr>
+          </a:lnRef>
+          <a:fillRef idx="1">
+            <a:schemeClr val="accent1"/>
+          </a:fillRef>
+          <a:effectRef idx="0">
+            <a:schemeClr val="accent1"/>
+          </a:effectRef>
+          <a:fontRef idx="minor">
+            <a:schemeClr val="lt1"/>
+          </a:fontRef>
+        </p:style>
+        <p:txBody>
+          <a:bodyPr rtlCol="0" anchor="ctr"/>
+          <a:lstStyle/>
+          <a:p>
+            <a:pPr algn="ctr"/>
+            <a:endParaRPr lang="en-US"/>
+          </a:p>
+        </p:txBody>
+      </p:sp>
+      <p:sp>
+        <p:nvSpPr>
+          <p:cNvPr id="14" name="矩形 13"/>
+          <p:cNvSpPr/>
+          <p:nvPr/>
+        </p:nvSpPr>
+        <p:spPr>
+          <a:xfrm>
+            <a:off x="748392" y="2641249"/>
+            <a:ext cx="615618" cy="369332"/>
+          </a:xfrm>
+          <a:prstGeom prst="rect">
+            <a:avLst/>
+          </a:prstGeom>
+        </p:spPr>
+        <p:txBody>
+          <a:bodyPr wrap="none">
+            <a:spAutoFit/>
+          </a:bodyPr>
+          <a:lstStyle/>
+          <a:p>
+            <a:r>
+              <a:rPr lang="en-US" altLang="zh-CN" dirty="0" smtClean="0">
+                <a:latin typeface="Noto Sans S Chinese Light" panose="020B0300000000000000" pitchFamily="34" charset="-122"/>
+                <a:ea typeface="Noto Sans S Chinese Light" panose="020B0300000000000000" pitchFamily="34" charset="-122"/>
+              </a:rPr>
+              <a:t>SSD</a:t>
+            </a:r>
+            <a:endParaRPr lang="en-US" dirty="0">
+              <a:latin typeface="Noto Sans S Chinese Light" panose="020B0300000000000000" pitchFamily="34" charset="-122"/>
+              <a:ea typeface="Noto Sans S Chinese Light" panose="020B0300000000000000" pitchFamily="34" charset="-122"/>
+            </a:endParaRPr>
+          </a:p>
+        </p:txBody>
+      </p:sp>
+      <p:sp>
+        <p:nvSpPr>
+          <p:cNvPr id="18" name="矩形 17"/>
+          <p:cNvSpPr/>
+          <p:nvPr/>
+        </p:nvSpPr>
+        <p:spPr>
+          <a:xfrm>
+            <a:off x="3671528" y="3970131"/>
+            <a:ext cx="823367" cy="369332"/>
+          </a:xfrm>
+          <a:prstGeom prst="rect">
+            <a:avLst/>
+          </a:prstGeom>
+        </p:spPr>
+        <p:txBody>
+          <a:bodyPr wrap="none">
+            <a:spAutoFit/>
+          </a:bodyPr>
+          <a:lstStyle/>
+          <a:p>
+            <a:r>
+              <a:rPr lang="en-US" altLang="zh-CN" dirty="0">
+                <a:latin typeface="Noto Sans S Chinese Light" panose="020B0300000000000000" pitchFamily="34" charset="-122"/>
+                <a:ea typeface="Noto Sans S Chinese Light" panose="020B0300000000000000" pitchFamily="34" charset="-122"/>
+              </a:rPr>
+              <a:t>RAID5</a:t>
+            </a:r>
+            <a:endParaRPr lang="en-US" dirty="0">
+              <a:latin typeface="Noto Sans S Chinese Light" panose="020B0300000000000000" pitchFamily="34" charset="-122"/>
+              <a:ea typeface="Noto Sans S Chinese Light" panose="020B0300000000000000" pitchFamily="34" charset="-122"/>
+            </a:endParaRPr>
+          </a:p>
+        </p:txBody>
+      </p:sp>
+      <p:sp>
+        <p:nvSpPr>
+          <p:cNvPr id="15" name="矩形 14"/>
+          <p:cNvSpPr/>
+          <p:nvPr/>
+        </p:nvSpPr>
+        <p:spPr>
+          <a:xfrm>
+            <a:off x="3671528" y="2608068"/>
+            <a:ext cx="714811" cy="369332"/>
+          </a:xfrm>
+          <a:prstGeom prst="rect">
+            <a:avLst/>
+          </a:prstGeom>
+        </p:spPr>
+        <p:txBody>
+          <a:bodyPr wrap="none">
+            <a:spAutoFit/>
+          </a:bodyPr>
+          <a:lstStyle/>
+          <a:p>
+            <a:r>
+              <a:rPr lang="en-US" altLang="zh-CN" dirty="0">
+                <a:latin typeface="Noto Sans S Chinese Light" panose="020B0300000000000000" pitchFamily="34" charset="-122"/>
+                <a:ea typeface="Noto Sans S Chinese Light" panose="020B0300000000000000" pitchFamily="34" charset="-122"/>
+              </a:rPr>
+              <a:t>SATA</a:t>
+            </a:r>
+            <a:endParaRPr lang="en-US" dirty="0">
+              <a:latin typeface="Noto Sans S Chinese Light" panose="020B0300000000000000" pitchFamily="34" charset="-122"/>
+              <a:ea typeface="Noto Sans S Chinese Light" panose="020B0300000000000000" pitchFamily="34" charset="-122"/>
+            </a:endParaRPr>
+          </a:p>
+        </p:txBody>
+      </p:sp>
+      <p:sp>
+        <p:nvSpPr>
+          <p:cNvPr id="17" name="矩形 16"/>
+          <p:cNvSpPr/>
+          <p:nvPr/>
+        </p:nvSpPr>
+        <p:spPr>
+          <a:xfrm>
+            <a:off x="684596" y="3970131"/>
+            <a:ext cx="1002903" cy="369332"/>
+          </a:xfrm>
+          <a:prstGeom prst="rect">
+            <a:avLst/>
+          </a:prstGeom>
+        </p:spPr>
+        <p:txBody>
+          <a:bodyPr wrap="none">
+            <a:spAutoFit/>
+          </a:bodyPr>
+          <a:lstStyle/>
+          <a:p>
+            <a:r>
+              <a:rPr lang="en-US" altLang="zh-CN" dirty="0">
+                <a:latin typeface="Noto Sans S Chinese Light" panose="020B0300000000000000" pitchFamily="34" charset="-122"/>
+                <a:ea typeface="Noto Sans S Chinese Light" panose="020B0300000000000000" pitchFamily="34" charset="-122"/>
+              </a:rPr>
+              <a:t> RAID10</a:t>
+            </a:r>
+            <a:endParaRPr lang="en-US" dirty="0">
+              <a:latin typeface="Noto Sans S Chinese Light" panose="020B0300000000000000" pitchFamily="34" charset="-122"/>
+              <a:ea typeface="Noto Sans S Chinese Light" panose="020B0300000000000000" pitchFamily="34" charset="-122"/>
+            </a:endParaRPr>
+          </a:p>
+        </p:txBody>
+      </p:sp>
+      <p:sp>
+        <p:nvSpPr>
+          <p:cNvPr id="31" name="矩形 30"/>
+          <p:cNvSpPr/>
+          <p:nvPr/>
+        </p:nvSpPr>
+        <p:spPr>
+          <a:xfrm>
+            <a:off x="748392" y="4379406"/>
+            <a:ext cx="2131340" cy="1200329"/>
+          </a:xfrm>
+          <a:prstGeom prst="rect">
+            <a:avLst/>
+          </a:prstGeom>
+        </p:spPr>
+        <p:txBody>
+          <a:bodyPr wrap="square">
+            <a:spAutoFit/>
+          </a:bodyPr>
+          <a:lstStyle/>
+          <a:p>
+            <a:r>
+              <a:rPr lang="zh-CN" altLang="en-US" dirty="0" smtClean="0">
+                <a:solidFill>
+                  <a:schemeClr val="bg2">
+                    <a:lumMod val="50000"/>
+                  </a:schemeClr>
+                </a:solidFill>
+                <a:latin typeface="Noto Sans S Chinese Light" panose="020B0300000000000000" pitchFamily="34" charset="-122"/>
+                <a:ea typeface="Noto Sans S Chinese Light" panose="020B0300000000000000" pitchFamily="34" charset="-122"/>
+                <a:cs typeface="Times New Roman" panose="02020603050405020304" pitchFamily="18" charset="0"/>
+              </a:rPr>
+              <a:t>分条</a:t>
+            </a:r>
+            <a:r>
+              <a:rPr lang="zh-CN" altLang="en-US" dirty="0">
+                <a:solidFill>
+                  <a:schemeClr val="bg2">
+                    <a:lumMod val="50000"/>
+                  </a:schemeClr>
+                </a:solidFill>
+                <a:latin typeface="Noto Sans S Chinese Light" panose="020B0300000000000000" pitchFamily="34" charset="-122"/>
+                <a:ea typeface="Noto Sans S Chinese Light" panose="020B0300000000000000" pitchFamily="34" charset="-122"/>
+                <a:cs typeface="Times New Roman" panose="02020603050405020304" pitchFamily="18" charset="0"/>
+              </a:rPr>
+              <a:t>技术加快了</a:t>
+            </a:r>
+            <a:r>
+              <a:rPr lang="zh-CN" altLang="en-US" dirty="0" smtClean="0">
+                <a:solidFill>
+                  <a:schemeClr val="bg2">
+                    <a:lumMod val="50000"/>
+                  </a:schemeClr>
+                </a:solidFill>
+                <a:latin typeface="Noto Sans S Chinese Light" panose="020B0300000000000000" pitchFamily="34" charset="-122"/>
+                <a:ea typeface="Noto Sans S Chinese Light" panose="020B0300000000000000" pitchFamily="34" charset="-122"/>
+                <a:cs typeface="Times New Roman" panose="02020603050405020304" pitchFamily="18" charset="0"/>
+              </a:rPr>
+              <a:t>数据写入</a:t>
+            </a:r>
+            <a:r>
+              <a:rPr lang="zh-CN" altLang="en-US" dirty="0">
+                <a:solidFill>
+                  <a:schemeClr val="bg2">
+                    <a:lumMod val="50000"/>
+                  </a:schemeClr>
+                </a:solidFill>
+                <a:latin typeface="Noto Sans S Chinese Light" panose="020B0300000000000000" pitchFamily="34" charset="-122"/>
+                <a:ea typeface="Noto Sans S Chinese Light" panose="020B0300000000000000" pitchFamily="34" charset="-122"/>
+                <a:cs typeface="Times New Roman" panose="02020603050405020304" pitchFamily="18" charset="0"/>
+              </a:rPr>
+              <a:t>速度，同时</a:t>
+            </a:r>
+            <a:r>
+              <a:rPr lang="zh-CN" altLang="en-US" dirty="0" smtClean="0">
+                <a:solidFill>
+                  <a:schemeClr val="bg2">
+                    <a:lumMod val="50000"/>
+                  </a:schemeClr>
+                </a:solidFill>
+                <a:latin typeface="Noto Sans S Chinese Light" panose="020B0300000000000000" pitchFamily="34" charset="-122"/>
+                <a:ea typeface="Noto Sans S Chinese Light" panose="020B0300000000000000" pitchFamily="34" charset="-122"/>
+                <a:cs typeface="Times New Roman" panose="02020603050405020304" pitchFamily="18" charset="0"/>
+              </a:rPr>
+              <a:t>提供可靠</a:t>
+            </a:r>
+            <a:r>
+              <a:rPr lang="zh-CN" altLang="en-US" dirty="0">
+                <a:solidFill>
+                  <a:schemeClr val="bg2">
+                    <a:lumMod val="50000"/>
+                  </a:schemeClr>
+                </a:solidFill>
+                <a:latin typeface="Noto Sans S Chinese Light" panose="020B0300000000000000" pitchFamily="34" charset="-122"/>
+                <a:ea typeface="Noto Sans S Chinese Light" panose="020B0300000000000000" pitchFamily="34" charset="-122"/>
+                <a:cs typeface="Times New Roman" panose="02020603050405020304" pitchFamily="18" charset="0"/>
+              </a:rPr>
+              <a:t>的数据恢复能力</a:t>
+            </a:r>
+            <a:endParaRPr lang="en-US" dirty="0">
+              <a:solidFill>
+                <a:schemeClr val="bg2">
+                  <a:lumMod val="50000"/>
+                </a:schemeClr>
+              </a:solidFill>
+              <a:latin typeface="Noto Sans S Chinese Light" panose="020B0300000000000000" pitchFamily="34" charset="-122"/>
+              <a:ea typeface="Noto Sans S Chinese Light" panose="020B0300000000000000" pitchFamily="34" charset="-122"/>
+            </a:endParaRPr>
+          </a:p>
+        </p:txBody>
+      </p:sp>
+      <p:sp>
+        <p:nvSpPr>
+          <p:cNvPr id="32" name="矩形 31"/>
+          <p:cNvSpPr/>
+          <p:nvPr/>
+        </p:nvSpPr>
+        <p:spPr>
+          <a:xfrm>
+            <a:off x="754060" y="3040509"/>
+            <a:ext cx="2131340" cy="646331"/>
+          </a:xfrm>
+          <a:prstGeom prst="rect">
+            <a:avLst/>
+          </a:prstGeom>
+        </p:spPr>
+        <p:txBody>
+          <a:bodyPr wrap="square">
+            <a:spAutoFit/>
+          </a:bodyPr>
+          <a:lstStyle/>
+          <a:p>
+            <a:r>
+              <a:rPr lang="zh-CN" altLang="en-US" dirty="0" smtClean="0">
+                <a:solidFill>
+                  <a:schemeClr val="bg2">
+                    <a:lumMod val="50000"/>
+                  </a:schemeClr>
+                </a:solidFill>
+                <a:latin typeface="Noto Sans S Chinese Light" panose="020B0300000000000000" pitchFamily="34" charset="-122"/>
+                <a:ea typeface="Noto Sans S Chinese Light" panose="020B0300000000000000" pitchFamily="34" charset="-122"/>
+              </a:rPr>
+              <a:t>在线存储需提供高速数据访问</a:t>
+            </a:r>
+            <a:endParaRPr lang="en-US" dirty="0">
+              <a:solidFill>
+                <a:schemeClr val="bg2">
+                  <a:lumMod val="50000"/>
+                </a:schemeClr>
+              </a:solidFill>
+              <a:latin typeface="Noto Sans S Chinese Light" panose="020B0300000000000000" pitchFamily="34" charset="-122"/>
+              <a:ea typeface="Noto Sans S Chinese Light" panose="020B0300000000000000" pitchFamily="34" charset="-122"/>
+            </a:endParaRPr>
+          </a:p>
+        </p:txBody>
+      </p:sp>
+      <p:sp>
+        <p:nvSpPr>
+          <p:cNvPr id="33" name="矩形 32"/>
+          <p:cNvSpPr/>
+          <p:nvPr/>
+        </p:nvSpPr>
+        <p:spPr>
+          <a:xfrm>
+            <a:off x="3671528" y="3035718"/>
+            <a:ext cx="2131340" cy="646331"/>
+          </a:xfrm>
+          <a:prstGeom prst="rect">
+            <a:avLst/>
+          </a:prstGeom>
+        </p:spPr>
+        <p:txBody>
+          <a:bodyPr wrap="square">
+            <a:spAutoFit/>
+          </a:bodyPr>
+          <a:lstStyle/>
+          <a:p>
+            <a:r>
+              <a:rPr lang="zh-CN" altLang="en-US" dirty="0" smtClean="0">
+                <a:solidFill>
+                  <a:schemeClr val="bg2">
+                    <a:lumMod val="50000"/>
+                  </a:schemeClr>
+                </a:solidFill>
+                <a:latin typeface="Noto Sans S Chinese Light" panose="020B0300000000000000" pitchFamily="34" charset="-122"/>
+                <a:ea typeface="Noto Sans S Chinese Light" panose="020B0300000000000000" pitchFamily="34" charset="-122"/>
+              </a:rPr>
+              <a:t>需存储一年的数据，同时价格相对较低</a:t>
+            </a:r>
+            <a:endParaRPr lang="en-US" dirty="0">
+              <a:solidFill>
+                <a:schemeClr val="bg2">
+                  <a:lumMod val="50000"/>
+                </a:schemeClr>
+              </a:solidFill>
+              <a:latin typeface="Noto Sans S Chinese Light" panose="020B0300000000000000" pitchFamily="34" charset="-122"/>
+              <a:ea typeface="Noto Sans S Chinese Light" panose="020B0300000000000000" pitchFamily="34" charset="-122"/>
+            </a:endParaRPr>
+          </a:p>
+        </p:txBody>
+      </p:sp>
+      <p:sp>
+        <p:nvSpPr>
+          <p:cNvPr id="34" name="矩形 33"/>
+          <p:cNvSpPr/>
+          <p:nvPr/>
+        </p:nvSpPr>
+        <p:spPr>
+          <a:xfrm>
+            <a:off x="3671528" y="4339463"/>
+            <a:ext cx="1835653" cy="646331"/>
+          </a:xfrm>
+          <a:prstGeom prst="rect">
+            <a:avLst/>
+          </a:prstGeom>
+        </p:spPr>
+        <p:txBody>
+          <a:bodyPr wrap="square">
+            <a:spAutoFit/>
+          </a:bodyPr>
+          <a:lstStyle/>
+          <a:p>
+            <a:r>
+              <a:rPr lang="zh-CN" altLang="en-US" dirty="0" smtClean="0">
+                <a:solidFill>
+                  <a:schemeClr val="bg2">
+                    <a:lumMod val="50000"/>
+                  </a:schemeClr>
+                </a:solidFill>
+                <a:latin typeface="Noto Sans S Chinese Light" panose="020B0300000000000000" pitchFamily="34" charset="-122"/>
+                <a:ea typeface="Noto Sans S Chinese Light" panose="020B0300000000000000" pitchFamily="34" charset="-122"/>
+              </a:rPr>
+              <a:t>提供数据</a:t>
+            </a:r>
+            <a:r>
+              <a:rPr lang="zh-CN" altLang="en-US" dirty="0">
+                <a:solidFill>
+                  <a:schemeClr val="bg2">
+                    <a:lumMod val="50000"/>
+                  </a:schemeClr>
+                </a:solidFill>
+                <a:latin typeface="Noto Sans S Chinese Light" panose="020B0300000000000000" pitchFamily="34" charset="-122"/>
+                <a:ea typeface="Noto Sans S Chinese Light" panose="020B0300000000000000" pitchFamily="34" charset="-122"/>
+              </a:rPr>
+              <a:t>恢复能力</a:t>
+            </a:r>
+            <a:endParaRPr lang="en-US" dirty="0">
+              <a:solidFill>
+                <a:schemeClr val="bg2">
+                  <a:lumMod val="50000"/>
+                </a:schemeClr>
+              </a:solidFill>
+              <a:latin typeface="Noto Sans S Chinese Light" panose="020B0300000000000000" pitchFamily="34" charset="-122"/>
+              <a:ea typeface="Noto Sans S Chinese Light" panose="020B0300000000000000" pitchFamily="34" charset="-122"/>
+            </a:endParaRPr>
+          </a:p>
+        </p:txBody>
+      </p:sp>
+      <p:sp>
+        <p:nvSpPr>
+          <p:cNvPr id="35" name="矩形 34"/>
+          <p:cNvSpPr/>
+          <p:nvPr/>
+        </p:nvSpPr>
+        <p:spPr>
+          <a:xfrm>
+            <a:off x="6496132" y="3035718"/>
+            <a:ext cx="1835653" cy="1200329"/>
+          </a:xfrm>
+          <a:prstGeom prst="rect">
+            <a:avLst/>
+          </a:prstGeom>
+        </p:spPr>
+        <p:txBody>
+          <a:bodyPr wrap="square">
+            <a:spAutoFit/>
+          </a:bodyPr>
+          <a:lstStyle/>
+          <a:p>
+            <a:r>
+              <a:rPr lang="zh-CN" altLang="en-US" dirty="0" smtClean="0">
+                <a:solidFill>
+                  <a:schemeClr val="bg2">
+                    <a:lumMod val="50000"/>
+                  </a:schemeClr>
+                </a:solidFill>
+                <a:latin typeface="Noto Sans S Chinese Light" panose="020B0300000000000000" pitchFamily="34" charset="-122"/>
+                <a:ea typeface="Noto Sans S Chinese Light" panose="020B0300000000000000" pitchFamily="34" charset="-122"/>
+              </a:rPr>
+              <a:t>存储容量大， 价格低廉，适应长期、大量的存储需求</a:t>
+            </a:r>
+            <a:endParaRPr lang="en-US" dirty="0">
+              <a:solidFill>
+                <a:schemeClr val="bg2">
+                  <a:lumMod val="50000"/>
+                </a:schemeClr>
+              </a:solidFill>
+              <a:latin typeface="Noto Sans S Chinese Light" panose="020B0300000000000000" pitchFamily="34" charset="-122"/>
+              <a:ea typeface="Noto Sans S Chinese Light" panose="020B0300000000000000" pitchFamily="34" charset="-122"/>
             </a:endParaRPr>
           </a:p>
         </p:txBody>
@@ -5104,110 +7880,17 @@
           <a:p>
             <a:r>
               <a:rPr lang="en-US" altLang="zh-CN" sz="2000" dirty="0">
-                <a:latin typeface="Noto Sans S Chinese Bold" panose="020B0800000000000000" pitchFamily="34" charset="-122"/>
-                <a:ea typeface="Noto Sans S Chinese Bold" panose="020B0800000000000000" pitchFamily="34" charset="-122"/>
-              </a:rPr>
-              <a:t>FCIP</a:t>
-            </a:r>
-            <a:r>
-              <a:rPr lang="zh-CN" altLang="en-US" sz="2000" dirty="0">
-                <a:latin typeface="Noto Sans S Chinese Bold" panose="020B0800000000000000" pitchFamily="34" charset="-122"/>
-                <a:ea typeface="Noto Sans S Chinese Bold" panose="020B0800000000000000" pitchFamily="34" charset="-122"/>
-              </a:rPr>
-              <a:t>（数据中心间）</a:t>
-            </a:r>
-            <a:endParaRPr lang="en-US" sz="2000" dirty="0">
-              <a:latin typeface="Noto Sans S Chinese Bold" panose="020B0800000000000000" pitchFamily="34" charset="-122"/>
-              <a:ea typeface="Noto Sans S Chinese Bold" panose="020B0800000000000000" pitchFamily="34" charset="-122"/>
-            </a:endParaRPr>
-          </a:p>
-        </p:txBody>
-      </p:sp>
-      <p:sp>
-        <p:nvSpPr>
-          <p:cNvPr id="10" name="文本框 9"/>
-          <p:cNvSpPr txBox="1"/>
-          <p:nvPr/>
-        </p:nvSpPr>
-        <p:spPr>
-          <a:xfrm>
-            <a:off x="755155" y="1425928"/>
-            <a:ext cx="3508501" cy="400110"/>
-          </a:xfrm>
-          <a:prstGeom prst="rect">
-            <a:avLst/>
-          </a:prstGeom>
-          <a:noFill/>
-        </p:spPr>
-        <p:txBody>
-          <a:bodyPr wrap="square" rtlCol="0">
-            <a:spAutoFit/>
-          </a:bodyPr>
-          <a:lstStyle/>
-          <a:p>
-            <a:r>
-              <a:rPr lang="en-US" altLang="zh-CN" sz="2000" dirty="0" smtClean="0">
-                <a:latin typeface="Noto Sans S Chinese Bold" panose="020B0800000000000000" pitchFamily="34" charset="-122"/>
-                <a:ea typeface="Noto Sans S Chinese Bold" panose="020B0800000000000000" pitchFamily="34" charset="-122"/>
-              </a:rPr>
-              <a:t>FC SAN</a:t>
-            </a:r>
-            <a:r>
-              <a:rPr lang="zh-CN" altLang="en-US" sz="2000" dirty="0" smtClean="0">
-                <a:latin typeface="Noto Sans S Chinese Bold" panose="020B0800000000000000" pitchFamily="34" charset="-122"/>
-                <a:ea typeface="Noto Sans S Chinese Bold" panose="020B0800000000000000" pitchFamily="34" charset="-122"/>
-              </a:rPr>
-              <a:t>（</a:t>
-            </a:r>
-            <a:r>
-              <a:rPr lang="zh-CN" altLang="en-US" sz="2000" dirty="0">
-                <a:latin typeface="Noto Sans S Chinese Bold" panose="020B0800000000000000" pitchFamily="34" charset="-122"/>
-                <a:ea typeface="Noto Sans S Chinese Bold" panose="020B0800000000000000" pitchFamily="34" charset="-122"/>
-              </a:rPr>
-              <a:t>数据中心内</a:t>
-            </a:r>
-            <a:r>
-              <a:rPr lang="zh-CN" altLang="en-US" sz="2000" dirty="0" smtClean="0">
-                <a:latin typeface="Noto Sans S Chinese Bold" panose="020B0800000000000000" pitchFamily="34" charset="-122"/>
-                <a:ea typeface="Noto Sans S Chinese Bold" panose="020B0800000000000000" pitchFamily="34" charset="-122"/>
-              </a:rPr>
-              <a:t>）</a:t>
-            </a:r>
-            <a:endParaRPr lang="en-US" sz="2000" dirty="0">
-              <a:latin typeface="Noto Sans S Chinese Bold" panose="020B0800000000000000" pitchFamily="34" charset="-122"/>
-              <a:ea typeface="Noto Sans S Chinese Bold" panose="020B0800000000000000" pitchFamily="34" charset="-122"/>
-            </a:endParaRPr>
-          </a:p>
-        </p:txBody>
-      </p:sp>
-      <p:sp>
-        <p:nvSpPr>
-          <p:cNvPr id="11" name="文本框 10"/>
-          <p:cNvSpPr txBox="1"/>
-          <p:nvPr/>
-        </p:nvSpPr>
-        <p:spPr>
-          <a:xfrm>
-            <a:off x="935908" y="1989274"/>
-            <a:ext cx="1493376" cy="400110"/>
-          </a:xfrm>
-          <a:prstGeom prst="rect">
-            <a:avLst/>
-          </a:prstGeom>
-          <a:noFill/>
-        </p:spPr>
-        <p:txBody>
-          <a:bodyPr wrap="square" rtlCol="0">
-            <a:spAutoFit/>
-          </a:bodyPr>
-          <a:lstStyle/>
-          <a:p>
-            <a:r>
-              <a:rPr lang="zh-CN" altLang="en-US" sz="2000" dirty="0" smtClean="0">
                 <a:latin typeface="Noto Sans S Chinese DemiLight" panose="020B0400000000000000" pitchFamily="34" charset="-122"/>
                 <a:ea typeface="Noto Sans S Chinese DemiLight" panose="020B0400000000000000" pitchFamily="34" charset="-122"/>
               </a:rPr>
-              <a:t>传输速度快</a:t>
+              <a:t>FCIP</a:t>
+            </a:r>
+            <a:r>
+              <a:rPr lang="zh-CN" altLang="en-US" sz="2000" dirty="0">
+                <a:latin typeface="Noto Sans S Chinese DemiLight" panose="020B0400000000000000" pitchFamily="34" charset="-122"/>
+                <a:ea typeface="Noto Sans S Chinese DemiLight" panose="020B0400000000000000" pitchFamily="34" charset="-122"/>
+              </a:rPr>
+              <a:t>（数据中心间）</a:t>
             </a:r>
             <a:endParaRPr lang="en-US" sz="2000" dirty="0">
               <a:latin typeface="Noto Sans S Chinese DemiLight" panose="020B0400000000000000" pitchFamily="34" charset="-122"/>
@@ -5218,14 +7901,14 @@
       </p:sp>
       <p:sp>
         <p:nvSpPr>
-          <p:cNvPr id="12" name="文本框 11"/>
+          <p:cNvPr id="10" name="文本框 9"/>
           <p:cNvSpPr txBox="1"/>
           <p:nvPr/>
         </p:nvSpPr>
         <p:spPr>
           <a:xfrm>
-            <a:off x="935908" y="4318993"/>
-            <a:ext cx="1522066" cy="400110"/>
+            <a:off x="755155" y="1425928"/>
+            <a:ext cx="3508501" cy="400110"/>
           </a:xfrm>
           <a:prstGeom prst="rect">
             <a:avLst/>
@@ -5239,15 +7922,108 @@
           <a:lstStyle/>
           <a:p>
             <a:r>
+              <a:rPr lang="en-US" altLang="zh-CN" sz="2000" dirty="0" smtClean="0">
+                <a:latin typeface="Noto Sans S Chinese DemiLight" panose="020B0400000000000000" pitchFamily="34" charset="-122"/>
+                <a:ea typeface="Noto Sans S Chinese DemiLight" panose="020B0400000000000000" pitchFamily="34" charset="-122"/>
+              </a:rPr>
+              <a:t>FC SAN</a:t>
+            </a:r>
+            <a:r>
+              <a:rPr lang="zh-CN" altLang="en-US" sz="2000" dirty="0" smtClean="0">
+                <a:latin typeface="Noto Sans S Chinese DemiLight" panose="020B0400000000000000" pitchFamily="34" charset="-122"/>
+                <a:ea typeface="Noto Sans S Chinese DemiLight" panose="020B0400000000000000" pitchFamily="34" charset="-122"/>
+              </a:rPr>
+              <a:t>（</a:t>
+            </a:r>
+            <a:r>
               <a:rPr lang="zh-CN" altLang="en-US" sz="2000" dirty="0">
                 <a:latin typeface="Noto Sans S Chinese DemiLight" panose="020B0400000000000000" pitchFamily="34" charset="-122"/>
                 <a:ea typeface="Noto Sans S Chinese DemiLight" panose="020B0400000000000000" pitchFamily="34" charset="-122"/>
               </a:rPr>
-              <a:t>传输距离远</a:t>
-            </a:r>
-            <a:endParaRPr lang="en-US" altLang="zh-CN" sz="2000" dirty="0">
+              <a:t>数据中心内</a:t>
+            </a:r>
+            <a:r>
+              <a:rPr lang="zh-CN" altLang="en-US" sz="2000" dirty="0" smtClean="0">
+                <a:latin typeface="Noto Sans S Chinese DemiLight" panose="020B0400000000000000" pitchFamily="34" charset="-122"/>
+                <a:ea typeface="Noto Sans S Chinese DemiLight" panose="020B0400000000000000" pitchFamily="34" charset="-122"/>
+              </a:rPr>
+              <a:t>）</a:t>
+            </a:r>
+            <a:endParaRPr lang="en-US" sz="2000" dirty="0">
               <a:latin typeface="Noto Sans S Chinese DemiLight" panose="020B0400000000000000" pitchFamily="34" charset="-122"/>
               <a:ea typeface="Noto Sans S Chinese DemiLight" panose="020B0400000000000000" pitchFamily="34" charset="-122"/>
+            </a:endParaRPr>
+          </a:p>
+        </p:txBody>
+      </p:sp>
+      <p:sp>
+        <p:nvSpPr>
+          <p:cNvPr id="11" name="文本框 10"/>
+          <p:cNvSpPr txBox="1"/>
+          <p:nvPr/>
+        </p:nvSpPr>
+        <p:spPr>
+          <a:xfrm>
+            <a:off x="935908" y="1989274"/>
+            <a:ext cx="1493376" cy="369332"/>
+          </a:xfrm>
+          <a:prstGeom prst="rect">
+            <a:avLst/>
+          </a:prstGeom>
+          <a:noFill/>
+        </p:spPr>
+        <p:txBody>
+          <a:bodyPr wrap="square" rtlCol="0">
+            <a:spAutoFit/>
+          </a:bodyPr>
+          <a:lstStyle/>
+          <a:p>
+            <a:r>
+              <a:rPr lang="zh-CN" altLang="en-US" dirty="0" smtClean="0">
+                <a:latin typeface="Noto Sans S Chinese Light" panose="020B0300000000000000" pitchFamily="34" charset="-122"/>
+                <a:ea typeface="Noto Sans S Chinese Light" panose="020B0300000000000000" pitchFamily="34" charset="-122"/>
+              </a:rPr>
+              <a:t>传输速度快</a:t>
+            </a:r>
+            <a:endParaRPr lang="en-US" dirty="0">
+              <a:latin typeface="Noto Sans S Chinese Light" panose="020B0300000000000000" pitchFamily="34" charset="-122"/>
+              <a:ea typeface="Noto Sans S Chinese Light" panose="020B0300000000000000" pitchFamily="34" charset="-122"/>
+            </a:endParaRPr>
+          </a:p>
+        </p:txBody>
+      </p:sp>
+      <p:sp>
+        <p:nvSpPr>
+          <p:cNvPr id="12" name="文本框 11"/>
+          <p:cNvSpPr txBox="1"/>
+          <p:nvPr/>
+        </p:nvSpPr>
+        <p:spPr>
+          <a:xfrm>
+            <a:off x="935908" y="4318993"/>
+            <a:ext cx="1522066" cy="369332"/>
+          </a:xfrm>
+          <a:prstGeom prst="rect">
+            <a:avLst/>
+          </a:prstGeom>
+          <a:noFill/>
+        </p:spPr>
+        <p:txBody>
+          <a:bodyPr wrap="square" rtlCol="0">
+            <a:spAutoFit/>
+          </a:bodyPr>
+          <a:lstStyle/>
+          <a:p>
+            <a:r>
+              <a:rPr lang="zh-CN" altLang="en-US" dirty="0">
+                <a:latin typeface="Noto Sans S Chinese Light" panose="020B0300000000000000" pitchFamily="34" charset="-122"/>
+                <a:ea typeface="Noto Sans S Chinese Light" panose="020B0300000000000000" pitchFamily="34" charset="-122"/>
+              </a:rPr>
+              <a:t>传输距离远</a:t>
+            </a:r>
+            <a:endParaRPr lang="en-US" altLang="zh-CN" dirty="0">
+              <a:latin typeface="Noto Sans S Chinese Light" panose="020B0300000000000000" pitchFamily="34" charset="-122"/>
+              <a:ea typeface="Noto Sans S Chinese Light" panose="020B0300000000000000" pitchFamily="34" charset="-122"/>
             </a:endParaRPr>
           </a:p>
         </p:txBody>
@@ -5307,7 +8083,7 @@
         <p:spPr>
           <a:xfrm>
             <a:off x="935908" y="2609942"/>
-            <a:ext cx="1467068" cy="400110"/>
+            <a:ext cx="1338828" cy="369332"/>
           </a:xfrm>
           <a:prstGeom prst="rect">
             <a:avLst/>
@@ -5320,15 +8096,15 @@
           <a:lstStyle/>
           <a:p>
             <a:r>
-              <a:rPr lang="zh-CN" altLang="en-US" sz="2000" dirty="0">
-                <a:latin typeface="Noto Sans S Chinese DemiLight" panose="020B0400000000000000" pitchFamily="34" charset="-122"/>
-                <a:ea typeface="Noto Sans S Chinese DemiLight" panose="020B0400000000000000" pitchFamily="34" charset="-122"/>
+              <a:rPr lang="zh-CN" altLang="en-US" dirty="0">
+                <a:latin typeface="Noto Sans S Chinese Light" panose="020B0300000000000000" pitchFamily="34" charset="-122"/>
+                <a:ea typeface="Noto Sans S Chinese Light" panose="020B0300000000000000" pitchFamily="34" charset="-122"/>
               </a:rPr>
               <a:t>可扩展性强</a:t>
             </a:r>
-            <a:endParaRPr lang="en-US" sz="2000" dirty="0">
-              <a:latin typeface="Noto Sans S Chinese DemiLight" panose="020B0400000000000000" pitchFamily="34" charset="-122"/>
-              <a:ea typeface="Noto Sans S Chinese DemiLight" panose="020B0400000000000000" pitchFamily="34" charset="-122"/>
+            <a:endParaRPr lang="en-US" dirty="0">
+              <a:latin typeface="Noto Sans S Chinese Light" panose="020B0300000000000000" pitchFamily="34" charset="-122"/>
+              <a:ea typeface="Noto Sans S Chinese Light" panose="020B0300000000000000" pitchFamily="34" charset="-122"/>
             </a:endParaRPr>
           </a:p>
         </p:txBody>
@@ -5361,8 +8137,8 @@
                     <a:lumMod val="50000"/>
                   </a:schemeClr>
                 </a:solidFill>
-                <a:latin typeface="Noto Sans S Chinese Regular" panose="020B0500000000000000" pitchFamily="34" charset="-122"/>
-                <a:ea typeface="Noto Sans S Chinese Regular" panose="020B0500000000000000" pitchFamily="34" charset="-122"/>
+                <a:latin typeface="Noto Sans S Chinese Light" panose="020B0300000000000000" pitchFamily="34" charset="-122"/>
+                <a:ea typeface="Noto Sans S Chinese Light" panose="020B0300000000000000" pitchFamily="34" charset="-122"/>
               </a:rPr>
               <a:t>数据中心内有大量</a:t>
             </a:r>
@@ -5373,8 +8149,8 @@
                     <a:lumMod val="50000"/>
                   </a:schemeClr>
                 </a:solidFill>
-                <a:latin typeface="Noto Sans S Chinese Regular" panose="020B0500000000000000" pitchFamily="34" charset="-122"/>
-                <a:ea typeface="Noto Sans S Chinese Regular" panose="020B0500000000000000" pitchFamily="34" charset="-122"/>
+                <a:latin typeface="Noto Sans S Chinese Light" panose="020B0300000000000000" pitchFamily="34" charset="-122"/>
+                <a:ea typeface="Noto Sans S Chinese Light" panose="020B0300000000000000" pitchFamily="34" charset="-122"/>
               </a:rPr>
               <a:t>的数据块</a:t>
             </a:r>
@@ -5385,8 +8161,8 @@
                     <a:lumMod val="50000"/>
                   </a:schemeClr>
                 </a:solidFill>
-                <a:latin typeface="Noto Sans S Chinese Regular" panose="020B0500000000000000" pitchFamily="34" charset="-122"/>
-                <a:ea typeface="Noto Sans S Chinese Regular" panose="020B0500000000000000" pitchFamily="34" charset="-122"/>
+                <a:latin typeface="Noto Sans S Chinese Light" panose="020B0300000000000000" pitchFamily="34" charset="-122"/>
+                <a:ea typeface="Noto Sans S Chinese Light" panose="020B0300000000000000" pitchFamily="34" charset="-122"/>
               </a:rPr>
               <a:t>读写操作</a:t>
             </a:r>
@@ -5396,8 +8172,8 @@
                   <a:lumMod val="50000"/>
                 </a:schemeClr>
               </a:solidFill>
-              <a:latin typeface="Noto Sans S Chinese Regular" panose="020B0500000000000000" pitchFamily="34" charset="-122"/>
-              <a:ea typeface="Noto Sans S Chinese Regular" panose="020B0500000000000000" pitchFamily="34" charset="-122"/>
+              <a:latin typeface="Noto Sans S Chinese Light" panose="020B0300000000000000" pitchFamily="34" charset="-122"/>
+              <a:ea typeface="Noto Sans S Chinese Light" panose="020B0300000000000000" pitchFamily="34" charset="-122"/>
             </a:endParaRPr>
           </a:p>
         </p:txBody>
@@ -5430,8 +8206,8 @@
                     <a:lumMod val="50000"/>
                   </a:schemeClr>
                 </a:solidFill>
-                <a:latin typeface="Noto Sans S Chinese Regular" panose="020B0500000000000000" pitchFamily="34" charset="-122"/>
-                <a:ea typeface="Noto Sans S Chinese Regular" panose="020B0500000000000000" pitchFamily="34" charset="-122"/>
+                <a:latin typeface="Noto Sans S Chinese Light" panose="020B0300000000000000" pitchFamily="34" charset="-122"/>
+                <a:ea typeface="Noto Sans S Chinese Light" panose="020B0300000000000000" pitchFamily="34" charset="-122"/>
               </a:rPr>
               <a:t>连续不断地接收遥感数据</a:t>
             </a:r>
@@ -5441,8 +8217,8 @@
                   <a:lumMod val="50000"/>
                 </a:schemeClr>
               </a:solidFill>
-              <a:latin typeface="Noto Sans S Chinese Regular" panose="020B0500000000000000" pitchFamily="34" charset="-122"/>
-              <a:ea typeface="Noto Sans S Chinese Regular" panose="020B0500000000000000" pitchFamily="34" charset="-122"/>
+              <a:latin typeface="Noto Sans S Chinese Light" panose="020B0300000000000000" pitchFamily="34" charset="-122"/>
+              <a:ea typeface="Noto Sans S Chinese Light" panose="020B0300000000000000" pitchFamily="34" charset="-122"/>
             </a:endParaRPr>
           </a:p>
         </p:txBody>
@@ -5521,8 +8297,8 @@
                     <a:lumMod val="50000"/>
                   </a:schemeClr>
                 </a:solidFill>
-                <a:latin typeface="Noto Sans S Chinese Regular" panose="020B0500000000000000" pitchFamily="34" charset="-122"/>
-                <a:ea typeface="Noto Sans S Chinese Regular" panose="020B0500000000000000" pitchFamily="34" charset="-122"/>
+                <a:latin typeface="Noto Sans S Chinese Light" panose="020B0300000000000000" pitchFamily="34" charset="-122"/>
+                <a:ea typeface="Noto Sans S Chinese Light" panose="020B0300000000000000" pitchFamily="34" charset="-122"/>
               </a:rPr>
               <a:t>数据中心分布于不同城市</a:t>
             </a:r>
@@ -5532,8 +8308,8 @@
                   <a:lumMod val="50000"/>
                 </a:schemeClr>
               </a:solidFill>
-              <a:latin typeface="Noto Sans S Chinese Regular" panose="020B0500000000000000" pitchFamily="34" charset="-122"/>
-              <a:ea typeface="Noto Sans S Chinese Regular" panose="020B0500000000000000" pitchFamily="34" charset="-122"/>
+              <a:latin typeface="Noto Sans S Chinese Light" panose="020B0300000000000000" pitchFamily="34" charset="-122"/>
+              <a:ea typeface="Noto Sans S Chinese Light" panose="020B0300000000000000" pitchFamily="34" charset="-122"/>
             </a:endParaRPr>
           </a:p>
         </p:txBody>
@@ -5566,8 +8342,8 @@
                     <a:lumMod val="50000"/>
                   </a:schemeClr>
                 </a:solidFill>
-                <a:latin typeface="Noto Sans S Chinese Regular" panose="020B0500000000000000" pitchFamily="34" charset="-122"/>
-                <a:ea typeface="Noto Sans S Chinese Regular" panose="020B0500000000000000" pitchFamily="34" charset="-122"/>
+                <a:latin typeface="Noto Sans S Chinese Light" panose="020B0300000000000000" pitchFamily="34" charset="-122"/>
+                <a:ea typeface="Noto Sans S Chinese Light" panose="020B0300000000000000" pitchFamily="34" charset="-122"/>
               </a:rPr>
               <a:t>与直接架设光缆相比成本较低</a:t>
             </a:r>
@@ -5577,8 +8353,8 @@
                   <a:lumMod val="50000"/>
                 </a:schemeClr>
               </a:solidFill>
-              <a:latin typeface="Noto Sans S Chinese Regular" panose="020B0500000000000000" pitchFamily="34" charset="-122"/>
-              <a:ea typeface="Noto Sans S Chinese Regular" panose="020B0500000000000000" pitchFamily="34" charset="-122"/>
+              <a:latin typeface="Noto Sans S Chinese Light" panose="020B0300000000000000" pitchFamily="34" charset="-122"/>
+              <a:ea typeface="Noto Sans S Chinese Light" panose="020B0300000000000000" pitchFamily="34" charset="-122"/>
             </a:endParaRPr>
           </a:p>
         </p:txBody>
@@ -5611,8 +8387,8 @@
                     <a:lumMod val="50000"/>
                   </a:schemeClr>
                 </a:solidFill>
-                <a:latin typeface="Noto Sans S Chinese Regular" panose="020B0500000000000000" pitchFamily="34" charset="-122"/>
-                <a:ea typeface="Noto Sans S Chinese Regular" panose="020B0500000000000000" pitchFamily="34" charset="-122"/>
+                <a:latin typeface="Noto Sans S Chinese Light" panose="020B0300000000000000" pitchFamily="34" charset="-122"/>
+                <a:ea typeface="Noto Sans S Chinese Light" panose="020B0300000000000000" pitchFamily="34" charset="-122"/>
               </a:rPr>
               <a:t>数据中心内部采用</a:t>
             </a:r>
@@ -5623,8 +8399,8 @@
                     <a:lumMod val="50000"/>
                   </a:schemeClr>
                 </a:solidFill>
-                <a:latin typeface="Noto Sans S Chinese Regular" panose="020B0500000000000000" pitchFamily="34" charset="-122"/>
-                <a:ea typeface="Noto Sans S Chinese Regular" panose="020B0500000000000000" pitchFamily="34" charset="-122"/>
+                <a:latin typeface="Noto Sans S Chinese Light" panose="020B0300000000000000" pitchFamily="34" charset="-122"/>
+                <a:ea typeface="Noto Sans S Chinese Light" panose="020B0300000000000000" pitchFamily="34" charset="-122"/>
               </a:rPr>
               <a:t>FC SAN</a:t>
             </a:r>
@@ -5634,8 +8410,8 @@
                   <a:lumMod val="50000"/>
                 </a:schemeClr>
               </a:solidFill>
-              <a:latin typeface="Noto Sans S Chinese Regular" panose="020B0500000000000000" pitchFamily="34" charset="-122"/>
-              <a:ea typeface="Noto Sans S Chinese Regular" panose="020B0500000000000000" pitchFamily="34" charset="-122"/>
+              <a:latin typeface="Noto Sans S Chinese Light" panose="020B0300000000000000" pitchFamily="34" charset="-122"/>
+              <a:ea typeface="Noto Sans S Chinese Light" panose="020B0300000000000000" pitchFamily="34" charset="-122"/>
             </a:endParaRPr>
           </a:p>
         </p:txBody>
@@ -5649,7 +8425,7 @@
         <p:spPr>
           <a:xfrm>
             <a:off x="935908" y="5547970"/>
-            <a:ext cx="2236510" cy="400110"/>
+            <a:ext cx="2031325" cy="369332"/>
           </a:xfrm>
           <a:prstGeom prst="rect">
             <a:avLst/>
@@ -5662,22 +8438,22 @@
           <a:lstStyle/>
           <a:p>
             <a:r>
-              <a:rPr lang="zh-CN" altLang="en-US" sz="2000" dirty="0" smtClean="0">
-                <a:latin typeface="Noto Sans S Chinese DemiLight" panose="020B0400000000000000" pitchFamily="34" charset="-122"/>
-                <a:ea typeface="Noto Sans S Chinese DemiLight" panose="020B0400000000000000" pitchFamily="34" charset="-122"/>
+              <a:rPr lang="zh-CN" altLang="en-US" dirty="0" smtClean="0">
+                <a:latin typeface="Noto Sans S Chinese Light" panose="020B0300000000000000" pitchFamily="34" charset="-122"/>
+                <a:ea typeface="Noto Sans S Chinese Light" panose="020B0300000000000000" pitchFamily="34" charset="-122"/>
               </a:rPr>
               <a:t>与内部网络相</a:t>
             </a:r>
             <a:r>
-              <a:rPr lang="zh-CN" altLang="en-US" sz="2000" dirty="0">
-                <a:latin typeface="Noto Sans S Chinese DemiLight" panose="020B0400000000000000" pitchFamily="34" charset="-122"/>
-                <a:ea typeface="Noto Sans S Chinese DemiLight" panose="020B0400000000000000" pitchFamily="34" charset="-122"/>
+              <a:rPr lang="zh-CN" altLang="en-US" dirty="0">
+                <a:latin typeface="Noto Sans S Chinese Light" panose="020B0300000000000000" pitchFamily="34" charset="-122"/>
+                <a:ea typeface="Noto Sans S Chinese Light" panose="020B0300000000000000" pitchFamily="34" charset="-122"/>
               </a:rPr>
               <a:t>契合</a:t>
             </a:r>
-            <a:endParaRPr lang="en-US" altLang="zh-CN" sz="2000" dirty="0">
-              <a:latin typeface="Noto Sans S Chinese DemiLight" panose="020B0400000000000000" pitchFamily="34" charset="-122"/>
-              <a:ea typeface="Noto Sans S Chinese DemiLight" panose="020B0400000000000000" pitchFamily="34" charset="-122"/>
+            <a:endParaRPr lang="en-US" altLang="zh-CN" dirty="0">
+              <a:latin typeface="Noto Sans S Chinese Light" panose="020B0300000000000000" pitchFamily="34" charset="-122"/>
+              <a:ea typeface="Noto Sans S Chinese Light" panose="020B0300000000000000" pitchFamily="34" charset="-122"/>
             </a:endParaRPr>
           </a:p>
         </p:txBody>
@@ -5691,7 +8467,7 @@
         <p:spPr>
           <a:xfrm>
             <a:off x="935908" y="4936530"/>
-            <a:ext cx="1723549" cy="400110"/>
+            <a:ext cx="1569660" cy="369332"/>
           </a:xfrm>
           <a:prstGeom prst="rect">
             <a:avLst/>
@@ -5704,15 +8480,15 @@
           <a:lstStyle/>
           <a:p>
             <a:r>
-              <a:rPr lang="zh-CN" altLang="en-US" sz="2000" dirty="0">
-                <a:latin typeface="Noto Sans S Chinese DemiLight" panose="020B0400000000000000" pitchFamily="34" charset="-122"/>
-                <a:ea typeface="Noto Sans S Chinese DemiLight" panose="020B0400000000000000" pitchFamily="34" charset="-122"/>
+              <a:rPr lang="zh-CN" altLang="en-US" dirty="0">
+                <a:latin typeface="Noto Sans S Chinese Light" panose="020B0300000000000000" pitchFamily="34" charset="-122"/>
+                <a:ea typeface="Noto Sans S Chinese Light" panose="020B0300000000000000" pitchFamily="34" charset="-122"/>
               </a:rPr>
               <a:t>成本相对较低</a:t>
             </a:r>
-            <a:endParaRPr lang="en-US" altLang="zh-CN" sz="2000" dirty="0">
-              <a:latin typeface="Noto Sans S Chinese DemiLight" panose="020B0400000000000000" pitchFamily="34" charset="-122"/>
-              <a:ea typeface="Noto Sans S Chinese DemiLight" panose="020B0400000000000000" pitchFamily="34" charset="-122"/>
+            <a:endParaRPr lang="en-US" altLang="zh-CN" dirty="0">
+              <a:latin typeface="Noto Sans S Chinese Light" panose="020B0300000000000000" pitchFamily="34" charset="-122"/>
+              <a:ea typeface="Noto Sans S Chinese Light" panose="020B0300000000000000" pitchFamily="34" charset="-122"/>
             </a:endParaRPr>
           </a:p>
         </p:txBody>
@@ -5894,28 +8670,32 @@
       </p:grpSpPr>
       <p:sp>
         <p:nvSpPr>
-          <p:cNvPr id="4" name="矩形 3"/>
+          <p:cNvPr id="7" name="圆角矩形 6"/>
           <p:cNvSpPr/>
           <p:nvPr/>
         </p:nvSpPr>
         <p:spPr>
           <a:xfrm>
-            <a:off x="0" y="0"/>
-            <a:ext cx="9144000" cy="760021"/>
-          </a:xfrm>
-          <a:prstGeom prst="rect">
-            <a:avLst/>
+            <a:off x="912711" y="1506574"/>
+            <a:ext cx="7318577" cy="4642609"/>
+          </a:xfrm>
+          <a:prstGeom prst="roundRect">
+            <a:avLst>
+              <a:gd name="adj" fmla="val 602"/>
+            </a:avLst>
           </a:prstGeom>
           <a:solidFill>
-            <a:srgbClr val="01579B"/>
+            <a:schemeClr val="bg1">
+              <a:lumMod val="95000"/>
+            </a:schemeClr>
           </a:solidFill>
           <a:ln>
             <a:noFill/>
           </a:ln>
           <a:effectLst>
-            <a:outerShdw blurRad="50800" dist="38100" dir="5400000" algn="t" rotWithShape="0">
+            <a:outerShdw blurRad="127000" dist="50800" dir="5400000" algn="t" rotWithShape="0">
               <a:prstClr val="black">
-                <a:alpha val="40000"/>
+                <a:alpha val="35000"/>
               </a:prstClr>
             </a:outerShdw>
           </a:effectLst>
@@ -5941,6 +8721,59 @@
           <a:lstStyle/>
           <a:p>
             <a:pPr algn="ctr"/>
+            <a:endParaRPr lang="zh-CN" altLang="en-US"/>
+          </a:p>
+        </p:txBody>
+      </p:sp>
+      <p:sp>
+        <p:nvSpPr>
+          <p:cNvPr id="4" name="矩形 3"/>
+          <p:cNvSpPr/>
+          <p:nvPr/>
+        </p:nvSpPr>
+        <p:spPr>
+          <a:xfrm>
+            <a:off x="0" y="0"/>
+            <a:ext cx="9144000" cy="760021"/>
+          </a:xfrm>
+          <a:prstGeom prst="rect">
+            <a:avLst/>
+          </a:prstGeom>
+          <a:solidFill>
+            <a:srgbClr val="01579B"/>
+          </a:solidFill>
+          <a:ln>
+            <a:noFill/>
+          </a:ln>
+          <a:effectLst>
+            <a:outerShdw blurRad="50800" dist="38100" dir="5400000" algn="t" rotWithShape="0">
+              <a:prstClr val="black">
+                <a:alpha val="40000"/>
+              </a:prstClr>
+            </a:outerShdw>
+          </a:effectLst>
+        </p:spPr>
+        <p:style>
+          <a:lnRef idx="2">
+            <a:schemeClr val="accent1">
+              <a:shade val="50000"/>
+            </a:schemeClr>
+          </a:lnRef>
+          <a:fillRef idx="1">
+            <a:schemeClr val="accent1"/>
+          </a:fillRef>
+          <a:effectRef idx="0">
+            <a:schemeClr val="accent1"/>
+          </a:effectRef>
+          <a:fontRef idx="minor">
+            <a:schemeClr val="lt1"/>
+          </a:fontRef>
+        </p:style>
+        <p:txBody>
+          <a:bodyPr rtlCol="0" anchor="ctr"/>
+          <a:lstStyle/>
+          <a:p>
+            <a:pPr algn="ctr"/>
             <a:endParaRPr lang="en-US"/>
           </a:p>
         </p:txBody>
@@ -5976,7 +8809,7 @@
                 <a:latin typeface="Noto Sans S Chinese Medium" panose="020B0600000000000000" pitchFamily="34" charset="-122"/>
                 <a:ea typeface="Noto Sans S Chinese Medium" panose="020B0600000000000000" pitchFamily="34" charset="-122"/>
               </a:rPr>
-              <a:t>数据备份</a:t>
+              <a:t>计算平台</a:t>
             </a:r>
             <a:endParaRPr lang="en-US" sz="2800" dirty="0">
               <a:solidFill>
@@ -5988,10 +8821,555 @@
           </a:p>
         </p:txBody>
       </p:sp>
+      <p:sp>
+        <p:nvSpPr>
+          <p:cNvPr id="2" name="矩形 1"/>
+          <p:cNvSpPr/>
+          <p:nvPr/>
+        </p:nvSpPr>
+        <p:spPr>
+          <a:xfrm>
+            <a:off x="2886985" y="3504222"/>
+            <a:ext cx="4572000" cy="646331"/>
+          </a:xfrm>
+          <a:prstGeom prst="rect">
+            <a:avLst/>
+          </a:prstGeom>
+        </p:spPr>
+        <p:txBody>
+          <a:bodyPr>
+            <a:spAutoFit/>
+          </a:bodyPr>
+          <a:lstStyle/>
+          <a:p>
+            <a:r>
+              <a:rPr lang="zh-CN" altLang="en-US" dirty="0">
+                <a:latin typeface="Noto Sans S Chinese Light" panose="020B0300000000000000" pitchFamily="34" charset="-122"/>
+                <a:ea typeface="Noto Sans S Chinese Light" panose="020B0300000000000000" pitchFamily="34" charset="-122"/>
+                <a:cs typeface="Times New Roman" panose="02020603050405020304" pitchFamily="18" charset="0"/>
+              </a:rPr>
+              <a:t>计算主要集中于次级计算中心，在每个次级数据中心的硬件基础上建立私有云。</a:t>
+            </a:r>
+            <a:endParaRPr lang="en-US" dirty="0">
+              <a:latin typeface="Noto Sans S Chinese Light" panose="020B0300000000000000" pitchFamily="34" charset="-122"/>
+              <a:ea typeface="Noto Sans S Chinese Light" panose="020B0300000000000000" pitchFamily="34" charset="-122"/>
+              <a:cs typeface="Times New Roman" panose="02020603050405020304" pitchFamily="18" charset="0"/>
+            </a:endParaRPr>
+          </a:p>
+        </p:txBody>
+      </p:sp>
+      <p:sp>
+        <p:nvSpPr>
+          <p:cNvPr id="3" name="矩形 2"/>
+          <p:cNvSpPr/>
+          <p:nvPr/>
+        </p:nvSpPr>
+        <p:spPr>
+          <a:xfrm>
+            <a:off x="2886985" y="4537702"/>
+            <a:ext cx="4572000" cy="1200329"/>
+          </a:xfrm>
+          <a:prstGeom prst="rect">
+            <a:avLst/>
+          </a:prstGeom>
+        </p:spPr>
+        <p:txBody>
+          <a:bodyPr>
+            <a:spAutoFit/>
+          </a:bodyPr>
+          <a:lstStyle/>
+          <a:p>
+            <a:r>
+              <a:rPr lang="zh-CN" altLang="en-US" dirty="0">
+                <a:latin typeface="Noto Sans S Chinese Light" panose="020B0300000000000000" pitchFamily="34" charset="-122"/>
+                <a:ea typeface="Noto Sans S Chinese Light" panose="020B0300000000000000" pitchFamily="34" charset="-122"/>
+                <a:cs typeface="Times New Roman" panose="02020603050405020304" pitchFamily="18" charset="0"/>
+              </a:rPr>
+              <a:t>由大量</a:t>
+            </a:r>
+            <a:r>
+              <a:rPr lang="zh-CN" altLang="en-US" dirty="0" smtClean="0">
+                <a:latin typeface="Noto Sans S Chinese Light" panose="020B0300000000000000" pitchFamily="34" charset="-122"/>
+                <a:ea typeface="Noto Sans S Chinese Light" panose="020B0300000000000000" pitchFamily="34" charset="-122"/>
+                <a:cs typeface="Times New Roman" panose="02020603050405020304" pitchFamily="18" charset="0"/>
+              </a:rPr>
+              <a:t>普通的</a:t>
+            </a:r>
+            <a:r>
+              <a:rPr lang="en-US" dirty="0" smtClean="0">
+                <a:latin typeface="Noto Sans S Chinese Light" panose="020B0300000000000000" pitchFamily="34" charset="-122"/>
+                <a:ea typeface="Noto Sans S Chinese Light" panose="020B0300000000000000" pitchFamily="34" charset="-122"/>
+                <a:cs typeface="Times New Roman" panose="02020603050405020304" pitchFamily="18" charset="0"/>
+              </a:rPr>
+              <a:t>Linux</a:t>
+            </a:r>
+            <a:r>
+              <a:rPr lang="zh-CN" altLang="en-US" dirty="0" smtClean="0">
+                <a:latin typeface="Noto Sans S Chinese Light" panose="020B0300000000000000" pitchFamily="34" charset="-122"/>
+                <a:ea typeface="Noto Sans S Chinese Light" panose="020B0300000000000000" pitchFamily="34" charset="-122"/>
+                <a:cs typeface="Times New Roman" panose="02020603050405020304" pitchFamily="18" charset="0"/>
+              </a:rPr>
+              <a:t>服务器</a:t>
+            </a:r>
+            <a:r>
+              <a:rPr lang="zh-CN" altLang="en-US" dirty="0">
+                <a:latin typeface="Noto Sans S Chinese Light" panose="020B0300000000000000" pitchFamily="34" charset="-122"/>
+                <a:ea typeface="Noto Sans S Chinese Light" panose="020B0300000000000000" pitchFamily="34" charset="-122"/>
+                <a:cs typeface="Times New Roman" panose="02020603050405020304" pitchFamily="18" charset="0"/>
+              </a:rPr>
+              <a:t>组成，在这些服务器之上将安装</a:t>
+            </a:r>
+            <a:r>
+              <a:rPr lang="en-US" dirty="0" err="1">
+                <a:latin typeface="Noto Sans S Chinese Light" panose="020B0300000000000000" pitchFamily="34" charset="-122"/>
+                <a:ea typeface="Noto Sans S Chinese Light" panose="020B0300000000000000" pitchFamily="34" charset="-122"/>
+                <a:cs typeface="Times New Roman" panose="02020603050405020304" pitchFamily="18" charset="0"/>
+              </a:rPr>
+              <a:t>kvm</a:t>
+            </a:r>
+            <a:r>
+              <a:rPr lang="zh-CN" altLang="en-US" dirty="0">
+                <a:latin typeface="Noto Sans S Chinese Light" panose="020B0300000000000000" pitchFamily="34" charset="-122"/>
+                <a:ea typeface="Noto Sans S Chinese Light" panose="020B0300000000000000" pitchFamily="34" charset="-122"/>
+                <a:cs typeface="Times New Roman" panose="02020603050405020304" pitchFamily="18" charset="0"/>
+              </a:rPr>
+              <a:t>以提供虚拟化能力。使用</a:t>
+            </a:r>
+            <a:r>
+              <a:rPr lang="en-US" dirty="0" err="1">
+                <a:latin typeface="Noto Sans S Chinese Light" panose="020B0300000000000000" pitchFamily="34" charset="-122"/>
+                <a:ea typeface="Noto Sans S Chinese Light" panose="020B0300000000000000" pitchFamily="34" charset="-122"/>
+                <a:cs typeface="Times New Roman" panose="02020603050405020304" pitchFamily="18" charset="0"/>
+              </a:rPr>
+              <a:t>OpenStack</a:t>
+            </a:r>
+            <a:r>
+              <a:rPr lang="zh-CN" altLang="en-US" dirty="0">
+                <a:latin typeface="Noto Sans S Chinese Light" panose="020B0300000000000000" pitchFamily="34" charset="-122"/>
+                <a:ea typeface="Noto Sans S Chinese Light" panose="020B0300000000000000" pitchFamily="34" charset="-122"/>
+                <a:cs typeface="Times New Roman" panose="02020603050405020304" pitchFamily="18" charset="0"/>
+              </a:rPr>
+              <a:t>作为中间件，从而虚拟化出大量的虚拟机供平台部署应用。</a:t>
+            </a:r>
+            <a:endParaRPr lang="en-US" dirty="0">
+              <a:latin typeface="Noto Sans S Chinese Light" panose="020B0300000000000000" pitchFamily="34" charset="-122"/>
+              <a:ea typeface="Noto Sans S Chinese Light" panose="020B0300000000000000" pitchFamily="34" charset="-122"/>
+              <a:cs typeface="Times New Roman" panose="02020603050405020304" pitchFamily="18" charset="0"/>
+            </a:endParaRPr>
+          </a:p>
+        </p:txBody>
+      </p:sp>
+      <p:sp>
+        <p:nvSpPr>
+          <p:cNvPr id="5" name="矩形 4"/>
+          <p:cNvSpPr/>
+          <p:nvPr/>
+        </p:nvSpPr>
+        <p:spPr>
+          <a:xfrm>
+            <a:off x="2886985" y="2201903"/>
+            <a:ext cx="4572000" cy="646331"/>
+          </a:xfrm>
+          <a:prstGeom prst="rect">
+            <a:avLst/>
+          </a:prstGeom>
+        </p:spPr>
+        <p:txBody>
+          <a:bodyPr>
+            <a:spAutoFit/>
+          </a:bodyPr>
+          <a:lstStyle/>
+          <a:p>
+            <a:r>
+              <a:rPr lang="zh-CN" altLang="en-US" dirty="0">
+                <a:latin typeface="Noto Sans S Chinese Light" panose="020B0300000000000000" pitchFamily="34" charset="-122"/>
+                <a:ea typeface="Noto Sans S Chinese Light" panose="020B0300000000000000" pitchFamily="34" charset="-122"/>
+                <a:cs typeface="Times New Roman" panose="02020603050405020304" pitchFamily="18" charset="0"/>
+              </a:rPr>
+              <a:t>良好的灵活性，更高的可用性，拥有快速更新技术、更快调配</a:t>
+            </a:r>
+            <a:r>
+              <a:rPr lang="en-US" dirty="0">
+                <a:latin typeface="Noto Sans S Chinese Light" panose="020B0300000000000000" pitchFamily="34" charset="-122"/>
+                <a:ea typeface="Noto Sans S Chinese Light" panose="020B0300000000000000" pitchFamily="34" charset="-122"/>
+                <a:cs typeface="Times New Roman" panose="02020603050405020304" pitchFamily="18" charset="0"/>
+              </a:rPr>
+              <a:t>IT</a:t>
+            </a:r>
+            <a:r>
+              <a:rPr lang="zh-CN" altLang="en-US" dirty="0">
+                <a:latin typeface="Noto Sans S Chinese Light" panose="020B0300000000000000" pitchFamily="34" charset="-122"/>
+                <a:ea typeface="Noto Sans S Chinese Light" panose="020B0300000000000000" pitchFamily="34" charset="-122"/>
+                <a:cs typeface="Times New Roman" panose="02020603050405020304" pitchFamily="18" charset="0"/>
+              </a:rPr>
+              <a:t>资源的能力</a:t>
+            </a:r>
+            <a:endParaRPr lang="en-US" dirty="0">
+              <a:latin typeface="Noto Sans S Chinese Light" panose="020B0300000000000000" pitchFamily="34" charset="-122"/>
+              <a:ea typeface="Noto Sans S Chinese Light" panose="020B0300000000000000" pitchFamily="34" charset="-122"/>
+              <a:cs typeface="Times New Roman" panose="02020603050405020304" pitchFamily="18" charset="0"/>
+            </a:endParaRPr>
+          </a:p>
+        </p:txBody>
+      </p:sp>
+      <p:sp>
+        <p:nvSpPr>
+          <p:cNvPr id="9" name="矩形 8"/>
+          <p:cNvSpPr/>
+          <p:nvPr/>
+        </p:nvSpPr>
+        <p:spPr>
+          <a:xfrm>
+            <a:off x="912708" y="2212950"/>
+            <a:ext cx="1685019" cy="605701"/>
+          </a:xfrm>
+          <a:prstGeom prst="rect">
+            <a:avLst/>
+          </a:prstGeom>
+          <a:solidFill>
+            <a:srgbClr val="FF5722"/>
+          </a:solidFill>
+          <a:ln>
+            <a:noFill/>
+          </a:ln>
+          <a:effectLst>
+            <a:outerShdw blurRad="50800" dist="38100" dir="5400000" algn="t" rotWithShape="0">
+              <a:prstClr val="black">
+                <a:alpha val="40000"/>
+              </a:prstClr>
+            </a:outerShdw>
+          </a:effectLst>
+        </p:spPr>
+        <p:style>
+          <a:lnRef idx="2">
+            <a:schemeClr val="accent1">
+              <a:shade val="50000"/>
+            </a:schemeClr>
+          </a:lnRef>
+          <a:fillRef idx="1">
+            <a:schemeClr val="accent1"/>
+          </a:fillRef>
+          <a:effectRef idx="0">
+            <a:schemeClr val="accent1"/>
+          </a:effectRef>
+          <a:fontRef idx="minor">
+            <a:schemeClr val="lt1"/>
+          </a:fontRef>
+        </p:style>
+        <p:txBody>
+          <a:bodyPr rtlCol="0" anchor="ctr"/>
+          <a:lstStyle/>
+          <a:p>
+            <a:pPr algn="ctr"/>
+            <a:endParaRPr lang="en-US"/>
+          </a:p>
+        </p:txBody>
+      </p:sp>
+      <p:sp>
+        <p:nvSpPr>
+          <p:cNvPr id="10" name="矩形 9"/>
+          <p:cNvSpPr/>
+          <p:nvPr/>
+        </p:nvSpPr>
+        <p:spPr>
+          <a:xfrm>
+            <a:off x="912709" y="3525027"/>
+            <a:ext cx="1685019" cy="605701"/>
+          </a:xfrm>
+          <a:prstGeom prst="rect">
+            <a:avLst/>
+          </a:prstGeom>
+          <a:solidFill>
+            <a:srgbClr val="FF5722"/>
+          </a:solidFill>
+          <a:ln>
+            <a:noFill/>
+          </a:ln>
+          <a:effectLst>
+            <a:outerShdw blurRad="50800" dist="38100" dir="5400000" algn="t" rotWithShape="0">
+              <a:prstClr val="black">
+                <a:alpha val="40000"/>
+              </a:prstClr>
+            </a:outerShdw>
+          </a:effectLst>
+        </p:spPr>
+        <p:style>
+          <a:lnRef idx="2">
+            <a:schemeClr val="accent1">
+              <a:shade val="50000"/>
+            </a:schemeClr>
+          </a:lnRef>
+          <a:fillRef idx="1">
+            <a:schemeClr val="accent1"/>
+          </a:fillRef>
+          <a:effectRef idx="0">
+            <a:schemeClr val="accent1"/>
+          </a:effectRef>
+          <a:fontRef idx="minor">
+            <a:schemeClr val="lt1"/>
+          </a:fontRef>
+        </p:style>
+        <p:txBody>
+          <a:bodyPr rtlCol="0" anchor="ctr"/>
+          <a:lstStyle/>
+          <a:p>
+            <a:pPr algn="ctr"/>
+            <a:endParaRPr lang="en-US"/>
+          </a:p>
+        </p:txBody>
+      </p:sp>
+      <p:sp>
+        <p:nvSpPr>
+          <p:cNvPr id="11" name="矩形 10"/>
+          <p:cNvSpPr/>
+          <p:nvPr/>
+        </p:nvSpPr>
+        <p:spPr>
+          <a:xfrm>
+            <a:off x="912707" y="4837104"/>
+            <a:ext cx="1685019" cy="605701"/>
+          </a:xfrm>
+          <a:prstGeom prst="rect">
+            <a:avLst/>
+          </a:prstGeom>
+          <a:solidFill>
+            <a:srgbClr val="FF5722"/>
+          </a:solidFill>
+          <a:ln>
+            <a:noFill/>
+          </a:ln>
+          <a:effectLst>
+            <a:outerShdw blurRad="50800" dist="38100" dir="5400000" algn="t" rotWithShape="0">
+              <a:prstClr val="black">
+                <a:alpha val="40000"/>
+              </a:prstClr>
+            </a:outerShdw>
+          </a:effectLst>
+        </p:spPr>
+        <p:style>
+          <a:lnRef idx="2">
+            <a:schemeClr val="accent1">
+              <a:shade val="50000"/>
+            </a:schemeClr>
+          </a:lnRef>
+          <a:fillRef idx="1">
+            <a:schemeClr val="accent1"/>
+          </a:fillRef>
+          <a:effectRef idx="0">
+            <a:schemeClr val="accent1"/>
+          </a:effectRef>
+          <a:fontRef idx="minor">
+            <a:schemeClr val="lt1"/>
+          </a:fontRef>
+        </p:style>
+        <p:txBody>
+          <a:bodyPr rtlCol="0" anchor="ctr"/>
+          <a:lstStyle/>
+          <a:p>
+            <a:pPr algn="ctr"/>
+            <a:endParaRPr lang="en-US"/>
+          </a:p>
+        </p:txBody>
+      </p:sp>
+      <p:pic>
+        <p:nvPicPr>
+          <p:cNvPr id="12" name="图片 11"/>
+          <p:cNvPicPr>
+            <a:picLocks noChangeAspect="1"/>
+          </p:cNvPicPr>
+          <p:nvPr/>
+        </p:nvPicPr>
+        <p:blipFill>
+          <a:blip r:embed="rId2">
+            <a:extLst>
+              <a:ext uri="{28A0092B-C50C-407E-A947-70E740481C1C}">
+                <a14:useLocalDpi xmlns:a14="http://schemas.microsoft.com/office/drawing/2010/main" val="0"/>
+              </a:ext>
+            </a:extLst>
+          </a:blip>
+          <a:stretch>
+            <a:fillRect/>
+          </a:stretch>
+        </p:blipFill>
+        <p:spPr>
+          <a:xfrm>
+            <a:off x="1201968" y="4959954"/>
+            <a:ext cx="360000" cy="360000"/>
+          </a:xfrm>
+          <a:prstGeom prst="rect">
+            <a:avLst/>
+          </a:prstGeom>
+        </p:spPr>
+      </p:pic>
+      <p:pic>
+        <p:nvPicPr>
+          <p:cNvPr id="13" name="图片 12"/>
+          <p:cNvPicPr>
+            <a:picLocks noChangeAspect="1"/>
+          </p:cNvPicPr>
+          <p:nvPr/>
+        </p:nvPicPr>
+        <p:blipFill>
+          <a:blip r:embed="rId3">
+            <a:extLst>
+              <a:ext uri="{28A0092B-C50C-407E-A947-70E740481C1C}">
+                <a14:useLocalDpi xmlns:a14="http://schemas.microsoft.com/office/drawing/2010/main" val="0"/>
+              </a:ext>
+            </a:extLst>
+          </a:blip>
+          <a:stretch>
+            <a:fillRect/>
+          </a:stretch>
+        </p:blipFill>
+        <p:spPr>
+          <a:xfrm>
+            <a:off x="1201968" y="2339831"/>
+            <a:ext cx="360000" cy="360000"/>
+          </a:xfrm>
+          <a:prstGeom prst="rect">
+            <a:avLst/>
+          </a:prstGeom>
+        </p:spPr>
+      </p:pic>
+      <p:pic>
+        <p:nvPicPr>
+          <p:cNvPr id="14" name="图片 13"/>
+          <p:cNvPicPr>
+            <a:picLocks noChangeAspect="1"/>
+          </p:cNvPicPr>
+          <p:nvPr/>
+        </p:nvPicPr>
+        <p:blipFill>
+          <a:blip r:embed="rId4">
+            <a:extLst>
+              <a:ext uri="{28A0092B-C50C-407E-A947-70E740481C1C}">
+                <a14:useLocalDpi xmlns:a14="http://schemas.microsoft.com/office/drawing/2010/main" val="0"/>
+              </a:ext>
+            </a:extLst>
+          </a:blip>
+          <a:stretch>
+            <a:fillRect/>
+          </a:stretch>
+        </p:blipFill>
+        <p:spPr>
+          <a:xfrm>
+            <a:off x="1201968" y="3662528"/>
+            <a:ext cx="360000" cy="360000"/>
+          </a:xfrm>
+          <a:prstGeom prst="rect">
+            <a:avLst/>
+          </a:prstGeom>
+        </p:spPr>
+      </p:pic>
+      <p:sp>
+        <p:nvSpPr>
+          <p:cNvPr id="16" name="矩形 15"/>
+          <p:cNvSpPr/>
+          <p:nvPr/>
+        </p:nvSpPr>
+        <p:spPr>
+          <a:xfrm>
+            <a:off x="1660139" y="2315744"/>
+            <a:ext cx="697627" cy="400110"/>
+          </a:xfrm>
+          <a:prstGeom prst="rect">
+            <a:avLst/>
+          </a:prstGeom>
+        </p:spPr>
+        <p:txBody>
+          <a:bodyPr wrap="none">
+            <a:spAutoFit/>
+          </a:bodyPr>
+          <a:lstStyle/>
+          <a:p>
+            <a:r>
+              <a:rPr lang="zh-CN" altLang="en-US" sz="2000" dirty="0" smtClean="0">
+                <a:latin typeface="Noto Sans S Chinese DemiLight" panose="020B0400000000000000" pitchFamily="34" charset="-122"/>
+                <a:ea typeface="Noto Sans S Chinese DemiLight" panose="020B0400000000000000" pitchFamily="34" charset="-122"/>
+              </a:rPr>
+              <a:t>目标</a:t>
+            </a:r>
+            <a:endParaRPr lang="en-US" sz="2000" dirty="0">
+              <a:latin typeface="Noto Sans S Chinese DemiLight" panose="020B0400000000000000" pitchFamily="34" charset="-122"/>
+              <a:ea typeface="Noto Sans S Chinese DemiLight" panose="020B0400000000000000" pitchFamily="34" charset="-122"/>
+            </a:endParaRPr>
+          </a:p>
+        </p:txBody>
+      </p:sp>
+      <p:sp>
+        <p:nvSpPr>
+          <p:cNvPr id="17" name="矩形 16"/>
+          <p:cNvSpPr/>
+          <p:nvPr/>
+        </p:nvSpPr>
+        <p:spPr>
+          <a:xfrm>
+            <a:off x="1660139" y="3628748"/>
+            <a:ext cx="697627" cy="400110"/>
+          </a:xfrm>
+          <a:prstGeom prst="rect">
+            <a:avLst/>
+          </a:prstGeom>
+        </p:spPr>
+        <p:txBody>
+          <a:bodyPr wrap="none">
+            <a:spAutoFit/>
+          </a:bodyPr>
+          <a:lstStyle/>
+          <a:p>
+            <a:r>
+              <a:rPr lang="zh-CN" altLang="en-US" sz="2000" dirty="0" smtClean="0">
+                <a:latin typeface="Noto Sans S Chinese DemiLight" panose="020B0400000000000000" pitchFamily="34" charset="-122"/>
+                <a:ea typeface="Noto Sans S Chinese DemiLight" panose="020B0400000000000000" pitchFamily="34" charset="-122"/>
+              </a:rPr>
+              <a:t>分析</a:t>
+            </a:r>
+            <a:endParaRPr lang="en-US" sz="2000" dirty="0">
+              <a:latin typeface="Noto Sans S Chinese DemiLight" panose="020B0400000000000000" pitchFamily="34" charset="-122"/>
+              <a:ea typeface="Noto Sans S Chinese DemiLight" panose="020B0400000000000000" pitchFamily="34" charset="-122"/>
+            </a:endParaRPr>
+          </a:p>
+        </p:txBody>
+      </p:sp>
+      <p:sp>
+        <p:nvSpPr>
+          <p:cNvPr id="18" name="矩形 17"/>
+          <p:cNvSpPr/>
+          <p:nvPr/>
+        </p:nvSpPr>
+        <p:spPr>
+          <a:xfrm>
+            <a:off x="1660139" y="4937812"/>
+            <a:ext cx="697627" cy="400110"/>
+          </a:xfrm>
+          <a:prstGeom prst="rect">
+            <a:avLst/>
+          </a:prstGeom>
+        </p:spPr>
+        <p:txBody>
+          <a:bodyPr wrap="none">
+            <a:spAutoFit/>
+          </a:bodyPr>
+          <a:lstStyle/>
+          <a:p>
+            <a:r>
+              <a:rPr lang="zh-CN" altLang="en-US" sz="2000" dirty="0" smtClean="0">
+                <a:latin typeface="Noto Sans S Chinese DemiLight" panose="020B0400000000000000" pitchFamily="34" charset="-122"/>
+                <a:ea typeface="Noto Sans S Chinese DemiLight" panose="020B0400000000000000" pitchFamily="34" charset="-122"/>
+              </a:rPr>
+              <a:t>构建</a:t>
+            </a:r>
+            <a:endParaRPr lang="en-US" sz="2000" dirty="0">
+              <a:latin typeface="Noto Sans S Chinese DemiLight" panose="020B0400000000000000" pitchFamily="34" charset="-122"/>
+              <a:ea typeface="Noto Sans S Chinese DemiLight" panose="020B0400000000000000" pitchFamily="34" charset="-122"/>
+            </a:endParaRPr>
+          </a:p>
+        </p:txBody>
+      </p:sp>
     </p:spTree>
     <p:extLst>
       <p:ext uri="{BB962C8B-B14F-4D97-AF65-F5344CB8AC3E}">
-        <p14:creationId xmlns:p14="http://schemas.microsoft.com/office/powerpoint/2010/main" val="3610414665"/>
+        <p14:creationId xmlns:p14="http://schemas.microsoft.com/office/powerpoint/2010/main" val="4081306712"/>
       </p:ext>
     </p:extLst>
   </p:cSld>
@@ -6121,10 +9499,93 @@
           </a:p>
         </p:txBody>
       </p:sp>
+      <p:sp>
+        <p:nvSpPr>
+          <p:cNvPr id="19" name="矩形 18"/>
+          <p:cNvSpPr/>
+          <p:nvPr/>
+        </p:nvSpPr>
+        <p:spPr>
+          <a:xfrm>
+            <a:off x="368133" y="1449529"/>
+            <a:ext cx="8354291" cy="4842165"/>
+          </a:xfrm>
+          <a:prstGeom prst="rect">
+            <a:avLst/>
+          </a:prstGeom>
+          <a:solidFill>
+            <a:schemeClr val="bg1"/>
+          </a:solidFill>
+          <a:ln>
+            <a:noFill/>
+          </a:ln>
+          <a:effectLst>
+            <a:outerShdw blurRad="50800" dist="38100" dir="5400000" algn="t" rotWithShape="0">
+              <a:prstClr val="black">
+                <a:alpha val="40000"/>
+              </a:prstClr>
+            </a:outerShdw>
+          </a:effectLst>
+        </p:spPr>
+        <p:style>
+          <a:lnRef idx="2">
+            <a:schemeClr val="accent1">
+              <a:shade val="50000"/>
+            </a:schemeClr>
+          </a:lnRef>
+          <a:fillRef idx="1">
+            <a:schemeClr val="accent1"/>
+          </a:fillRef>
+          <a:effectRef idx="0">
+            <a:schemeClr val="accent1"/>
+          </a:effectRef>
+          <a:fontRef idx="minor">
+            <a:schemeClr val="lt1"/>
+          </a:fontRef>
+        </p:style>
+        <p:txBody>
+          <a:bodyPr rtlCol="0" anchor="ctr"/>
+          <a:lstStyle/>
+          <a:p>
+            <a:pPr algn="ctr"/>
+            <a:endParaRPr lang="en-US"/>
+          </a:p>
+        </p:txBody>
+      </p:sp>
+      <p:pic>
+        <p:nvPicPr>
+          <p:cNvPr id="20" name="图片 19"/>
+          <p:cNvPicPr>
+            <a:picLocks noChangeAspect="1"/>
+          </p:cNvPicPr>
+          <p:nvPr/>
+        </p:nvPicPr>
+        <p:blipFill>
+          <a:blip r:embed="rId2" cstate="print">
+            <a:extLst>
+              <a:ext uri="{28A0092B-C50C-407E-A947-70E740481C1C}">
+                <a14:useLocalDpi xmlns:a14="http://schemas.microsoft.com/office/drawing/2010/main" val="0"/>
+              </a:ext>
+            </a:extLst>
+          </a:blip>
+          <a:stretch>
+            <a:fillRect/>
+          </a:stretch>
+        </p:blipFill>
+        <p:spPr>
+          <a:xfrm>
+            <a:off x="398579" y="1449529"/>
+            <a:ext cx="8346842" cy="4842165"/>
+          </a:xfrm>
+          <a:prstGeom prst="rect">
+            <a:avLst/>
+          </a:prstGeom>
+        </p:spPr>
+      </p:pic>
     </p:spTree>
     <p:extLst>
       <p:ext uri="{BB962C8B-B14F-4D97-AF65-F5344CB8AC3E}">
-        <p14:creationId xmlns:p14="http://schemas.microsoft.com/office/powerpoint/2010/main" val="4081306712"/>
+        <p14:creationId xmlns:p14="http://schemas.microsoft.com/office/powerpoint/2010/main" val="1124299651"/>
       </p:ext>
     </p:extLst>
   </p:cSld>
@@ -6160,14 +9621,14 @@
       </p:grpSpPr>
       <p:sp>
         <p:nvSpPr>
-          <p:cNvPr id="9" name="矩形 8"/>
+          <p:cNvPr id="4" name="矩形 3"/>
           <p:cNvSpPr/>
           <p:nvPr/>
         </p:nvSpPr>
         <p:spPr>
           <a:xfrm>
             <a:off x="0" y="0"/>
-            <a:ext cx="9144000" cy="3875877"/>
+            <a:ext cx="9144000" cy="760021"/>
           </a:xfrm>
           <a:prstGeom prst="rect">
             <a:avLst/>
@@ -6219,8 +9680,8 @@
         </p:nvSpPr>
         <p:spPr>
           <a:xfrm>
-            <a:off x="2380982" y="2966783"/>
-            <a:ext cx="4382036" cy="923330"/>
+            <a:off x="370696" y="118400"/>
+            <a:ext cx="1662546" cy="523220"/>
           </a:xfrm>
           <a:prstGeom prst="rect">
             <a:avLst/>
@@ -6235,63 +9696,547 @@
           <a:p>
             <a:pPr algn="ctr"/>
             <a:r>
-              <a:rPr lang="zh-CN" altLang="en-US" sz="5400" dirty="0" smtClean="0">
+              <a:rPr lang="zh-CN" altLang="en-US" sz="2800" dirty="0" smtClean="0">
                 <a:solidFill>
                   <a:schemeClr val="bg1"/>
                 </a:solidFill>
-                <a:latin typeface="Noto Sans S Chinese DemiLight" panose="020B0400000000000000" pitchFamily="34" charset="-122"/>
-                <a:ea typeface="Noto Sans S Chinese DemiLight" panose="020B0400000000000000" pitchFamily="34" charset="-122"/>
-              </a:rPr>
-              <a:t>感谢聆听</a:t>
-            </a:r>
-            <a:endParaRPr lang="en-US" sz="5400" dirty="0">
+                <a:latin typeface="Noto Sans S Chinese Medium" panose="020B0600000000000000" pitchFamily="34" charset="-122"/>
+                <a:ea typeface="Noto Sans S Chinese Medium" panose="020B0600000000000000" pitchFamily="34" charset="-122"/>
+              </a:rPr>
+              <a:t>数据备份</a:t>
+            </a:r>
+            <a:endParaRPr lang="en-US" sz="2800" dirty="0">
               <a:solidFill>
                 <a:schemeClr val="bg1"/>
               </a:solidFill>
+              <a:latin typeface="Noto Sans S Chinese Medium" panose="020B0600000000000000" pitchFamily="34" charset="-122"/>
+              <a:ea typeface="Noto Sans S Chinese Medium" panose="020B0600000000000000" pitchFamily="34" charset="-122"/>
+            </a:endParaRPr>
+          </a:p>
+        </p:txBody>
+      </p:sp>
+      <p:sp>
+        <p:nvSpPr>
+          <p:cNvPr id="5" name="圆角矩形 4"/>
+          <p:cNvSpPr/>
+          <p:nvPr/>
+        </p:nvSpPr>
+        <p:spPr>
+          <a:xfrm>
+            <a:off x="912709" y="1363336"/>
+            <a:ext cx="7318577" cy="4642609"/>
+          </a:xfrm>
+          <a:prstGeom prst="roundRect">
+            <a:avLst>
+              <a:gd name="adj" fmla="val 602"/>
+            </a:avLst>
+          </a:prstGeom>
+          <a:solidFill>
+            <a:schemeClr val="bg1">
+              <a:lumMod val="95000"/>
+            </a:schemeClr>
+          </a:solidFill>
+          <a:ln>
+            <a:noFill/>
+          </a:ln>
+          <a:effectLst>
+            <a:outerShdw blurRad="127000" dist="50800" dir="5400000" algn="t" rotWithShape="0">
+              <a:prstClr val="black">
+                <a:alpha val="35000"/>
+              </a:prstClr>
+            </a:outerShdw>
+          </a:effectLst>
+        </p:spPr>
+        <p:style>
+          <a:lnRef idx="2">
+            <a:schemeClr val="accent1">
+              <a:shade val="50000"/>
+            </a:schemeClr>
+          </a:lnRef>
+          <a:fillRef idx="1">
+            <a:schemeClr val="accent1"/>
+          </a:fillRef>
+          <a:effectRef idx="0">
+            <a:schemeClr val="accent1"/>
+          </a:effectRef>
+          <a:fontRef idx="minor">
+            <a:schemeClr val="lt1"/>
+          </a:fontRef>
+        </p:style>
+        <p:txBody>
+          <a:bodyPr rtlCol="0" anchor="ctr"/>
+          <a:lstStyle/>
+          <a:p>
+            <a:pPr algn="ctr"/>
+            <a:endParaRPr lang="zh-CN" altLang="en-US"/>
+          </a:p>
+        </p:txBody>
+      </p:sp>
+      <p:sp>
+        <p:nvSpPr>
+          <p:cNvPr id="7" name="矩形 6"/>
+          <p:cNvSpPr/>
+          <p:nvPr/>
+        </p:nvSpPr>
+        <p:spPr>
+          <a:xfrm>
+            <a:off x="912708" y="1363336"/>
+            <a:ext cx="7318577" cy="700291"/>
+          </a:xfrm>
+          <a:prstGeom prst="rect">
+            <a:avLst/>
+          </a:prstGeom>
+          <a:solidFill>
+            <a:srgbClr val="FF5722"/>
+          </a:solidFill>
+          <a:ln>
+            <a:noFill/>
+          </a:ln>
+          <a:effectLst>
+            <a:outerShdw blurRad="50800" dist="38100" dir="5400000" algn="t" rotWithShape="0">
+              <a:prstClr val="black">
+                <a:alpha val="40000"/>
+              </a:prstClr>
+            </a:outerShdw>
+          </a:effectLst>
+        </p:spPr>
+        <p:style>
+          <a:lnRef idx="2">
+            <a:schemeClr val="accent1">
+              <a:shade val="50000"/>
+            </a:schemeClr>
+          </a:lnRef>
+          <a:fillRef idx="1">
+            <a:schemeClr val="accent1"/>
+          </a:fillRef>
+          <a:effectRef idx="0">
+            <a:schemeClr val="accent1"/>
+          </a:effectRef>
+          <a:fontRef idx="minor">
+            <a:schemeClr val="lt1"/>
+          </a:fontRef>
+        </p:style>
+        <p:txBody>
+          <a:bodyPr rtlCol="0" anchor="ctr"/>
+          <a:lstStyle/>
+          <a:p>
+            <a:pPr algn="ctr"/>
+            <a:endParaRPr lang="en-US"/>
+          </a:p>
+        </p:txBody>
+      </p:sp>
+      <p:sp>
+        <p:nvSpPr>
+          <p:cNvPr id="2" name="矩形 1"/>
+          <p:cNvSpPr/>
+          <p:nvPr/>
+        </p:nvSpPr>
+        <p:spPr>
+          <a:xfrm>
+            <a:off x="1422419" y="2412724"/>
+            <a:ext cx="1210588" cy="400110"/>
+          </a:xfrm>
+          <a:prstGeom prst="rect">
+            <a:avLst/>
+          </a:prstGeom>
+        </p:spPr>
+        <p:txBody>
+          <a:bodyPr wrap="none">
+            <a:spAutoFit/>
+          </a:bodyPr>
+          <a:lstStyle/>
+          <a:p>
+            <a:r>
+              <a:rPr lang="zh-CN" altLang="en-US" sz="2000" dirty="0">
+                <a:latin typeface="Noto Sans S Chinese DemiLight" panose="020B0400000000000000" pitchFamily="34" charset="-122"/>
+                <a:ea typeface="Noto Sans S Chinese DemiLight" panose="020B0400000000000000" pitchFamily="34" charset="-122"/>
+                <a:cs typeface="Times New Roman" panose="02020603050405020304" pitchFamily="18" charset="0"/>
+              </a:rPr>
+              <a:t>增量备份</a:t>
+            </a:r>
+            <a:endParaRPr lang="en-US" sz="2000" dirty="0">
               <a:latin typeface="Noto Sans S Chinese DemiLight" panose="020B0400000000000000" pitchFamily="34" charset="-122"/>
               <a:ea typeface="Noto Sans S Chinese DemiLight" panose="020B0400000000000000" pitchFamily="34" charset="-122"/>
             </a:endParaRPr>
           </a:p>
         </p:txBody>
       </p:sp>
-      <p:pic>
-        <p:nvPicPr>
-          <p:cNvPr id="4" name="图片 3"/>
-          <p:cNvPicPr>
-            <a:picLocks noChangeAspect="1"/>
-          </p:cNvPicPr>
-          <p:nvPr/>
-        </p:nvPicPr>
-        <p:blipFill rotWithShape="1">
-          <a:blip r:embed="rId2" cstate="print">
-            <a:extLst>
-              <a:ext uri="{28A0092B-C50C-407E-A947-70E740481C1C}">
-                <a14:useLocalDpi xmlns:a14="http://schemas.microsoft.com/office/drawing/2010/main" val="0"/>
-              </a:ext>
-            </a:extLst>
-          </a:blip>
-          <a:srcRect l="37709" t="-6" r="-80" b="-6"/>
-          <a:stretch/>
-        </p:blipFill>
-        <p:spPr>
-          <a:xfrm>
-            <a:off x="3929836" y="4214651"/>
-            <a:ext cx="1284328" cy="1244109"/>
-          </a:xfrm>
-          <a:prstGeom prst="ellipse">
-            <a:avLst/>
-          </a:prstGeom>
-          <a:noFill/>
-          <a:ln>
-            <a:noFill/>
-          </a:ln>
-          <a:effectLst/>
-        </p:spPr>
-      </p:pic>
+      <p:sp>
+        <p:nvSpPr>
+          <p:cNvPr id="8" name="矩形 7"/>
+          <p:cNvSpPr/>
+          <p:nvPr/>
+        </p:nvSpPr>
+        <p:spPr>
+          <a:xfrm>
+            <a:off x="1736578" y="3181164"/>
+            <a:ext cx="2723823" cy="369332"/>
+          </a:xfrm>
+          <a:prstGeom prst="rect">
+            <a:avLst/>
+          </a:prstGeom>
+        </p:spPr>
+        <p:txBody>
+          <a:bodyPr wrap="none">
+            <a:spAutoFit/>
+          </a:bodyPr>
+          <a:lstStyle/>
+          <a:p>
+            <a:r>
+              <a:rPr lang="zh-CN" altLang="en-US" dirty="0" smtClean="0">
+                <a:latin typeface="Noto Sans S Chinese Light" panose="020B0300000000000000" pitchFamily="34" charset="-122"/>
+                <a:ea typeface="Noto Sans S Chinese Light" panose="020B0300000000000000" pitchFamily="34" charset="-122"/>
+                <a:cs typeface="Times New Roman" panose="02020603050405020304" pitchFamily="18" charset="0"/>
+              </a:rPr>
+              <a:t>所</a:t>
+            </a:r>
+            <a:r>
+              <a:rPr lang="zh-CN" altLang="en-US" dirty="0">
+                <a:latin typeface="Noto Sans S Chinese Light" panose="020B0300000000000000" pitchFamily="34" charset="-122"/>
+                <a:ea typeface="Noto Sans S Chinese Light" panose="020B0300000000000000" pitchFamily="34" charset="-122"/>
+                <a:cs typeface="Times New Roman" panose="02020603050405020304" pitchFamily="18" charset="0"/>
+              </a:rPr>
+              <a:t>需</a:t>
+            </a:r>
+            <a:r>
+              <a:rPr lang="zh-CN" altLang="en-US" dirty="0" smtClean="0">
+                <a:latin typeface="Noto Sans S Chinese Light" panose="020B0300000000000000" pitchFamily="34" charset="-122"/>
+                <a:ea typeface="Noto Sans S Chinese Light" panose="020B0300000000000000" pitchFamily="34" charset="-122"/>
+                <a:cs typeface="Times New Roman" panose="02020603050405020304" pitchFamily="18" charset="0"/>
+              </a:rPr>
+              <a:t>时间、存储空间更</a:t>
+            </a:r>
+            <a:r>
+              <a:rPr lang="zh-CN" altLang="en-US" dirty="0">
+                <a:latin typeface="Noto Sans S Chinese Light" panose="020B0300000000000000" pitchFamily="34" charset="-122"/>
+                <a:ea typeface="Noto Sans S Chinese Light" panose="020B0300000000000000" pitchFamily="34" charset="-122"/>
+                <a:cs typeface="Times New Roman" panose="02020603050405020304" pitchFamily="18" charset="0"/>
+              </a:rPr>
+              <a:t>少</a:t>
+            </a:r>
+            <a:endParaRPr lang="en-US" dirty="0">
+              <a:latin typeface="Noto Sans S Chinese Light" panose="020B0300000000000000" pitchFamily="34" charset="-122"/>
+              <a:ea typeface="Noto Sans S Chinese Light" panose="020B0300000000000000" pitchFamily="34" charset="-122"/>
+            </a:endParaRPr>
+          </a:p>
+        </p:txBody>
+      </p:sp>
+      <p:sp>
+        <p:nvSpPr>
+          <p:cNvPr id="9" name="矩形 8"/>
+          <p:cNvSpPr/>
+          <p:nvPr/>
+        </p:nvSpPr>
+        <p:spPr>
+          <a:xfrm>
+            <a:off x="1359226" y="3668600"/>
+            <a:ext cx="1210588" cy="400110"/>
+          </a:xfrm>
+          <a:prstGeom prst="rect">
+            <a:avLst/>
+          </a:prstGeom>
+        </p:spPr>
+        <p:txBody>
+          <a:bodyPr wrap="none">
+            <a:spAutoFit/>
+          </a:bodyPr>
+          <a:lstStyle/>
+          <a:p>
+            <a:r>
+              <a:rPr lang="zh-CN" altLang="en-US" sz="2000" dirty="0">
+                <a:latin typeface="Noto Sans S Chinese DemiLight" panose="020B0400000000000000" pitchFamily="34" charset="-122"/>
+                <a:ea typeface="Noto Sans S Chinese DemiLight" panose="020B0400000000000000" pitchFamily="34" charset="-122"/>
+                <a:cs typeface="Times New Roman" panose="02020603050405020304" pitchFamily="18" charset="0"/>
+              </a:rPr>
+              <a:t>磁带备份</a:t>
+            </a:r>
+            <a:endParaRPr lang="en-US" sz="2000" dirty="0">
+              <a:latin typeface="Noto Sans S Chinese DemiLight" panose="020B0400000000000000" pitchFamily="34" charset="-122"/>
+              <a:ea typeface="Noto Sans S Chinese DemiLight" panose="020B0400000000000000" pitchFamily="34" charset="-122"/>
+              <a:cs typeface="Times New Roman" panose="02020603050405020304" pitchFamily="18" charset="0"/>
+            </a:endParaRPr>
+          </a:p>
+        </p:txBody>
+      </p:sp>
+      <p:grpSp>
+        <p:nvGrpSpPr>
+          <p:cNvPr id="13" name="组合 12"/>
+          <p:cNvGrpSpPr/>
+          <p:nvPr/>
+        </p:nvGrpSpPr>
+        <p:grpSpPr>
+          <a:xfrm>
+            <a:off x="6802981" y="1799870"/>
+            <a:ext cx="619408" cy="620873"/>
+            <a:chOff x="1978915" y="1749825"/>
+            <a:chExt cx="619408" cy="620873"/>
+          </a:xfrm>
+        </p:grpSpPr>
+        <p:sp>
+          <p:nvSpPr>
+            <p:cNvPr id="12" name="椭圆 11"/>
+            <p:cNvSpPr/>
+            <p:nvPr/>
+          </p:nvSpPr>
+          <p:spPr>
+            <a:xfrm>
+              <a:off x="1978916" y="1749825"/>
+              <a:ext cx="619407" cy="619407"/>
+            </a:xfrm>
+            <a:prstGeom prst="ellipse">
+              <a:avLst/>
+            </a:prstGeom>
+            <a:solidFill>
+              <a:srgbClr val="0090D7"/>
+            </a:solidFill>
+            <a:ln>
+              <a:noFill/>
+            </a:ln>
+            <a:effectLst>
+              <a:outerShdw blurRad="63500" sx="108000" sy="108000" algn="ctr" rotWithShape="0">
+                <a:prstClr val="black">
+                  <a:alpha val="40000"/>
+                </a:prstClr>
+              </a:outerShdw>
+            </a:effectLst>
+          </p:spPr>
+          <p:style>
+            <a:lnRef idx="2">
+              <a:schemeClr val="accent1">
+                <a:shade val="50000"/>
+              </a:schemeClr>
+            </a:lnRef>
+            <a:fillRef idx="1">
+              <a:schemeClr val="accent1"/>
+            </a:fillRef>
+            <a:effectRef idx="0">
+              <a:schemeClr val="accent1"/>
+            </a:effectRef>
+            <a:fontRef idx="minor">
+              <a:schemeClr val="lt1"/>
+            </a:fontRef>
+          </p:style>
+          <p:txBody>
+            <a:bodyPr rtlCol="0" anchor="ctr"/>
+            <a:lstStyle/>
+            <a:p>
+              <a:pPr algn="ctr"/>
+              <a:endParaRPr lang="en-US" sz="2800" dirty="0">
+                <a:latin typeface="Noto Sans S Chinese Thin" panose="020B0200000000000000" pitchFamily="34" charset="-122"/>
+                <a:ea typeface="Noto Sans S Chinese Thin" panose="020B0200000000000000" pitchFamily="34" charset="-122"/>
+              </a:endParaRPr>
+            </a:p>
+          </p:txBody>
+        </p:sp>
+        <p:pic>
+          <p:nvPicPr>
+            <p:cNvPr id="11" name="图片 10"/>
+            <p:cNvPicPr>
+              <a:picLocks noChangeAspect="1"/>
+            </p:cNvPicPr>
+            <p:nvPr/>
+          </p:nvPicPr>
+          <p:blipFill>
+            <a:blip r:embed="rId2"/>
+            <a:stretch>
+              <a:fillRect/>
+            </a:stretch>
+          </p:blipFill>
+          <p:spPr>
+            <a:xfrm>
+              <a:off x="1978915" y="1749825"/>
+              <a:ext cx="619408" cy="620873"/>
+            </a:xfrm>
+            <a:prstGeom prst="rect">
+              <a:avLst/>
+            </a:prstGeom>
+          </p:spPr>
+        </p:pic>
+      </p:grpSp>
+      <p:sp>
+        <p:nvSpPr>
+          <p:cNvPr id="14" name="矩形 13"/>
+          <p:cNvSpPr/>
+          <p:nvPr/>
+        </p:nvSpPr>
+        <p:spPr>
+          <a:xfrm>
+            <a:off x="1736578" y="2817176"/>
+            <a:ext cx="4108817" cy="369332"/>
+          </a:xfrm>
+          <a:prstGeom prst="rect">
+            <a:avLst/>
+          </a:prstGeom>
+        </p:spPr>
+        <p:txBody>
+          <a:bodyPr wrap="none">
+            <a:spAutoFit/>
+          </a:bodyPr>
+          <a:lstStyle/>
+          <a:p>
+            <a:r>
+              <a:rPr lang="zh-CN" altLang="en-US" dirty="0" smtClean="0">
+                <a:latin typeface="Noto Sans S Chinese Light" panose="020B0300000000000000" pitchFamily="34" charset="-122"/>
+                <a:ea typeface="Noto Sans S Chinese Light" panose="020B0300000000000000" pitchFamily="34" charset="-122"/>
+                <a:cs typeface="Times New Roman" panose="02020603050405020304" pitchFamily="18" charset="0"/>
+              </a:rPr>
+              <a:t>数据量非常庞大，完全备份开销过大。</a:t>
+            </a:r>
+            <a:endParaRPr lang="en-US" dirty="0">
+              <a:latin typeface="Noto Sans S Chinese Light" panose="020B0300000000000000" pitchFamily="34" charset="-122"/>
+              <a:ea typeface="Noto Sans S Chinese Light" panose="020B0300000000000000" pitchFamily="34" charset="-122"/>
+            </a:endParaRPr>
+          </a:p>
+        </p:txBody>
+      </p:sp>
+      <p:sp>
+        <p:nvSpPr>
+          <p:cNvPr id="15" name="矩形 14"/>
+          <p:cNvSpPr/>
+          <p:nvPr/>
+        </p:nvSpPr>
+        <p:spPr>
+          <a:xfrm>
+            <a:off x="1730521" y="4434656"/>
+            <a:ext cx="1569660" cy="369332"/>
+          </a:xfrm>
+          <a:prstGeom prst="rect">
+            <a:avLst/>
+          </a:prstGeom>
+        </p:spPr>
+        <p:txBody>
+          <a:bodyPr wrap="none">
+            <a:spAutoFit/>
+          </a:bodyPr>
+          <a:lstStyle/>
+          <a:p>
+            <a:r>
+              <a:rPr lang="zh-CN" altLang="en-US" dirty="0" smtClean="0">
+                <a:latin typeface="Noto Sans S Chinese Light" panose="020B0300000000000000" pitchFamily="34" charset="-122"/>
+                <a:ea typeface="Noto Sans S Chinese Light" panose="020B0300000000000000" pitchFamily="34" charset="-122"/>
+                <a:cs typeface="Times New Roman" panose="02020603050405020304" pitchFamily="18" charset="0"/>
+              </a:rPr>
+              <a:t>成本相对较低</a:t>
+            </a:r>
+            <a:endParaRPr lang="en-US" dirty="0">
+              <a:latin typeface="Noto Sans S Chinese Light" panose="020B0300000000000000" pitchFamily="34" charset="-122"/>
+              <a:ea typeface="Noto Sans S Chinese Light" panose="020B0300000000000000" pitchFamily="34" charset="-122"/>
+            </a:endParaRPr>
+          </a:p>
+        </p:txBody>
+      </p:sp>
+      <p:sp>
+        <p:nvSpPr>
+          <p:cNvPr id="16" name="矩形 15"/>
+          <p:cNvSpPr/>
+          <p:nvPr/>
+        </p:nvSpPr>
+        <p:spPr>
+          <a:xfrm>
+            <a:off x="1736578" y="4060886"/>
+            <a:ext cx="2492990" cy="369332"/>
+          </a:xfrm>
+          <a:prstGeom prst="rect">
+            <a:avLst/>
+          </a:prstGeom>
+        </p:spPr>
+        <p:txBody>
+          <a:bodyPr wrap="none">
+            <a:spAutoFit/>
+          </a:bodyPr>
+          <a:lstStyle/>
+          <a:p>
+            <a:r>
+              <a:rPr lang="zh-CN" altLang="en-US" dirty="0" smtClean="0">
+                <a:latin typeface="Noto Sans S Chinese Light" panose="020B0300000000000000" pitchFamily="34" charset="-122"/>
+                <a:ea typeface="Noto Sans S Chinese Light" panose="020B0300000000000000" pitchFamily="34" charset="-122"/>
+                <a:cs typeface="Times New Roman" panose="02020603050405020304" pitchFamily="18" charset="0"/>
+              </a:rPr>
+              <a:t>可承受较长的恢复时间</a:t>
+            </a:r>
+            <a:endParaRPr lang="en-US" dirty="0">
+              <a:latin typeface="Noto Sans S Chinese Light" panose="020B0300000000000000" pitchFamily="34" charset="-122"/>
+              <a:ea typeface="Noto Sans S Chinese Light" panose="020B0300000000000000" pitchFamily="34" charset="-122"/>
+            </a:endParaRPr>
+          </a:p>
+        </p:txBody>
+      </p:sp>
+      <p:sp>
+        <p:nvSpPr>
+          <p:cNvPr id="17" name="矩形 16"/>
+          <p:cNvSpPr/>
+          <p:nvPr/>
+        </p:nvSpPr>
+        <p:spPr>
+          <a:xfrm>
+            <a:off x="1359226" y="4924476"/>
+            <a:ext cx="1210588" cy="400110"/>
+          </a:xfrm>
+          <a:prstGeom prst="rect">
+            <a:avLst/>
+          </a:prstGeom>
+        </p:spPr>
+        <p:txBody>
+          <a:bodyPr wrap="none">
+            <a:spAutoFit/>
+          </a:bodyPr>
+          <a:lstStyle/>
+          <a:p>
+            <a:r>
+              <a:rPr lang="zh-CN" altLang="en-US" sz="2000" dirty="0">
+                <a:latin typeface="Noto Sans S Chinese DemiLight" panose="020B0400000000000000" pitchFamily="34" charset="-122"/>
+                <a:ea typeface="Noto Sans S Chinese DemiLight" panose="020B0400000000000000" pitchFamily="34" charset="-122"/>
+                <a:cs typeface="Times New Roman" panose="02020603050405020304" pitchFamily="18" charset="0"/>
+              </a:rPr>
+              <a:t>灾难备份</a:t>
+            </a:r>
+            <a:endParaRPr lang="en-US" sz="2000" dirty="0">
+              <a:latin typeface="Noto Sans S Chinese DemiLight" panose="020B0400000000000000" pitchFamily="34" charset="-122"/>
+              <a:ea typeface="Noto Sans S Chinese DemiLight" panose="020B0400000000000000" pitchFamily="34" charset="-122"/>
+              <a:cs typeface="Times New Roman" panose="02020603050405020304" pitchFamily="18" charset="0"/>
+            </a:endParaRPr>
+          </a:p>
+        </p:txBody>
+      </p:sp>
+      <p:sp>
+        <p:nvSpPr>
+          <p:cNvPr id="18" name="矩形 17"/>
+          <p:cNvSpPr/>
+          <p:nvPr/>
+        </p:nvSpPr>
+        <p:spPr>
+          <a:xfrm>
+            <a:off x="1758242" y="5308941"/>
+            <a:ext cx="2723823" cy="369332"/>
+          </a:xfrm>
+          <a:prstGeom prst="rect">
+            <a:avLst/>
+          </a:prstGeom>
+        </p:spPr>
+        <p:txBody>
+          <a:bodyPr wrap="none">
+            <a:spAutoFit/>
+          </a:bodyPr>
+          <a:lstStyle/>
+          <a:p>
+            <a:r>
+              <a:rPr lang="zh-CN" altLang="en-US" dirty="0">
+                <a:latin typeface="Noto Sans S Chinese Light" panose="020B0300000000000000" pitchFamily="34" charset="-122"/>
+                <a:ea typeface="Noto Sans S Chinese Light" panose="020B0300000000000000" pitchFamily="34" charset="-122"/>
+              </a:rPr>
+              <a:t>两个处于异地的数据中心</a:t>
+            </a:r>
+            <a:endParaRPr lang="en-US" dirty="0">
+              <a:latin typeface="Noto Sans S Chinese Light" panose="020B0300000000000000" pitchFamily="34" charset="-122"/>
+              <a:ea typeface="Noto Sans S Chinese Light" panose="020B0300000000000000" pitchFamily="34" charset="-122"/>
+            </a:endParaRPr>
+          </a:p>
+        </p:txBody>
+      </p:sp>
     </p:spTree>
     <p:extLst>
       <p:ext uri="{BB962C8B-B14F-4D97-AF65-F5344CB8AC3E}">
-        <p14:creationId xmlns:p14="http://schemas.microsoft.com/office/powerpoint/2010/main" val="1687848406"/>
+        <p14:creationId xmlns:p14="http://schemas.microsoft.com/office/powerpoint/2010/main" val="3610414665"/>
       </p:ext>
     </p:extLst>
   </p:cSld>
@@ -6325,48 +10270,179 @@
           <a:chExt cx="0" cy="0"/>
         </a:xfrm>
       </p:grpSpPr>
+      <p:sp>
+        <p:nvSpPr>
+          <p:cNvPr id="4" name="矩形 3"/>
+          <p:cNvSpPr/>
+          <p:nvPr/>
+        </p:nvSpPr>
+        <p:spPr>
+          <a:xfrm>
+            <a:off x="0" y="0"/>
+            <a:ext cx="9144000" cy="760021"/>
+          </a:xfrm>
+          <a:prstGeom prst="rect">
+            <a:avLst/>
+          </a:prstGeom>
+          <a:solidFill>
+            <a:srgbClr val="01579B"/>
+          </a:solidFill>
+          <a:ln>
+            <a:noFill/>
+          </a:ln>
+          <a:effectLst>
+            <a:outerShdw blurRad="50800" dist="38100" dir="5400000" algn="t" rotWithShape="0">
+              <a:prstClr val="black">
+                <a:alpha val="40000"/>
+              </a:prstClr>
+            </a:outerShdw>
+          </a:effectLst>
+        </p:spPr>
+        <p:style>
+          <a:lnRef idx="2">
+            <a:schemeClr val="accent1">
+              <a:shade val="50000"/>
+            </a:schemeClr>
+          </a:lnRef>
+          <a:fillRef idx="1">
+            <a:schemeClr val="accent1"/>
+          </a:fillRef>
+          <a:effectRef idx="0">
+            <a:schemeClr val="accent1"/>
+          </a:effectRef>
+          <a:fontRef idx="minor">
+            <a:schemeClr val="lt1"/>
+          </a:fontRef>
+        </p:style>
+        <p:txBody>
+          <a:bodyPr rtlCol="0" anchor="ctr"/>
+          <a:lstStyle/>
+          <a:p>
+            <a:pPr algn="ctr"/>
+            <a:endParaRPr lang="en-US"/>
+          </a:p>
+        </p:txBody>
+      </p:sp>
+      <p:sp>
+        <p:nvSpPr>
+          <p:cNvPr id="6" name="文本框 5"/>
+          <p:cNvSpPr txBox="1"/>
+          <p:nvPr/>
+        </p:nvSpPr>
+        <p:spPr>
+          <a:xfrm>
+            <a:off x="370696" y="118400"/>
+            <a:ext cx="1662546" cy="523220"/>
+          </a:xfrm>
+          <a:prstGeom prst="rect">
+            <a:avLst/>
+          </a:prstGeom>
+          <a:noFill/>
+        </p:spPr>
+        <p:txBody>
+          <a:bodyPr wrap="square" rtlCol="0">
+            <a:spAutoFit/>
+          </a:bodyPr>
+          <a:lstStyle/>
+          <a:p>
+            <a:pPr algn="ctr"/>
+            <a:r>
+              <a:rPr lang="zh-CN" altLang="en-US" sz="2800" dirty="0" smtClean="0">
+                <a:solidFill>
+                  <a:schemeClr val="bg1"/>
+                </a:solidFill>
+                <a:latin typeface="Noto Sans S Chinese Medium" panose="020B0600000000000000" pitchFamily="34" charset="-122"/>
+                <a:ea typeface="Noto Sans S Chinese Medium" panose="020B0600000000000000" pitchFamily="34" charset="-122"/>
+              </a:rPr>
+              <a:t>数据备份</a:t>
+            </a:r>
+            <a:endParaRPr lang="en-US" sz="2800" dirty="0">
+              <a:solidFill>
+                <a:schemeClr val="bg1"/>
+              </a:solidFill>
+              <a:latin typeface="Noto Sans S Chinese Medium" panose="020B0600000000000000" pitchFamily="34" charset="-122"/>
+              <a:ea typeface="Noto Sans S Chinese Medium" panose="020B0600000000000000" pitchFamily="34" charset="-122"/>
+            </a:endParaRPr>
+          </a:p>
+        </p:txBody>
+      </p:sp>
+      <p:sp>
+        <p:nvSpPr>
+          <p:cNvPr id="19" name="矩形 18"/>
+          <p:cNvSpPr/>
+          <p:nvPr/>
+        </p:nvSpPr>
+        <p:spPr>
+          <a:xfrm>
+            <a:off x="366575" y="2233421"/>
+            <a:ext cx="8354291" cy="3262695"/>
+          </a:xfrm>
+          <a:prstGeom prst="rect">
+            <a:avLst/>
+          </a:prstGeom>
+          <a:solidFill>
+            <a:schemeClr val="bg1"/>
+          </a:solidFill>
+          <a:ln>
+            <a:noFill/>
+          </a:ln>
+          <a:effectLst>
+            <a:outerShdw blurRad="50800" dist="38100" dir="5400000" algn="t" rotWithShape="0">
+              <a:prstClr val="black">
+                <a:alpha val="40000"/>
+              </a:prstClr>
+            </a:outerShdw>
+          </a:effectLst>
+        </p:spPr>
+        <p:style>
+          <a:lnRef idx="2">
+            <a:schemeClr val="accent1">
+              <a:shade val="50000"/>
+            </a:schemeClr>
+          </a:lnRef>
+          <a:fillRef idx="1">
+            <a:schemeClr val="accent1"/>
+          </a:fillRef>
+          <a:effectRef idx="0">
+            <a:schemeClr val="accent1"/>
+          </a:effectRef>
+          <a:fontRef idx="minor">
+            <a:schemeClr val="lt1"/>
+          </a:fontRef>
+        </p:style>
+        <p:txBody>
+          <a:bodyPr rtlCol="0" anchor="ctr"/>
+          <a:lstStyle/>
+          <a:p>
+            <a:pPr algn="ctr"/>
+            <a:endParaRPr lang="en-US"/>
+          </a:p>
+        </p:txBody>
+      </p:sp>
       <p:pic>
         <p:nvPicPr>
-          <p:cNvPr id="4" name="图片 3"/>
+          <p:cNvPr id="10" name="图片 9"/>
           <p:cNvPicPr>
             <a:picLocks noChangeAspect="1"/>
           </p:cNvPicPr>
           <p:nvPr/>
         </p:nvPicPr>
         <p:blipFill>
-          <a:blip r:embed="rId2"/>
+          <a:blip r:embed="rId2" cstate="print">
+            <a:extLst>
+              <a:ext uri="{28A0092B-C50C-407E-A947-70E740481C1C}">
+                <a14:useLocalDpi xmlns:a14="http://schemas.microsoft.com/office/drawing/2010/main" val="0"/>
+              </a:ext>
+            </a:extLst>
+          </a:blip>
           <a:stretch>
             <a:fillRect/>
           </a:stretch>
         </p:blipFill>
         <p:spPr>
           <a:xfrm>
-            <a:off x="1201969" y="760020"/>
-            <a:ext cx="3533775" cy="5695950"/>
-          </a:xfrm>
-          <a:prstGeom prst="rect">
-            <a:avLst/>
-          </a:prstGeom>
-        </p:spPr>
-      </p:pic>
-      <p:pic>
-        <p:nvPicPr>
-          <p:cNvPr id="5" name="图片 4"/>
-          <p:cNvPicPr>
-            <a:picLocks noChangeAspect="1"/>
-          </p:cNvPicPr>
-          <p:nvPr/>
-        </p:nvPicPr>
-        <p:blipFill>
-          <a:blip r:embed="rId3"/>
-          <a:stretch>
-            <a:fillRect/>
-          </a:stretch>
-        </p:blipFill>
-        <p:spPr>
-          <a:xfrm>
-            <a:off x="5083607" y="302821"/>
-            <a:ext cx="3552825" cy="6296025"/>
+            <a:off x="365016" y="2233421"/>
+            <a:ext cx="8357408" cy="3262695"/>
           </a:xfrm>
           <a:prstGeom prst="rect">
             <a:avLst/>
@@ -6376,13 +10452,20 @@
     </p:spTree>
     <p:extLst>
       <p:ext uri="{BB962C8B-B14F-4D97-AF65-F5344CB8AC3E}">
-        <p14:creationId xmlns:p14="http://schemas.microsoft.com/office/powerpoint/2010/main" val="717796913"/>
+        <p14:creationId xmlns:p14="http://schemas.microsoft.com/office/powerpoint/2010/main" val="2137086885"/>
       </p:ext>
     </p:extLst>
   </p:cSld>
   <p:clrMapOvr>
     <a:masterClrMapping/>
   </p:clrMapOvr>
+  <p:timing>
+    <p:tnLst>
+      <p:par>
+        <p:cTn id="1" dur="indefinite" restart="never" nodeType="tmRoot"/>
+      </p:par>
+    </p:tnLst>
+  </p:timing>
 </p:sld>
 </file>
 
